--- a/courses/zu/cse321a/files/lecture_08.pptx
+++ b/courses/zu/cse321a/files/lecture_08.pptx
@@ -24,7 +24,7 @@
     <p:sldId id="836" r:id="rId12"/>
     <p:sldId id="837" r:id="rId13"/>
     <p:sldId id="838" r:id="rId14"/>
-    <p:sldId id="839" r:id="rId15"/>
+    <p:sldId id="859" r:id="rId15"/>
     <p:sldId id="840" r:id="rId16"/>
     <p:sldId id="841" r:id="rId17"/>
     <p:sldId id="842" r:id="rId18"/>
@@ -738,674 +738,6 @@
       </p:grpSpPr>
       <p:sp>
         <p:nvSpPr>
-          <p:cNvPr id="31746" name="Rectangle 2"/>
-          <p:cNvSpPr>
-            <a:spLocks noChangeArrowheads="1"/>
-          </p:cNvSpPr>
-          <p:nvPr/>
-        </p:nvSpPr>
-        <p:spPr bwMode="auto">
-          <a:xfrm>
-            <a:off x="3886200" y="0"/>
-            <a:ext cx="2971800" cy="457200"/>
-          </a:xfrm>
-          <a:prstGeom prst="rect">
-            <a:avLst/>
-          </a:prstGeom>
-          <a:noFill/>
-          <a:ln>
-            <a:noFill/>
-          </a:ln>
-          <a:extLst>
-            <a:ext uri="{909E8E84-426E-40DD-AFC4-6F175D3DCCD1}">
-              <a14:hiddenFill xmlns:a14="http://schemas.microsoft.com/office/drawing/2010/main">
-                <a:solidFill>
-                  <a:srgbClr val="FFFFFF"/>
-                </a:solidFill>
-              </a14:hiddenFill>
-            </a:ext>
-            <a:ext uri="{91240B29-F687-4F45-9708-019B960494DF}">
-              <a14:hiddenLine xmlns:a14="http://schemas.microsoft.com/office/drawing/2010/main" w="12700">
-                <a:solidFill>
-                  <a:srgbClr val="000000"/>
-                </a:solidFill>
-                <a:miter lim="800000"/>
-                <a:headEnd/>
-                <a:tailEnd/>
-              </a14:hiddenLine>
-            </a:ext>
-          </a:extLst>
-        </p:spPr>
-        <p:txBody>
-          <a:bodyPr wrap="none" anchor="ctr"/>
-          <a:lstStyle>
-            <a:lvl1pPr>
-              <a:defRPr sz="2400">
-                <a:solidFill>
-                  <a:schemeClr val="tx1"/>
-                </a:solidFill>
-                <a:latin typeface="Times New Roman" panose="02020603050405020304" pitchFamily="18" charset="0"/>
-              </a:defRPr>
-            </a:lvl1pPr>
-            <a:lvl2pPr marL="742950" indent="-285750">
-              <a:defRPr sz="2400">
-                <a:solidFill>
-                  <a:schemeClr val="tx1"/>
-                </a:solidFill>
-                <a:latin typeface="Times New Roman" panose="02020603050405020304" pitchFamily="18" charset="0"/>
-              </a:defRPr>
-            </a:lvl2pPr>
-            <a:lvl3pPr marL="1143000" indent="-228600">
-              <a:defRPr sz="2400">
-                <a:solidFill>
-                  <a:schemeClr val="tx1"/>
-                </a:solidFill>
-                <a:latin typeface="Times New Roman" panose="02020603050405020304" pitchFamily="18" charset="0"/>
-              </a:defRPr>
-            </a:lvl3pPr>
-            <a:lvl4pPr marL="1600200" indent="-228600">
-              <a:defRPr sz="2400">
-                <a:solidFill>
-                  <a:schemeClr val="tx1"/>
-                </a:solidFill>
-                <a:latin typeface="Times New Roman" panose="02020603050405020304" pitchFamily="18" charset="0"/>
-              </a:defRPr>
-            </a:lvl4pPr>
-            <a:lvl5pPr marL="2057400" indent="-228600">
-              <a:defRPr sz="2400">
-                <a:solidFill>
-                  <a:schemeClr val="tx1"/>
-                </a:solidFill>
-                <a:latin typeface="Times New Roman" panose="02020603050405020304" pitchFamily="18" charset="0"/>
-              </a:defRPr>
-            </a:lvl5pPr>
-            <a:lvl6pPr marL="2514600" indent="-228600" eaLnBrk="0" fontAlgn="base" hangingPunct="0">
-              <a:spcBef>
-                <a:spcPct val="0"/>
-              </a:spcBef>
-              <a:spcAft>
-                <a:spcPct val="0"/>
-              </a:spcAft>
-              <a:defRPr sz="2400">
-                <a:solidFill>
-                  <a:schemeClr val="tx1"/>
-                </a:solidFill>
-                <a:latin typeface="Times New Roman" panose="02020603050405020304" pitchFamily="18" charset="0"/>
-              </a:defRPr>
-            </a:lvl6pPr>
-            <a:lvl7pPr marL="2971800" indent="-228600" eaLnBrk="0" fontAlgn="base" hangingPunct="0">
-              <a:spcBef>
-                <a:spcPct val="0"/>
-              </a:spcBef>
-              <a:spcAft>
-                <a:spcPct val="0"/>
-              </a:spcAft>
-              <a:defRPr sz="2400">
-                <a:solidFill>
-                  <a:schemeClr val="tx1"/>
-                </a:solidFill>
-                <a:latin typeface="Times New Roman" panose="02020603050405020304" pitchFamily="18" charset="0"/>
-              </a:defRPr>
-            </a:lvl7pPr>
-            <a:lvl8pPr marL="3429000" indent="-228600" eaLnBrk="0" fontAlgn="base" hangingPunct="0">
-              <a:spcBef>
-                <a:spcPct val="0"/>
-              </a:spcBef>
-              <a:spcAft>
-                <a:spcPct val="0"/>
-              </a:spcAft>
-              <a:defRPr sz="2400">
-                <a:solidFill>
-                  <a:schemeClr val="tx1"/>
-                </a:solidFill>
-                <a:latin typeface="Times New Roman" panose="02020603050405020304" pitchFamily="18" charset="0"/>
-              </a:defRPr>
-            </a:lvl8pPr>
-            <a:lvl9pPr marL="3886200" indent="-228600" eaLnBrk="0" fontAlgn="base" hangingPunct="0">
-              <a:spcBef>
-                <a:spcPct val="0"/>
-              </a:spcBef>
-              <a:spcAft>
-                <a:spcPct val="0"/>
-              </a:spcAft>
-              <a:defRPr sz="2400">
-                <a:solidFill>
-                  <a:schemeClr val="tx1"/>
-                </a:solidFill>
-                <a:latin typeface="Times New Roman" panose="02020603050405020304" pitchFamily="18" charset="0"/>
-              </a:defRPr>
-            </a:lvl9pPr>
-          </a:lstStyle>
-          <a:p>
-            <a:endParaRPr lang="en-CA" altLang="en-US"/>
-          </a:p>
-        </p:txBody>
-      </p:sp>
-      <p:sp>
-        <p:nvSpPr>
-          <p:cNvPr id="31747" name="Rectangle 3"/>
-          <p:cNvSpPr>
-            <a:spLocks noChangeArrowheads="1"/>
-          </p:cNvSpPr>
-          <p:nvPr/>
-        </p:nvSpPr>
-        <p:spPr bwMode="auto">
-          <a:xfrm>
-            <a:off x="3886200" y="8686800"/>
-            <a:ext cx="2971800" cy="457200"/>
-          </a:xfrm>
-          <a:prstGeom prst="rect">
-            <a:avLst/>
-          </a:prstGeom>
-          <a:noFill/>
-          <a:ln>
-            <a:noFill/>
-          </a:ln>
-          <a:extLst>
-            <a:ext uri="{909E8E84-426E-40DD-AFC4-6F175D3DCCD1}">
-              <a14:hiddenFill xmlns:a14="http://schemas.microsoft.com/office/drawing/2010/main">
-                <a:solidFill>
-                  <a:srgbClr val="FFFFFF"/>
-                </a:solidFill>
-              </a14:hiddenFill>
-            </a:ext>
-            <a:ext uri="{91240B29-F687-4F45-9708-019B960494DF}">
-              <a14:hiddenLine xmlns:a14="http://schemas.microsoft.com/office/drawing/2010/main" w="12700">
-                <a:solidFill>
-                  <a:srgbClr val="000000"/>
-                </a:solidFill>
-                <a:miter lim="800000"/>
-                <a:headEnd/>
-                <a:tailEnd/>
-              </a14:hiddenLine>
-            </a:ext>
-          </a:extLst>
-        </p:spPr>
-        <p:txBody>
-          <a:bodyPr lIns="90488" tIns="44450" rIns="90488" bIns="44450" anchor="b"/>
-          <a:lstStyle>
-            <a:lvl1pPr>
-              <a:defRPr sz="2400">
-                <a:solidFill>
-                  <a:schemeClr val="tx1"/>
-                </a:solidFill>
-                <a:latin typeface="Times New Roman" panose="02020603050405020304" pitchFamily="18" charset="0"/>
-              </a:defRPr>
-            </a:lvl1pPr>
-            <a:lvl2pPr marL="742950" indent="-285750">
-              <a:defRPr sz="2400">
-                <a:solidFill>
-                  <a:schemeClr val="tx1"/>
-                </a:solidFill>
-                <a:latin typeface="Times New Roman" panose="02020603050405020304" pitchFamily="18" charset="0"/>
-              </a:defRPr>
-            </a:lvl2pPr>
-            <a:lvl3pPr marL="1143000" indent="-228600">
-              <a:defRPr sz="2400">
-                <a:solidFill>
-                  <a:schemeClr val="tx1"/>
-                </a:solidFill>
-                <a:latin typeface="Times New Roman" panose="02020603050405020304" pitchFamily="18" charset="0"/>
-              </a:defRPr>
-            </a:lvl3pPr>
-            <a:lvl4pPr marL="1600200" indent="-228600">
-              <a:defRPr sz="2400">
-                <a:solidFill>
-                  <a:schemeClr val="tx1"/>
-                </a:solidFill>
-                <a:latin typeface="Times New Roman" panose="02020603050405020304" pitchFamily="18" charset="0"/>
-              </a:defRPr>
-            </a:lvl4pPr>
-            <a:lvl5pPr marL="2057400" indent="-228600">
-              <a:defRPr sz="2400">
-                <a:solidFill>
-                  <a:schemeClr val="tx1"/>
-                </a:solidFill>
-                <a:latin typeface="Times New Roman" panose="02020603050405020304" pitchFamily="18" charset="0"/>
-              </a:defRPr>
-            </a:lvl5pPr>
-            <a:lvl6pPr marL="2514600" indent="-228600" eaLnBrk="0" fontAlgn="base" hangingPunct="0">
-              <a:spcBef>
-                <a:spcPct val="0"/>
-              </a:spcBef>
-              <a:spcAft>
-                <a:spcPct val="0"/>
-              </a:spcAft>
-              <a:defRPr sz="2400">
-                <a:solidFill>
-                  <a:schemeClr val="tx1"/>
-                </a:solidFill>
-                <a:latin typeface="Times New Roman" panose="02020603050405020304" pitchFamily="18" charset="0"/>
-              </a:defRPr>
-            </a:lvl6pPr>
-            <a:lvl7pPr marL="2971800" indent="-228600" eaLnBrk="0" fontAlgn="base" hangingPunct="0">
-              <a:spcBef>
-                <a:spcPct val="0"/>
-              </a:spcBef>
-              <a:spcAft>
-                <a:spcPct val="0"/>
-              </a:spcAft>
-              <a:defRPr sz="2400">
-                <a:solidFill>
-                  <a:schemeClr val="tx1"/>
-                </a:solidFill>
-                <a:latin typeface="Times New Roman" panose="02020603050405020304" pitchFamily="18" charset="0"/>
-              </a:defRPr>
-            </a:lvl7pPr>
-            <a:lvl8pPr marL="3429000" indent="-228600" eaLnBrk="0" fontAlgn="base" hangingPunct="0">
-              <a:spcBef>
-                <a:spcPct val="0"/>
-              </a:spcBef>
-              <a:spcAft>
-                <a:spcPct val="0"/>
-              </a:spcAft>
-              <a:defRPr sz="2400">
-                <a:solidFill>
-                  <a:schemeClr val="tx1"/>
-                </a:solidFill>
-                <a:latin typeface="Times New Roman" panose="02020603050405020304" pitchFamily="18" charset="0"/>
-              </a:defRPr>
-            </a:lvl8pPr>
-            <a:lvl9pPr marL="3886200" indent="-228600" eaLnBrk="0" fontAlgn="base" hangingPunct="0">
-              <a:spcBef>
-                <a:spcPct val="0"/>
-              </a:spcBef>
-              <a:spcAft>
-                <a:spcPct val="0"/>
-              </a:spcAft>
-              <a:defRPr sz="2400">
-                <a:solidFill>
-                  <a:schemeClr val="tx1"/>
-                </a:solidFill>
-                <a:latin typeface="Times New Roman" panose="02020603050405020304" pitchFamily="18" charset="0"/>
-              </a:defRPr>
-            </a:lvl9pPr>
-          </a:lstStyle>
-          <a:p>
-            <a:pPr algn="r"/>
-            <a:r>
-              <a:rPr lang="en-US" altLang="en-US" sz="1200"/>
-              <a:t>25</a:t>
-            </a:r>
-          </a:p>
-        </p:txBody>
-      </p:sp>
-      <p:sp>
-        <p:nvSpPr>
-          <p:cNvPr id="31748" name="Rectangle 4"/>
-          <p:cNvSpPr>
-            <a:spLocks noChangeArrowheads="1"/>
-          </p:cNvSpPr>
-          <p:nvPr/>
-        </p:nvSpPr>
-        <p:spPr bwMode="auto">
-          <a:xfrm>
-            <a:off x="0" y="8686800"/>
-            <a:ext cx="2971800" cy="457200"/>
-          </a:xfrm>
-          <a:prstGeom prst="rect">
-            <a:avLst/>
-          </a:prstGeom>
-          <a:noFill/>
-          <a:ln>
-            <a:noFill/>
-          </a:ln>
-          <a:extLst>
-            <a:ext uri="{909E8E84-426E-40DD-AFC4-6F175D3DCCD1}">
-              <a14:hiddenFill xmlns:a14="http://schemas.microsoft.com/office/drawing/2010/main">
-                <a:solidFill>
-                  <a:srgbClr val="FFFFFF"/>
-                </a:solidFill>
-              </a14:hiddenFill>
-            </a:ext>
-            <a:ext uri="{91240B29-F687-4F45-9708-019B960494DF}">
-              <a14:hiddenLine xmlns:a14="http://schemas.microsoft.com/office/drawing/2010/main" w="12700">
-                <a:solidFill>
-                  <a:srgbClr val="000000"/>
-                </a:solidFill>
-                <a:miter lim="800000"/>
-                <a:headEnd/>
-                <a:tailEnd/>
-              </a14:hiddenLine>
-            </a:ext>
-          </a:extLst>
-        </p:spPr>
-        <p:txBody>
-          <a:bodyPr wrap="none" anchor="ctr"/>
-          <a:lstStyle>
-            <a:lvl1pPr>
-              <a:defRPr sz="2400">
-                <a:solidFill>
-                  <a:schemeClr val="tx1"/>
-                </a:solidFill>
-                <a:latin typeface="Times New Roman" panose="02020603050405020304" pitchFamily="18" charset="0"/>
-              </a:defRPr>
-            </a:lvl1pPr>
-            <a:lvl2pPr marL="742950" indent="-285750">
-              <a:defRPr sz="2400">
-                <a:solidFill>
-                  <a:schemeClr val="tx1"/>
-                </a:solidFill>
-                <a:latin typeface="Times New Roman" panose="02020603050405020304" pitchFamily="18" charset="0"/>
-              </a:defRPr>
-            </a:lvl2pPr>
-            <a:lvl3pPr marL="1143000" indent="-228600">
-              <a:defRPr sz="2400">
-                <a:solidFill>
-                  <a:schemeClr val="tx1"/>
-                </a:solidFill>
-                <a:latin typeface="Times New Roman" panose="02020603050405020304" pitchFamily="18" charset="0"/>
-              </a:defRPr>
-            </a:lvl3pPr>
-            <a:lvl4pPr marL="1600200" indent="-228600">
-              <a:defRPr sz="2400">
-                <a:solidFill>
-                  <a:schemeClr val="tx1"/>
-                </a:solidFill>
-                <a:latin typeface="Times New Roman" panose="02020603050405020304" pitchFamily="18" charset="0"/>
-              </a:defRPr>
-            </a:lvl4pPr>
-            <a:lvl5pPr marL="2057400" indent="-228600">
-              <a:defRPr sz="2400">
-                <a:solidFill>
-                  <a:schemeClr val="tx1"/>
-                </a:solidFill>
-                <a:latin typeface="Times New Roman" panose="02020603050405020304" pitchFamily="18" charset="0"/>
-              </a:defRPr>
-            </a:lvl5pPr>
-            <a:lvl6pPr marL="2514600" indent="-228600" eaLnBrk="0" fontAlgn="base" hangingPunct="0">
-              <a:spcBef>
-                <a:spcPct val="0"/>
-              </a:spcBef>
-              <a:spcAft>
-                <a:spcPct val="0"/>
-              </a:spcAft>
-              <a:defRPr sz="2400">
-                <a:solidFill>
-                  <a:schemeClr val="tx1"/>
-                </a:solidFill>
-                <a:latin typeface="Times New Roman" panose="02020603050405020304" pitchFamily="18" charset="0"/>
-              </a:defRPr>
-            </a:lvl6pPr>
-            <a:lvl7pPr marL="2971800" indent="-228600" eaLnBrk="0" fontAlgn="base" hangingPunct="0">
-              <a:spcBef>
-                <a:spcPct val="0"/>
-              </a:spcBef>
-              <a:spcAft>
-                <a:spcPct val="0"/>
-              </a:spcAft>
-              <a:defRPr sz="2400">
-                <a:solidFill>
-                  <a:schemeClr val="tx1"/>
-                </a:solidFill>
-                <a:latin typeface="Times New Roman" panose="02020603050405020304" pitchFamily="18" charset="0"/>
-              </a:defRPr>
-            </a:lvl7pPr>
-            <a:lvl8pPr marL="3429000" indent="-228600" eaLnBrk="0" fontAlgn="base" hangingPunct="0">
-              <a:spcBef>
-                <a:spcPct val="0"/>
-              </a:spcBef>
-              <a:spcAft>
-                <a:spcPct val="0"/>
-              </a:spcAft>
-              <a:defRPr sz="2400">
-                <a:solidFill>
-                  <a:schemeClr val="tx1"/>
-                </a:solidFill>
-                <a:latin typeface="Times New Roman" panose="02020603050405020304" pitchFamily="18" charset="0"/>
-              </a:defRPr>
-            </a:lvl8pPr>
-            <a:lvl9pPr marL="3886200" indent="-228600" eaLnBrk="0" fontAlgn="base" hangingPunct="0">
-              <a:spcBef>
-                <a:spcPct val="0"/>
-              </a:spcBef>
-              <a:spcAft>
-                <a:spcPct val="0"/>
-              </a:spcAft>
-              <a:defRPr sz="2400">
-                <a:solidFill>
-                  <a:schemeClr val="tx1"/>
-                </a:solidFill>
-                <a:latin typeface="Times New Roman" panose="02020603050405020304" pitchFamily="18" charset="0"/>
-              </a:defRPr>
-            </a:lvl9pPr>
-          </a:lstStyle>
-          <a:p>
-            <a:endParaRPr lang="en-CA" altLang="en-US"/>
-          </a:p>
-        </p:txBody>
-      </p:sp>
-      <p:sp>
-        <p:nvSpPr>
-          <p:cNvPr id="31749" name="Rectangle 5"/>
-          <p:cNvSpPr>
-            <a:spLocks noChangeArrowheads="1"/>
-          </p:cNvSpPr>
-          <p:nvPr/>
-        </p:nvSpPr>
-        <p:spPr bwMode="auto">
-          <a:xfrm>
-            <a:off x="0" y="0"/>
-            <a:ext cx="2971800" cy="457200"/>
-          </a:xfrm>
-          <a:prstGeom prst="rect">
-            <a:avLst/>
-          </a:prstGeom>
-          <a:noFill/>
-          <a:ln>
-            <a:noFill/>
-          </a:ln>
-          <a:extLst>
-            <a:ext uri="{909E8E84-426E-40DD-AFC4-6F175D3DCCD1}">
-              <a14:hiddenFill xmlns:a14="http://schemas.microsoft.com/office/drawing/2010/main">
-                <a:solidFill>
-                  <a:srgbClr val="FFFFFF"/>
-                </a:solidFill>
-              </a14:hiddenFill>
-            </a:ext>
-            <a:ext uri="{91240B29-F687-4F45-9708-019B960494DF}">
-              <a14:hiddenLine xmlns:a14="http://schemas.microsoft.com/office/drawing/2010/main" w="12700">
-                <a:solidFill>
-                  <a:srgbClr val="000000"/>
-                </a:solidFill>
-                <a:miter lim="800000"/>
-                <a:headEnd/>
-                <a:tailEnd/>
-              </a14:hiddenLine>
-            </a:ext>
-          </a:extLst>
-        </p:spPr>
-        <p:txBody>
-          <a:bodyPr wrap="none" anchor="ctr"/>
-          <a:lstStyle>
-            <a:lvl1pPr>
-              <a:defRPr sz="2400">
-                <a:solidFill>
-                  <a:schemeClr val="tx1"/>
-                </a:solidFill>
-                <a:latin typeface="Times New Roman" panose="02020603050405020304" pitchFamily="18" charset="0"/>
-              </a:defRPr>
-            </a:lvl1pPr>
-            <a:lvl2pPr marL="742950" indent="-285750">
-              <a:defRPr sz="2400">
-                <a:solidFill>
-                  <a:schemeClr val="tx1"/>
-                </a:solidFill>
-                <a:latin typeface="Times New Roman" panose="02020603050405020304" pitchFamily="18" charset="0"/>
-              </a:defRPr>
-            </a:lvl2pPr>
-            <a:lvl3pPr marL="1143000" indent="-228600">
-              <a:defRPr sz="2400">
-                <a:solidFill>
-                  <a:schemeClr val="tx1"/>
-                </a:solidFill>
-                <a:latin typeface="Times New Roman" panose="02020603050405020304" pitchFamily="18" charset="0"/>
-              </a:defRPr>
-            </a:lvl3pPr>
-            <a:lvl4pPr marL="1600200" indent="-228600">
-              <a:defRPr sz="2400">
-                <a:solidFill>
-                  <a:schemeClr val="tx1"/>
-                </a:solidFill>
-                <a:latin typeface="Times New Roman" panose="02020603050405020304" pitchFamily="18" charset="0"/>
-              </a:defRPr>
-            </a:lvl4pPr>
-            <a:lvl5pPr marL="2057400" indent="-228600">
-              <a:defRPr sz="2400">
-                <a:solidFill>
-                  <a:schemeClr val="tx1"/>
-                </a:solidFill>
-                <a:latin typeface="Times New Roman" panose="02020603050405020304" pitchFamily="18" charset="0"/>
-              </a:defRPr>
-            </a:lvl5pPr>
-            <a:lvl6pPr marL="2514600" indent="-228600" eaLnBrk="0" fontAlgn="base" hangingPunct="0">
-              <a:spcBef>
-                <a:spcPct val="0"/>
-              </a:spcBef>
-              <a:spcAft>
-                <a:spcPct val="0"/>
-              </a:spcAft>
-              <a:defRPr sz="2400">
-                <a:solidFill>
-                  <a:schemeClr val="tx1"/>
-                </a:solidFill>
-                <a:latin typeface="Times New Roman" panose="02020603050405020304" pitchFamily="18" charset="0"/>
-              </a:defRPr>
-            </a:lvl6pPr>
-            <a:lvl7pPr marL="2971800" indent="-228600" eaLnBrk="0" fontAlgn="base" hangingPunct="0">
-              <a:spcBef>
-                <a:spcPct val="0"/>
-              </a:spcBef>
-              <a:spcAft>
-                <a:spcPct val="0"/>
-              </a:spcAft>
-              <a:defRPr sz="2400">
-                <a:solidFill>
-                  <a:schemeClr val="tx1"/>
-                </a:solidFill>
-                <a:latin typeface="Times New Roman" panose="02020603050405020304" pitchFamily="18" charset="0"/>
-              </a:defRPr>
-            </a:lvl7pPr>
-            <a:lvl8pPr marL="3429000" indent="-228600" eaLnBrk="0" fontAlgn="base" hangingPunct="0">
-              <a:spcBef>
-                <a:spcPct val="0"/>
-              </a:spcBef>
-              <a:spcAft>
-                <a:spcPct val="0"/>
-              </a:spcAft>
-              <a:defRPr sz="2400">
-                <a:solidFill>
-                  <a:schemeClr val="tx1"/>
-                </a:solidFill>
-                <a:latin typeface="Times New Roman" panose="02020603050405020304" pitchFamily="18" charset="0"/>
-              </a:defRPr>
-            </a:lvl8pPr>
-            <a:lvl9pPr marL="3886200" indent="-228600" eaLnBrk="0" fontAlgn="base" hangingPunct="0">
-              <a:spcBef>
-                <a:spcPct val="0"/>
-              </a:spcBef>
-              <a:spcAft>
-                <a:spcPct val="0"/>
-              </a:spcAft>
-              <a:defRPr sz="2400">
-                <a:solidFill>
-                  <a:schemeClr val="tx1"/>
-                </a:solidFill>
-                <a:latin typeface="Times New Roman" panose="02020603050405020304" pitchFamily="18" charset="0"/>
-              </a:defRPr>
-            </a:lvl9pPr>
-          </a:lstStyle>
-          <a:p>
-            <a:endParaRPr lang="en-CA" altLang="en-US"/>
-          </a:p>
-        </p:txBody>
-      </p:sp>
-      <p:sp>
-        <p:nvSpPr>
-          <p:cNvPr id="31750" name="Rectangle 6"/>
-          <p:cNvSpPr>
-            <a:spLocks noGrp="1" noRot="1" noChangeAspect="1" noChangeArrowheads="1" noTextEdit="1"/>
-          </p:cNvSpPr>
-          <p:nvPr>
-            <p:ph type="sldImg"/>
-          </p:nvPr>
-        </p:nvSpPr>
-        <p:spPr>
-          <a:xfrm>
-            <a:off x="1150938" y="692150"/>
-            <a:ext cx="4556125" cy="3416300"/>
-          </a:xfrm>
-          <a:ln cap="flat"/>
-        </p:spPr>
-      </p:sp>
-      <p:sp>
-        <p:nvSpPr>
-          <p:cNvPr id="31751" name="Rectangle 7"/>
-          <p:cNvSpPr>
-            <a:spLocks noGrp="1" noChangeArrowheads="1"/>
-          </p:cNvSpPr>
-          <p:nvPr>
-            <p:ph type="body" idx="1"/>
-          </p:nvPr>
-        </p:nvSpPr>
-        <p:spPr>
-          <a:noFill/>
-          <a:ln w="9525"/>
-          <a:extLst>
-            <a:ext uri="{909E8E84-426E-40DD-AFC4-6F175D3DCCD1}">
-              <a14:hiddenFill xmlns:a14="http://schemas.microsoft.com/office/drawing/2010/main">
-                <a:solidFill>
-                  <a:srgbClr val="FFFFFF"/>
-                </a:solidFill>
-              </a14:hiddenFill>
-            </a:ext>
-            <a:ext uri="{91240B29-F687-4F45-9708-019B960494DF}">
-              <a14:hiddenLine xmlns:a14="http://schemas.microsoft.com/office/drawing/2010/main" w="9525">
-                <a:solidFill>
-                  <a:srgbClr val="000000"/>
-                </a:solidFill>
-                <a:miter lim="800000"/>
-                <a:headEnd/>
-                <a:tailEnd/>
-              </a14:hiddenLine>
-            </a:ext>
-          </a:extLst>
-        </p:spPr>
-        <p:txBody>
-          <a:bodyPr/>
-          <a:lstStyle/>
-          <a:p>
-            <a:endParaRPr lang="en-GB" altLang="en-US"/>
-          </a:p>
-        </p:txBody>
-      </p:sp>
-    </p:spTree>
-  </p:cSld>
-  <p:clrMapOvr>
-    <a:masterClrMapping/>
-  </p:clrMapOvr>
-</p:notes>
-</file>
-
-<file path=ppt/notesSlides/notesSlide11.xml><?xml version="1.0" encoding="utf-8"?>
-<p:notes xmlns:a="http://schemas.openxmlformats.org/drawingml/2006/main" xmlns:r="http://schemas.openxmlformats.org/officeDocument/2006/relationships" xmlns:p="http://schemas.openxmlformats.org/presentationml/2006/main">
-  <p:cSld>
-    <p:spTree>
-      <p:nvGrpSpPr>
-        <p:cNvPr id="1" name=""/>
-        <p:cNvGrpSpPr/>
-        <p:nvPr/>
-      </p:nvGrpSpPr>
-      <p:grpSpPr>
-        <a:xfrm>
-          <a:off x="0" y="0"/>
-          <a:ext cx="0" cy="0"/>
-          <a:chOff x="0" y="0"/>
-          <a:chExt cx="0" cy="0"/>
-        </a:xfrm>
-      </p:grpSpPr>
-      <p:sp>
-        <p:nvSpPr>
           <p:cNvPr id="32770" name="Rectangle 2"/>
           <p:cNvSpPr>
             <a:spLocks noChangeArrowheads="1"/>
@@ -2055,7 +1387,7 @@
 </p:notes>
 </file>
 
-<file path=ppt/notesSlides/notesSlide12.xml><?xml version="1.0" encoding="utf-8"?>
+<file path=ppt/notesSlides/notesSlide11.xml><?xml version="1.0" encoding="utf-8"?>
 <p:notes xmlns:a="http://schemas.openxmlformats.org/drawingml/2006/main" xmlns:r="http://schemas.openxmlformats.org/officeDocument/2006/relationships" xmlns:p="http://schemas.openxmlformats.org/presentationml/2006/main">
   <p:cSld>
     <p:spTree>
@@ -6834,9 +6166,593 @@
       </p:grpSpPr>
       <p:sp>
         <p:nvSpPr>
-          <p:cNvPr id="2" name="Slide Image Placeholder 1"/>
+          <p:cNvPr id="31746" name="Rectangle 2"/>
           <p:cNvSpPr>
-            <a:spLocks noGrp="1" noRot="1" noChangeAspect="1"/>
+            <a:spLocks noChangeArrowheads="1"/>
+          </p:cNvSpPr>
+          <p:nvPr/>
+        </p:nvSpPr>
+        <p:spPr bwMode="auto">
+          <a:xfrm>
+            <a:off x="3886200" y="0"/>
+            <a:ext cx="2971800" cy="457200"/>
+          </a:xfrm>
+          <a:prstGeom prst="rect">
+            <a:avLst/>
+          </a:prstGeom>
+          <a:noFill/>
+          <a:ln>
+            <a:noFill/>
+          </a:ln>
+          <a:extLst>
+            <a:ext uri="{909E8E84-426E-40DD-AFC4-6F175D3DCCD1}">
+              <a14:hiddenFill xmlns:a14="http://schemas.microsoft.com/office/drawing/2010/main">
+                <a:solidFill>
+                  <a:srgbClr val="FFFFFF"/>
+                </a:solidFill>
+              </a14:hiddenFill>
+            </a:ext>
+            <a:ext uri="{91240B29-F687-4F45-9708-019B960494DF}">
+              <a14:hiddenLine xmlns:a14="http://schemas.microsoft.com/office/drawing/2010/main" w="12700">
+                <a:solidFill>
+                  <a:srgbClr val="000000"/>
+                </a:solidFill>
+                <a:miter lim="800000"/>
+                <a:headEnd/>
+                <a:tailEnd/>
+              </a14:hiddenLine>
+            </a:ext>
+          </a:extLst>
+        </p:spPr>
+        <p:txBody>
+          <a:bodyPr wrap="none" anchor="ctr"/>
+          <a:lstStyle>
+            <a:lvl1pPr>
+              <a:defRPr sz="2400">
+                <a:solidFill>
+                  <a:schemeClr val="tx1"/>
+                </a:solidFill>
+                <a:latin typeface="Times New Roman" panose="02020603050405020304" pitchFamily="18" charset="0"/>
+              </a:defRPr>
+            </a:lvl1pPr>
+            <a:lvl2pPr marL="742950" indent="-285750">
+              <a:defRPr sz="2400">
+                <a:solidFill>
+                  <a:schemeClr val="tx1"/>
+                </a:solidFill>
+                <a:latin typeface="Times New Roman" panose="02020603050405020304" pitchFamily="18" charset="0"/>
+              </a:defRPr>
+            </a:lvl2pPr>
+            <a:lvl3pPr marL="1143000" indent="-228600">
+              <a:defRPr sz="2400">
+                <a:solidFill>
+                  <a:schemeClr val="tx1"/>
+                </a:solidFill>
+                <a:latin typeface="Times New Roman" panose="02020603050405020304" pitchFamily="18" charset="0"/>
+              </a:defRPr>
+            </a:lvl3pPr>
+            <a:lvl4pPr marL="1600200" indent="-228600">
+              <a:defRPr sz="2400">
+                <a:solidFill>
+                  <a:schemeClr val="tx1"/>
+                </a:solidFill>
+                <a:latin typeface="Times New Roman" panose="02020603050405020304" pitchFamily="18" charset="0"/>
+              </a:defRPr>
+            </a:lvl4pPr>
+            <a:lvl5pPr marL="2057400" indent="-228600">
+              <a:defRPr sz="2400">
+                <a:solidFill>
+                  <a:schemeClr val="tx1"/>
+                </a:solidFill>
+                <a:latin typeface="Times New Roman" panose="02020603050405020304" pitchFamily="18" charset="0"/>
+              </a:defRPr>
+            </a:lvl5pPr>
+            <a:lvl6pPr marL="2514600" indent="-228600" eaLnBrk="0" fontAlgn="base" hangingPunct="0">
+              <a:spcBef>
+                <a:spcPct val="0"/>
+              </a:spcBef>
+              <a:spcAft>
+                <a:spcPct val="0"/>
+              </a:spcAft>
+              <a:defRPr sz="2400">
+                <a:solidFill>
+                  <a:schemeClr val="tx1"/>
+                </a:solidFill>
+                <a:latin typeface="Times New Roman" panose="02020603050405020304" pitchFamily="18" charset="0"/>
+              </a:defRPr>
+            </a:lvl6pPr>
+            <a:lvl7pPr marL="2971800" indent="-228600" eaLnBrk="0" fontAlgn="base" hangingPunct="0">
+              <a:spcBef>
+                <a:spcPct val="0"/>
+              </a:spcBef>
+              <a:spcAft>
+                <a:spcPct val="0"/>
+              </a:spcAft>
+              <a:defRPr sz="2400">
+                <a:solidFill>
+                  <a:schemeClr val="tx1"/>
+                </a:solidFill>
+                <a:latin typeface="Times New Roman" panose="02020603050405020304" pitchFamily="18" charset="0"/>
+              </a:defRPr>
+            </a:lvl7pPr>
+            <a:lvl8pPr marL="3429000" indent="-228600" eaLnBrk="0" fontAlgn="base" hangingPunct="0">
+              <a:spcBef>
+                <a:spcPct val="0"/>
+              </a:spcBef>
+              <a:spcAft>
+                <a:spcPct val="0"/>
+              </a:spcAft>
+              <a:defRPr sz="2400">
+                <a:solidFill>
+                  <a:schemeClr val="tx1"/>
+                </a:solidFill>
+                <a:latin typeface="Times New Roman" panose="02020603050405020304" pitchFamily="18" charset="0"/>
+              </a:defRPr>
+            </a:lvl8pPr>
+            <a:lvl9pPr marL="3886200" indent="-228600" eaLnBrk="0" fontAlgn="base" hangingPunct="0">
+              <a:spcBef>
+                <a:spcPct val="0"/>
+              </a:spcBef>
+              <a:spcAft>
+                <a:spcPct val="0"/>
+              </a:spcAft>
+              <a:defRPr sz="2400">
+                <a:solidFill>
+                  <a:schemeClr val="tx1"/>
+                </a:solidFill>
+                <a:latin typeface="Times New Roman" panose="02020603050405020304" pitchFamily="18" charset="0"/>
+              </a:defRPr>
+            </a:lvl9pPr>
+          </a:lstStyle>
+          <a:p>
+            <a:endParaRPr lang="en-CA" altLang="en-US"/>
+          </a:p>
+        </p:txBody>
+      </p:sp>
+      <p:sp>
+        <p:nvSpPr>
+          <p:cNvPr id="31747" name="Rectangle 3"/>
+          <p:cNvSpPr>
+            <a:spLocks noChangeArrowheads="1"/>
+          </p:cNvSpPr>
+          <p:nvPr/>
+        </p:nvSpPr>
+        <p:spPr bwMode="auto">
+          <a:xfrm>
+            <a:off x="3886200" y="8686800"/>
+            <a:ext cx="2971800" cy="457200"/>
+          </a:xfrm>
+          <a:prstGeom prst="rect">
+            <a:avLst/>
+          </a:prstGeom>
+          <a:noFill/>
+          <a:ln>
+            <a:noFill/>
+          </a:ln>
+          <a:extLst>
+            <a:ext uri="{909E8E84-426E-40DD-AFC4-6F175D3DCCD1}">
+              <a14:hiddenFill xmlns:a14="http://schemas.microsoft.com/office/drawing/2010/main">
+                <a:solidFill>
+                  <a:srgbClr val="FFFFFF"/>
+                </a:solidFill>
+              </a14:hiddenFill>
+            </a:ext>
+            <a:ext uri="{91240B29-F687-4F45-9708-019B960494DF}">
+              <a14:hiddenLine xmlns:a14="http://schemas.microsoft.com/office/drawing/2010/main" w="12700">
+                <a:solidFill>
+                  <a:srgbClr val="000000"/>
+                </a:solidFill>
+                <a:miter lim="800000"/>
+                <a:headEnd/>
+                <a:tailEnd/>
+              </a14:hiddenLine>
+            </a:ext>
+          </a:extLst>
+        </p:spPr>
+        <p:txBody>
+          <a:bodyPr lIns="90488" tIns="44450" rIns="90488" bIns="44450" anchor="b"/>
+          <a:lstStyle>
+            <a:lvl1pPr>
+              <a:defRPr sz="2400">
+                <a:solidFill>
+                  <a:schemeClr val="tx1"/>
+                </a:solidFill>
+                <a:latin typeface="Times New Roman" panose="02020603050405020304" pitchFamily="18" charset="0"/>
+              </a:defRPr>
+            </a:lvl1pPr>
+            <a:lvl2pPr marL="742950" indent="-285750">
+              <a:defRPr sz="2400">
+                <a:solidFill>
+                  <a:schemeClr val="tx1"/>
+                </a:solidFill>
+                <a:latin typeface="Times New Roman" panose="02020603050405020304" pitchFamily="18" charset="0"/>
+              </a:defRPr>
+            </a:lvl2pPr>
+            <a:lvl3pPr marL="1143000" indent="-228600">
+              <a:defRPr sz="2400">
+                <a:solidFill>
+                  <a:schemeClr val="tx1"/>
+                </a:solidFill>
+                <a:latin typeface="Times New Roman" panose="02020603050405020304" pitchFamily="18" charset="0"/>
+              </a:defRPr>
+            </a:lvl3pPr>
+            <a:lvl4pPr marL="1600200" indent="-228600">
+              <a:defRPr sz="2400">
+                <a:solidFill>
+                  <a:schemeClr val="tx1"/>
+                </a:solidFill>
+                <a:latin typeface="Times New Roman" panose="02020603050405020304" pitchFamily="18" charset="0"/>
+              </a:defRPr>
+            </a:lvl4pPr>
+            <a:lvl5pPr marL="2057400" indent="-228600">
+              <a:defRPr sz="2400">
+                <a:solidFill>
+                  <a:schemeClr val="tx1"/>
+                </a:solidFill>
+                <a:latin typeface="Times New Roman" panose="02020603050405020304" pitchFamily="18" charset="0"/>
+              </a:defRPr>
+            </a:lvl5pPr>
+            <a:lvl6pPr marL="2514600" indent="-228600" eaLnBrk="0" fontAlgn="base" hangingPunct="0">
+              <a:spcBef>
+                <a:spcPct val="0"/>
+              </a:spcBef>
+              <a:spcAft>
+                <a:spcPct val="0"/>
+              </a:spcAft>
+              <a:defRPr sz="2400">
+                <a:solidFill>
+                  <a:schemeClr val="tx1"/>
+                </a:solidFill>
+                <a:latin typeface="Times New Roman" panose="02020603050405020304" pitchFamily="18" charset="0"/>
+              </a:defRPr>
+            </a:lvl6pPr>
+            <a:lvl7pPr marL="2971800" indent="-228600" eaLnBrk="0" fontAlgn="base" hangingPunct="0">
+              <a:spcBef>
+                <a:spcPct val="0"/>
+              </a:spcBef>
+              <a:spcAft>
+                <a:spcPct val="0"/>
+              </a:spcAft>
+              <a:defRPr sz="2400">
+                <a:solidFill>
+                  <a:schemeClr val="tx1"/>
+                </a:solidFill>
+                <a:latin typeface="Times New Roman" panose="02020603050405020304" pitchFamily="18" charset="0"/>
+              </a:defRPr>
+            </a:lvl7pPr>
+            <a:lvl8pPr marL="3429000" indent="-228600" eaLnBrk="0" fontAlgn="base" hangingPunct="0">
+              <a:spcBef>
+                <a:spcPct val="0"/>
+              </a:spcBef>
+              <a:spcAft>
+                <a:spcPct val="0"/>
+              </a:spcAft>
+              <a:defRPr sz="2400">
+                <a:solidFill>
+                  <a:schemeClr val="tx1"/>
+                </a:solidFill>
+                <a:latin typeface="Times New Roman" panose="02020603050405020304" pitchFamily="18" charset="0"/>
+              </a:defRPr>
+            </a:lvl8pPr>
+            <a:lvl9pPr marL="3886200" indent="-228600" eaLnBrk="0" fontAlgn="base" hangingPunct="0">
+              <a:spcBef>
+                <a:spcPct val="0"/>
+              </a:spcBef>
+              <a:spcAft>
+                <a:spcPct val="0"/>
+              </a:spcAft>
+              <a:defRPr sz="2400">
+                <a:solidFill>
+                  <a:schemeClr val="tx1"/>
+                </a:solidFill>
+                <a:latin typeface="Times New Roman" panose="02020603050405020304" pitchFamily="18" charset="0"/>
+              </a:defRPr>
+            </a:lvl9pPr>
+          </a:lstStyle>
+          <a:p>
+            <a:pPr algn="r"/>
+            <a:r>
+              <a:rPr lang="en-US" altLang="en-US" sz="1200"/>
+              <a:t>25</a:t>
+            </a:r>
+          </a:p>
+        </p:txBody>
+      </p:sp>
+      <p:sp>
+        <p:nvSpPr>
+          <p:cNvPr id="31748" name="Rectangle 4"/>
+          <p:cNvSpPr>
+            <a:spLocks noChangeArrowheads="1"/>
+          </p:cNvSpPr>
+          <p:nvPr/>
+        </p:nvSpPr>
+        <p:spPr bwMode="auto">
+          <a:xfrm>
+            <a:off x="0" y="8686800"/>
+            <a:ext cx="2971800" cy="457200"/>
+          </a:xfrm>
+          <a:prstGeom prst="rect">
+            <a:avLst/>
+          </a:prstGeom>
+          <a:noFill/>
+          <a:ln>
+            <a:noFill/>
+          </a:ln>
+          <a:extLst>
+            <a:ext uri="{909E8E84-426E-40DD-AFC4-6F175D3DCCD1}">
+              <a14:hiddenFill xmlns:a14="http://schemas.microsoft.com/office/drawing/2010/main">
+                <a:solidFill>
+                  <a:srgbClr val="FFFFFF"/>
+                </a:solidFill>
+              </a14:hiddenFill>
+            </a:ext>
+            <a:ext uri="{91240B29-F687-4F45-9708-019B960494DF}">
+              <a14:hiddenLine xmlns:a14="http://schemas.microsoft.com/office/drawing/2010/main" w="12700">
+                <a:solidFill>
+                  <a:srgbClr val="000000"/>
+                </a:solidFill>
+                <a:miter lim="800000"/>
+                <a:headEnd/>
+                <a:tailEnd/>
+              </a14:hiddenLine>
+            </a:ext>
+          </a:extLst>
+        </p:spPr>
+        <p:txBody>
+          <a:bodyPr wrap="none" anchor="ctr"/>
+          <a:lstStyle>
+            <a:lvl1pPr>
+              <a:defRPr sz="2400">
+                <a:solidFill>
+                  <a:schemeClr val="tx1"/>
+                </a:solidFill>
+                <a:latin typeface="Times New Roman" panose="02020603050405020304" pitchFamily="18" charset="0"/>
+              </a:defRPr>
+            </a:lvl1pPr>
+            <a:lvl2pPr marL="742950" indent="-285750">
+              <a:defRPr sz="2400">
+                <a:solidFill>
+                  <a:schemeClr val="tx1"/>
+                </a:solidFill>
+                <a:latin typeface="Times New Roman" panose="02020603050405020304" pitchFamily="18" charset="0"/>
+              </a:defRPr>
+            </a:lvl2pPr>
+            <a:lvl3pPr marL="1143000" indent="-228600">
+              <a:defRPr sz="2400">
+                <a:solidFill>
+                  <a:schemeClr val="tx1"/>
+                </a:solidFill>
+                <a:latin typeface="Times New Roman" panose="02020603050405020304" pitchFamily="18" charset="0"/>
+              </a:defRPr>
+            </a:lvl3pPr>
+            <a:lvl4pPr marL="1600200" indent="-228600">
+              <a:defRPr sz="2400">
+                <a:solidFill>
+                  <a:schemeClr val="tx1"/>
+                </a:solidFill>
+                <a:latin typeface="Times New Roman" panose="02020603050405020304" pitchFamily="18" charset="0"/>
+              </a:defRPr>
+            </a:lvl4pPr>
+            <a:lvl5pPr marL="2057400" indent="-228600">
+              <a:defRPr sz="2400">
+                <a:solidFill>
+                  <a:schemeClr val="tx1"/>
+                </a:solidFill>
+                <a:latin typeface="Times New Roman" panose="02020603050405020304" pitchFamily="18" charset="0"/>
+              </a:defRPr>
+            </a:lvl5pPr>
+            <a:lvl6pPr marL="2514600" indent="-228600" eaLnBrk="0" fontAlgn="base" hangingPunct="0">
+              <a:spcBef>
+                <a:spcPct val="0"/>
+              </a:spcBef>
+              <a:spcAft>
+                <a:spcPct val="0"/>
+              </a:spcAft>
+              <a:defRPr sz="2400">
+                <a:solidFill>
+                  <a:schemeClr val="tx1"/>
+                </a:solidFill>
+                <a:latin typeface="Times New Roman" panose="02020603050405020304" pitchFamily="18" charset="0"/>
+              </a:defRPr>
+            </a:lvl6pPr>
+            <a:lvl7pPr marL="2971800" indent="-228600" eaLnBrk="0" fontAlgn="base" hangingPunct="0">
+              <a:spcBef>
+                <a:spcPct val="0"/>
+              </a:spcBef>
+              <a:spcAft>
+                <a:spcPct val="0"/>
+              </a:spcAft>
+              <a:defRPr sz="2400">
+                <a:solidFill>
+                  <a:schemeClr val="tx1"/>
+                </a:solidFill>
+                <a:latin typeface="Times New Roman" panose="02020603050405020304" pitchFamily="18" charset="0"/>
+              </a:defRPr>
+            </a:lvl7pPr>
+            <a:lvl8pPr marL="3429000" indent="-228600" eaLnBrk="0" fontAlgn="base" hangingPunct="0">
+              <a:spcBef>
+                <a:spcPct val="0"/>
+              </a:spcBef>
+              <a:spcAft>
+                <a:spcPct val="0"/>
+              </a:spcAft>
+              <a:defRPr sz="2400">
+                <a:solidFill>
+                  <a:schemeClr val="tx1"/>
+                </a:solidFill>
+                <a:latin typeface="Times New Roman" panose="02020603050405020304" pitchFamily="18" charset="0"/>
+              </a:defRPr>
+            </a:lvl8pPr>
+            <a:lvl9pPr marL="3886200" indent="-228600" eaLnBrk="0" fontAlgn="base" hangingPunct="0">
+              <a:spcBef>
+                <a:spcPct val="0"/>
+              </a:spcBef>
+              <a:spcAft>
+                <a:spcPct val="0"/>
+              </a:spcAft>
+              <a:defRPr sz="2400">
+                <a:solidFill>
+                  <a:schemeClr val="tx1"/>
+                </a:solidFill>
+                <a:latin typeface="Times New Roman" panose="02020603050405020304" pitchFamily="18" charset="0"/>
+              </a:defRPr>
+            </a:lvl9pPr>
+          </a:lstStyle>
+          <a:p>
+            <a:endParaRPr lang="en-CA" altLang="en-US"/>
+          </a:p>
+        </p:txBody>
+      </p:sp>
+      <p:sp>
+        <p:nvSpPr>
+          <p:cNvPr id="31749" name="Rectangle 5"/>
+          <p:cNvSpPr>
+            <a:spLocks noChangeArrowheads="1"/>
+          </p:cNvSpPr>
+          <p:nvPr/>
+        </p:nvSpPr>
+        <p:spPr bwMode="auto">
+          <a:xfrm>
+            <a:off x="0" y="0"/>
+            <a:ext cx="2971800" cy="457200"/>
+          </a:xfrm>
+          <a:prstGeom prst="rect">
+            <a:avLst/>
+          </a:prstGeom>
+          <a:noFill/>
+          <a:ln>
+            <a:noFill/>
+          </a:ln>
+          <a:extLst>
+            <a:ext uri="{909E8E84-426E-40DD-AFC4-6F175D3DCCD1}">
+              <a14:hiddenFill xmlns:a14="http://schemas.microsoft.com/office/drawing/2010/main">
+                <a:solidFill>
+                  <a:srgbClr val="FFFFFF"/>
+                </a:solidFill>
+              </a14:hiddenFill>
+            </a:ext>
+            <a:ext uri="{91240B29-F687-4F45-9708-019B960494DF}">
+              <a14:hiddenLine xmlns:a14="http://schemas.microsoft.com/office/drawing/2010/main" w="12700">
+                <a:solidFill>
+                  <a:srgbClr val="000000"/>
+                </a:solidFill>
+                <a:miter lim="800000"/>
+                <a:headEnd/>
+                <a:tailEnd/>
+              </a14:hiddenLine>
+            </a:ext>
+          </a:extLst>
+        </p:spPr>
+        <p:txBody>
+          <a:bodyPr wrap="none" anchor="ctr"/>
+          <a:lstStyle>
+            <a:lvl1pPr>
+              <a:defRPr sz="2400">
+                <a:solidFill>
+                  <a:schemeClr val="tx1"/>
+                </a:solidFill>
+                <a:latin typeface="Times New Roman" panose="02020603050405020304" pitchFamily="18" charset="0"/>
+              </a:defRPr>
+            </a:lvl1pPr>
+            <a:lvl2pPr marL="742950" indent="-285750">
+              <a:defRPr sz="2400">
+                <a:solidFill>
+                  <a:schemeClr val="tx1"/>
+                </a:solidFill>
+                <a:latin typeface="Times New Roman" panose="02020603050405020304" pitchFamily="18" charset="0"/>
+              </a:defRPr>
+            </a:lvl2pPr>
+            <a:lvl3pPr marL="1143000" indent="-228600">
+              <a:defRPr sz="2400">
+                <a:solidFill>
+                  <a:schemeClr val="tx1"/>
+                </a:solidFill>
+                <a:latin typeface="Times New Roman" panose="02020603050405020304" pitchFamily="18" charset="0"/>
+              </a:defRPr>
+            </a:lvl3pPr>
+            <a:lvl4pPr marL="1600200" indent="-228600">
+              <a:defRPr sz="2400">
+                <a:solidFill>
+                  <a:schemeClr val="tx1"/>
+                </a:solidFill>
+                <a:latin typeface="Times New Roman" panose="02020603050405020304" pitchFamily="18" charset="0"/>
+              </a:defRPr>
+            </a:lvl4pPr>
+            <a:lvl5pPr marL="2057400" indent="-228600">
+              <a:defRPr sz="2400">
+                <a:solidFill>
+                  <a:schemeClr val="tx1"/>
+                </a:solidFill>
+                <a:latin typeface="Times New Roman" panose="02020603050405020304" pitchFamily="18" charset="0"/>
+              </a:defRPr>
+            </a:lvl5pPr>
+            <a:lvl6pPr marL="2514600" indent="-228600" eaLnBrk="0" fontAlgn="base" hangingPunct="0">
+              <a:spcBef>
+                <a:spcPct val="0"/>
+              </a:spcBef>
+              <a:spcAft>
+                <a:spcPct val="0"/>
+              </a:spcAft>
+              <a:defRPr sz="2400">
+                <a:solidFill>
+                  <a:schemeClr val="tx1"/>
+                </a:solidFill>
+                <a:latin typeface="Times New Roman" panose="02020603050405020304" pitchFamily="18" charset="0"/>
+              </a:defRPr>
+            </a:lvl6pPr>
+            <a:lvl7pPr marL="2971800" indent="-228600" eaLnBrk="0" fontAlgn="base" hangingPunct="0">
+              <a:spcBef>
+                <a:spcPct val="0"/>
+              </a:spcBef>
+              <a:spcAft>
+                <a:spcPct val="0"/>
+              </a:spcAft>
+              <a:defRPr sz="2400">
+                <a:solidFill>
+                  <a:schemeClr val="tx1"/>
+                </a:solidFill>
+                <a:latin typeface="Times New Roman" panose="02020603050405020304" pitchFamily="18" charset="0"/>
+              </a:defRPr>
+            </a:lvl7pPr>
+            <a:lvl8pPr marL="3429000" indent="-228600" eaLnBrk="0" fontAlgn="base" hangingPunct="0">
+              <a:spcBef>
+                <a:spcPct val="0"/>
+              </a:spcBef>
+              <a:spcAft>
+                <a:spcPct val="0"/>
+              </a:spcAft>
+              <a:defRPr sz="2400">
+                <a:solidFill>
+                  <a:schemeClr val="tx1"/>
+                </a:solidFill>
+                <a:latin typeface="Times New Roman" panose="02020603050405020304" pitchFamily="18" charset="0"/>
+              </a:defRPr>
+            </a:lvl8pPr>
+            <a:lvl9pPr marL="3886200" indent="-228600" eaLnBrk="0" fontAlgn="base" hangingPunct="0">
+              <a:spcBef>
+                <a:spcPct val="0"/>
+              </a:spcBef>
+              <a:spcAft>
+                <a:spcPct val="0"/>
+              </a:spcAft>
+              <a:defRPr sz="2400">
+                <a:solidFill>
+                  <a:schemeClr val="tx1"/>
+                </a:solidFill>
+                <a:latin typeface="Times New Roman" panose="02020603050405020304" pitchFamily="18" charset="0"/>
+              </a:defRPr>
+            </a:lvl9pPr>
+          </a:lstStyle>
+          <a:p>
+            <a:endParaRPr lang="en-CA" altLang="en-US"/>
+          </a:p>
+        </p:txBody>
+      </p:sp>
+      <p:sp>
+        <p:nvSpPr>
+          <p:cNvPr id="31750" name="Rectangle 6"/>
+          <p:cNvSpPr>
+            <a:spLocks noGrp="1" noRot="1" noChangeAspect="1" noChangeArrowheads="1" noTextEdit="1"/>
           </p:cNvSpPr>
           <p:nvPr>
             <p:ph type="sldImg"/>
@@ -6847,33 +6763,51 @@
             <a:off x="1150938" y="692150"/>
             <a:ext cx="4556125" cy="3416300"/>
           </a:xfrm>
+          <a:ln cap="flat"/>
         </p:spPr>
       </p:sp>
       <p:sp>
         <p:nvSpPr>
-          <p:cNvPr id="3" name="Notes Placeholder 2"/>
+          <p:cNvPr id="31751" name="Rectangle 7"/>
           <p:cNvSpPr>
-            <a:spLocks noGrp="1"/>
+            <a:spLocks noGrp="1" noChangeArrowheads="1"/>
           </p:cNvSpPr>
           <p:nvPr>
             <p:ph type="body" idx="1"/>
           </p:nvPr>
         </p:nvSpPr>
-        <p:spPr/>
+        <p:spPr>
+          <a:noFill/>
+          <a:ln w="9525"/>
+          <a:extLst>
+            <a:ext uri="{909E8E84-426E-40DD-AFC4-6F175D3DCCD1}">
+              <a14:hiddenFill xmlns:a14="http://schemas.microsoft.com/office/drawing/2010/main">
+                <a:solidFill>
+                  <a:srgbClr val="FFFFFF"/>
+                </a:solidFill>
+              </a14:hiddenFill>
+            </a:ext>
+            <a:ext uri="{91240B29-F687-4F45-9708-019B960494DF}">
+              <a14:hiddenLine xmlns:a14="http://schemas.microsoft.com/office/drawing/2010/main" w="9525">
+                <a:solidFill>
+                  <a:srgbClr val="000000"/>
+                </a:solidFill>
+                <a:miter lim="800000"/>
+                <a:headEnd/>
+                <a:tailEnd/>
+              </a14:hiddenLine>
+            </a:ext>
+          </a:extLst>
+        </p:spPr>
         <p:txBody>
           <a:bodyPr/>
           <a:lstStyle/>
           <a:p>
-            <a:endParaRPr lang="en-US" dirty="0"/>
+            <a:endParaRPr lang="en-GB" altLang="en-US"/>
           </a:p>
         </p:txBody>
       </p:sp>
     </p:spTree>
-    <p:extLst>
-      <p:ext uri="{BB962C8B-B14F-4D97-AF65-F5344CB8AC3E}">
-        <p14:creationId xmlns:p14="http://schemas.microsoft.com/office/powerpoint/2010/main" val="3719188193"/>
-      </p:ext>
-    </p:extLst>
   </p:cSld>
   <p:clrMapOvr>
     <a:masterClrMapping/>
@@ -15605,7 +15539,7 @@
         </p:nvSpPr>
         <p:spPr bwMode="auto">
           <a:xfrm>
-            <a:off x="4500563" y="4043511"/>
+            <a:off x="4500563" y="4475163"/>
             <a:ext cx="792162" cy="393700"/>
           </a:xfrm>
           <a:prstGeom prst="rect">
@@ -16998,7 +16932,7 @@
         </p:nvSpPr>
         <p:spPr bwMode="auto">
           <a:xfrm>
-            <a:off x="4500563" y="6059636"/>
+            <a:off x="4500563" y="6491288"/>
             <a:ext cx="792162" cy="393700"/>
           </a:xfrm>
           <a:prstGeom prst="rect">
@@ -17194,7 +17128,7 @@
         </p:nvSpPr>
         <p:spPr bwMode="auto">
           <a:xfrm>
-            <a:off x="5219700" y="6237436"/>
+            <a:off x="5219700" y="6669088"/>
             <a:ext cx="431800" cy="0"/>
           </a:xfrm>
           <a:prstGeom prst="line">
@@ -17539,7 +17473,7 @@
         <p:spPr bwMode="auto">
           <a:xfrm>
             <a:off x="5724525" y="6021388"/>
-            <a:ext cx="2232025" cy="397930"/>
+            <a:ext cx="2232025" cy="427037"/>
           </a:xfrm>
           <a:prstGeom prst="rect">
             <a:avLst/>
@@ -17665,13 +17599,13 @@
               </a:lnSpc>
             </a:pPr>
             <a:r>
-              <a:rPr lang="en-US" altLang="en-US" sz="1800" b="1" dirty="0">
+              <a:rPr lang="en-US" altLang="en-US" sz="1800" b="1">
                 <a:solidFill>
                   <a:schemeClr val="bg1"/>
                 </a:solidFill>
                 <a:cs typeface="Times New Roman" panose="02020603050405020304" pitchFamily="18" charset="0"/>
               </a:rPr>
-              <a:t>Old FP Value</a:t>
+              <a:t>Old Frame Pointer</a:t>
             </a:r>
           </a:p>
         </p:txBody>
@@ -18149,7 +18083,7 @@
         <p:spPr bwMode="auto">
           <a:xfrm>
             <a:off x="5724525" y="4398963"/>
-            <a:ext cx="2232025" cy="397930"/>
+            <a:ext cx="2232025" cy="427037"/>
           </a:xfrm>
           <a:prstGeom prst="rect">
             <a:avLst/>
@@ -18275,13 +18209,13 @@
               </a:lnSpc>
             </a:pPr>
             <a:r>
-              <a:rPr lang="en-US" altLang="en-US" sz="1800" b="1" dirty="0">
+              <a:rPr lang="en-US" altLang="en-US" sz="1800" b="1">
                 <a:solidFill>
                   <a:schemeClr val="bg1"/>
                 </a:solidFill>
                 <a:cs typeface="Times New Roman" panose="02020603050405020304" pitchFamily="18" charset="0"/>
               </a:rPr>
-              <a:t>Old FP Value</a:t>
+              <a:t>Old Frame Pointer</a:t>
             </a:r>
           </a:p>
         </p:txBody>
@@ -18610,7 +18544,7 @@
         </p:nvSpPr>
         <p:spPr bwMode="auto">
           <a:xfrm>
-            <a:off x="4500563" y="5627836"/>
+            <a:off x="4500563" y="6059488"/>
             <a:ext cx="792162" cy="393700"/>
           </a:xfrm>
           <a:prstGeom prst="rect">
@@ -18765,7 +18699,7 @@
         </p:nvSpPr>
         <p:spPr bwMode="auto">
           <a:xfrm flipV="1">
-            <a:off x="5219700" y="5805636"/>
+            <a:off x="5219700" y="6237288"/>
             <a:ext cx="431800" cy="0"/>
           </a:xfrm>
           <a:prstGeom prst="line">
@@ -18888,7 +18822,7 @@
         </p:nvSpPr>
         <p:spPr bwMode="auto">
           <a:xfrm>
-            <a:off x="4500563" y="4835673"/>
+            <a:off x="4500563" y="5267325"/>
             <a:ext cx="792162" cy="393700"/>
           </a:xfrm>
           <a:prstGeom prst="rect">
@@ -19043,7 +18977,7 @@
         </p:nvSpPr>
         <p:spPr bwMode="auto">
           <a:xfrm flipV="1">
-            <a:off x="5219700" y="5013473"/>
+            <a:off x="5219700" y="5445125"/>
             <a:ext cx="431800" cy="0"/>
           </a:xfrm>
           <a:prstGeom prst="line">
@@ -19084,7 +19018,7 @@
         </p:nvSpPr>
         <p:spPr bwMode="auto">
           <a:xfrm>
-            <a:off x="8459788" y="5538936"/>
+            <a:off x="8459788" y="5970588"/>
             <a:ext cx="684212" cy="579437"/>
           </a:xfrm>
           <a:prstGeom prst="rect">
@@ -19223,7 +19157,7 @@
               </a:lnSpc>
             </a:pPr>
             <a:r>
-              <a:rPr lang="en-US" altLang="en-US" sz="1600" b="1" dirty="0"/>
+              <a:rPr lang="en-US" altLang="en-US" sz="1600" b="1"/>
               <a:t>Frame Pointer</a:t>
             </a:r>
           </a:p>
@@ -19280,7 +19214,7 @@
         </p:nvSpPr>
         <p:spPr bwMode="auto">
           <a:xfrm>
-            <a:off x="4500563" y="5196036"/>
+            <a:off x="4500563" y="5627688"/>
             <a:ext cx="792162" cy="393700"/>
           </a:xfrm>
           <a:prstGeom prst="rect">
@@ -19435,7 +19369,7 @@
         </p:nvSpPr>
         <p:spPr bwMode="auto">
           <a:xfrm>
-            <a:off x="5219700" y="5373836"/>
+            <a:off x="5219700" y="5805488"/>
             <a:ext cx="431800" cy="0"/>
           </a:xfrm>
           <a:prstGeom prst="line">
@@ -19558,7 +19492,7 @@
         </p:nvSpPr>
         <p:spPr bwMode="auto">
           <a:xfrm>
-            <a:off x="4500563" y="4403873"/>
+            <a:off x="4500563" y="4835525"/>
             <a:ext cx="792162" cy="393700"/>
           </a:xfrm>
           <a:prstGeom prst="rect">
@@ -19713,7 +19647,7 @@
         </p:nvSpPr>
         <p:spPr bwMode="auto">
           <a:xfrm flipV="1">
-            <a:off x="5219700" y="4581673"/>
+            <a:off x="5219700" y="5013325"/>
             <a:ext cx="431800" cy="0"/>
           </a:xfrm>
           <a:prstGeom prst="line">
@@ -19754,7 +19688,7 @@
         </p:nvSpPr>
         <p:spPr bwMode="auto">
           <a:xfrm>
-            <a:off x="5219700" y="4221311"/>
+            <a:off x="5219700" y="4652963"/>
             <a:ext cx="431800" cy="0"/>
           </a:xfrm>
           <a:prstGeom prst="line">
@@ -19836,7 +19770,7 @@
         </p:nvSpPr>
         <p:spPr bwMode="auto">
           <a:xfrm>
-            <a:off x="8459788" y="3956198"/>
+            <a:off x="8459788" y="4387850"/>
             <a:ext cx="684212" cy="577850"/>
           </a:xfrm>
           <a:prstGeom prst="rect">
@@ -20032,7 +19966,7 @@
         </p:nvSpPr>
         <p:spPr bwMode="auto">
           <a:xfrm>
-            <a:off x="4500563" y="3611711"/>
+            <a:off x="4500563" y="4043363"/>
             <a:ext cx="792162" cy="393700"/>
           </a:xfrm>
           <a:prstGeom prst="rect">
@@ -20187,7 +20121,7 @@
         </p:nvSpPr>
         <p:spPr bwMode="auto">
           <a:xfrm flipV="1">
-            <a:off x="5219700" y="3789511"/>
+            <a:off x="5219700" y="4221163"/>
             <a:ext cx="431800" cy="0"/>
           </a:xfrm>
           <a:prstGeom prst="line">
@@ -20269,7 +20203,7 @@
         </p:nvSpPr>
         <p:spPr bwMode="auto">
           <a:xfrm>
-            <a:off x="4500563" y="3179911"/>
+            <a:off x="4500563" y="3611563"/>
             <a:ext cx="792162" cy="393700"/>
           </a:xfrm>
           <a:prstGeom prst="rect">
@@ -20424,7 +20358,7 @@
         </p:nvSpPr>
         <p:spPr bwMode="auto">
           <a:xfrm>
-            <a:off x="5219700" y="3357711"/>
+            <a:off x="5219700" y="3789363"/>
             <a:ext cx="431800" cy="0"/>
           </a:xfrm>
           <a:prstGeom prst="line">
@@ -20752,8 +20686,8 @@
         </p:nvSpPr>
         <p:spPr bwMode="auto">
           <a:xfrm>
-            <a:off x="7766051" y="4610250"/>
-            <a:ext cx="622300" cy="1195386"/>
+            <a:off x="7885113" y="4581525"/>
+            <a:ext cx="503237" cy="1655763"/>
           </a:xfrm>
           <a:prstGeom prst="line">
             <a:avLst/>
@@ -20793,7 +20727,7 @@
         </p:nvSpPr>
         <p:spPr bwMode="auto">
           <a:xfrm flipH="1" flipV="1">
-            <a:off x="8027988" y="5805636"/>
+            <a:off x="8027988" y="6237288"/>
             <a:ext cx="360362" cy="0"/>
           </a:xfrm>
           <a:prstGeom prst="line">
@@ -20834,7 +20768,7 @@
         </p:nvSpPr>
         <p:spPr bwMode="auto">
           <a:xfrm flipH="1" flipV="1">
-            <a:off x="8027988" y="4221311"/>
+            <a:off x="8027988" y="4652963"/>
             <a:ext cx="360362" cy="0"/>
           </a:xfrm>
           <a:prstGeom prst="line">
@@ -20865,203 +20799,12 @@
           </a:p>
         </p:txBody>
       </p:sp>
-      <p:sp>
-        <p:nvSpPr>
-          <p:cNvPr id="55" name="Text Box 9"/>
-          <p:cNvSpPr txBox="1">
-            <a:spLocks noChangeArrowheads="1"/>
-          </p:cNvSpPr>
-          <p:nvPr/>
-        </p:nvSpPr>
-        <p:spPr bwMode="auto">
-          <a:xfrm>
-            <a:off x="4499992" y="6419676"/>
-            <a:ext cx="792162" cy="393700"/>
-          </a:xfrm>
-          <a:prstGeom prst="rect">
-            <a:avLst/>
-          </a:prstGeom>
-          <a:noFill/>
-          <a:ln>
-            <a:noFill/>
-          </a:ln>
-          <a:extLst>
-            <a:ext uri="{909E8E84-426E-40DD-AFC4-6F175D3DCCD1}">
-              <a14:hiddenFill xmlns:a14="http://schemas.microsoft.com/office/drawing/2010/main">
-                <a:solidFill>
-                  <a:srgbClr val="FFFFFF"/>
-                </a:solidFill>
-              </a14:hiddenFill>
-            </a:ext>
-            <a:ext uri="{91240B29-F687-4F45-9708-019B960494DF}">
-              <a14:hiddenLine xmlns:a14="http://schemas.microsoft.com/office/drawing/2010/main" w="9525">
-                <a:solidFill>
-                  <a:srgbClr val="000000"/>
-                </a:solidFill>
-                <a:miter lim="800000"/>
-                <a:headEnd/>
-                <a:tailEnd/>
-              </a14:hiddenLine>
-            </a:ext>
-          </a:extLst>
-        </p:spPr>
-        <p:txBody>
-          <a:bodyPr lIns="0" tIns="0" rIns="0" bIns="0">
-            <a:spAutoFit/>
-          </a:bodyPr>
-          <a:lstStyle>
-            <a:lvl1pPr>
-              <a:defRPr sz="2400">
-                <a:solidFill>
-                  <a:schemeClr val="tx1"/>
-                </a:solidFill>
-                <a:latin typeface="Times New Roman" panose="02020603050405020304" pitchFamily="18" charset="0"/>
-              </a:defRPr>
-            </a:lvl1pPr>
-            <a:lvl2pPr marL="742950" indent="-285750">
-              <a:defRPr sz="2400">
-                <a:solidFill>
-                  <a:schemeClr val="tx1"/>
-                </a:solidFill>
-                <a:latin typeface="Times New Roman" panose="02020603050405020304" pitchFamily="18" charset="0"/>
-              </a:defRPr>
-            </a:lvl2pPr>
-            <a:lvl3pPr marL="1143000" indent="-228600">
-              <a:defRPr sz="2400">
-                <a:solidFill>
-                  <a:schemeClr val="tx1"/>
-                </a:solidFill>
-                <a:latin typeface="Times New Roman" panose="02020603050405020304" pitchFamily="18" charset="0"/>
-              </a:defRPr>
-            </a:lvl3pPr>
-            <a:lvl4pPr marL="1600200" indent="-228600">
-              <a:defRPr sz="2400">
-                <a:solidFill>
-                  <a:schemeClr val="tx1"/>
-                </a:solidFill>
-                <a:latin typeface="Times New Roman" panose="02020603050405020304" pitchFamily="18" charset="0"/>
-              </a:defRPr>
-            </a:lvl4pPr>
-            <a:lvl5pPr marL="2057400" indent="-228600">
-              <a:defRPr sz="2400">
-                <a:solidFill>
-                  <a:schemeClr val="tx1"/>
-                </a:solidFill>
-                <a:latin typeface="Times New Roman" panose="02020603050405020304" pitchFamily="18" charset="0"/>
-              </a:defRPr>
-            </a:lvl5pPr>
-            <a:lvl6pPr marL="2514600" indent="-228600" eaLnBrk="0" fontAlgn="base" hangingPunct="0">
-              <a:spcBef>
-                <a:spcPct val="0"/>
-              </a:spcBef>
-              <a:spcAft>
-                <a:spcPct val="0"/>
-              </a:spcAft>
-              <a:defRPr sz="2400">
-                <a:solidFill>
-                  <a:schemeClr val="tx1"/>
-                </a:solidFill>
-                <a:latin typeface="Times New Roman" panose="02020603050405020304" pitchFamily="18" charset="0"/>
-              </a:defRPr>
-            </a:lvl6pPr>
-            <a:lvl7pPr marL="2971800" indent="-228600" eaLnBrk="0" fontAlgn="base" hangingPunct="0">
-              <a:spcBef>
-                <a:spcPct val="0"/>
-              </a:spcBef>
-              <a:spcAft>
-                <a:spcPct val="0"/>
-              </a:spcAft>
-              <a:defRPr sz="2400">
-                <a:solidFill>
-                  <a:schemeClr val="tx1"/>
-                </a:solidFill>
-                <a:latin typeface="Times New Roman" panose="02020603050405020304" pitchFamily="18" charset="0"/>
-              </a:defRPr>
-            </a:lvl7pPr>
-            <a:lvl8pPr marL="3429000" indent="-228600" eaLnBrk="0" fontAlgn="base" hangingPunct="0">
-              <a:spcBef>
-                <a:spcPct val="0"/>
-              </a:spcBef>
-              <a:spcAft>
-                <a:spcPct val="0"/>
-              </a:spcAft>
-              <a:defRPr sz="2400">
-                <a:solidFill>
-                  <a:schemeClr val="tx1"/>
-                </a:solidFill>
-                <a:latin typeface="Times New Roman" panose="02020603050405020304" pitchFamily="18" charset="0"/>
-              </a:defRPr>
-            </a:lvl8pPr>
-            <a:lvl9pPr marL="3886200" indent="-228600" eaLnBrk="0" fontAlgn="base" hangingPunct="0">
-              <a:spcBef>
-                <a:spcPct val="0"/>
-              </a:spcBef>
-              <a:spcAft>
-                <a:spcPct val="0"/>
-              </a:spcAft>
-              <a:defRPr sz="2400">
-                <a:solidFill>
-                  <a:schemeClr val="tx1"/>
-                </a:solidFill>
-                <a:latin typeface="Times New Roman" panose="02020603050405020304" pitchFamily="18" charset="0"/>
-              </a:defRPr>
-            </a:lvl9pPr>
-          </a:lstStyle>
-          <a:p>
-            <a:pPr algn="ctr">
-              <a:lnSpc>
-                <a:spcPct val="80000"/>
-              </a:lnSpc>
-            </a:pPr>
-            <a:r>
-              <a:rPr lang="en-US" altLang="en-US" sz="1600" b="1" dirty="0"/>
-              <a:t>Stack Pointer</a:t>
-            </a:r>
-          </a:p>
-        </p:txBody>
-      </p:sp>
-      <p:sp>
-        <p:nvSpPr>
-          <p:cNvPr id="56" name="Line 11"/>
-          <p:cNvSpPr>
-            <a:spLocks noChangeShapeType="1"/>
-          </p:cNvSpPr>
-          <p:nvPr/>
-        </p:nvSpPr>
-        <p:spPr bwMode="auto">
-          <a:xfrm>
-            <a:off x="5219129" y="6597476"/>
-            <a:ext cx="431800" cy="0"/>
-          </a:xfrm>
-          <a:prstGeom prst="line">
-            <a:avLst/>
-          </a:prstGeom>
-          <a:noFill/>
-          <a:ln w="38100">
-            <a:solidFill>
-              <a:srgbClr val="000000"/>
-            </a:solidFill>
-            <a:round/>
-            <a:headEnd/>
-            <a:tailEnd type="triangle" w="lg" len="lg"/>
-          </a:ln>
-          <a:extLst>
-            <a:ext uri="{909E8E84-426E-40DD-AFC4-6F175D3DCCD1}">
-              <a14:hiddenFill xmlns:a14="http://schemas.microsoft.com/office/drawing/2010/main">
-                <a:noFill/>
-              </a14:hiddenFill>
-            </a:ext>
-          </a:extLst>
-        </p:spPr>
-        <p:txBody>
-          <a:bodyPr lIns="90000" tIns="46800" rIns="90000" bIns="46800"/>
-          <a:lstStyle/>
-          <a:p>
-            <a:endParaRPr lang="en-US"/>
-          </a:p>
-        </p:txBody>
-      </p:sp>
     </p:spTree>
+    <p:extLst>
+      <p:ext uri="{BB962C8B-B14F-4D97-AF65-F5344CB8AC3E}">
+        <p14:creationId xmlns:p14="http://schemas.microsoft.com/office/powerpoint/2010/main" val="147076523"/>
+      </p:ext>
+    </p:extLst>
   </p:cSld>
   <p:clrMapOvr>
     <a:masterClrMapping/>
@@ -21264,27 +21007,36 @@
                             </p:childTnLst>
                           </p:cTn>
                         </p:par>
+                      </p:childTnLst>
+                    </p:cTn>
+                  </p:par>
+                  <p:par>
+                    <p:cTn id="19" fill="hold" nodeType="clickPar">
+                      <p:stCondLst>
+                        <p:cond delay="indefinite"/>
+                      </p:stCondLst>
+                      <p:childTnLst>
                         <p:par>
-                          <p:cTn id="19" fill="hold">
+                          <p:cTn id="20" fill="hold" nodeType="withGroup">
                             <p:stCondLst>
                               <p:cond delay="0"/>
                             </p:stCondLst>
                             <p:childTnLst>
                               <p:par>
-                                <p:cTn id="20" presetID="1" presetClass="entr" presetSubtype="0" fill="hold" grpId="0" nodeType="afterEffect">
+                                <p:cTn id="21" presetID="1" presetClass="entr" presetSubtype="0" fill="hold" grpId="0" nodeType="clickEffect">
                                   <p:stCondLst>
                                     <p:cond delay="0"/>
                                   </p:stCondLst>
                                   <p:childTnLst>
                                     <p:set>
                                       <p:cBhvr>
-                                        <p:cTn id="21" dur="1" fill="hold">
+                                        <p:cTn id="22" dur="1" fill="hold">
                                           <p:stCondLst>
                                             <p:cond delay="0"/>
                                           </p:stCondLst>
                                         </p:cTn>
                                         <p:tgtEl>
-                                          <p:spTgt spid="55"/>
+                                          <p:spTgt spid="1011725"/>
                                         </p:tgtEl>
                                         <p:attrNameLst>
                                           <p:attrName>style.visibility</p:attrName>
@@ -21297,17 +21049,8 @@
                                   </p:childTnLst>
                                 </p:cTn>
                               </p:par>
-                            </p:childTnLst>
-                          </p:cTn>
-                        </p:par>
-                        <p:par>
-                          <p:cTn id="22" fill="hold">
-                            <p:stCondLst>
-                              <p:cond delay="0"/>
-                            </p:stCondLst>
-                            <p:childTnLst>
                               <p:par>
-                                <p:cTn id="23" presetID="1" presetClass="entr" presetSubtype="0" fill="hold" grpId="0" nodeType="afterEffect">
+                                <p:cTn id="23" presetID="1" presetClass="entr" presetSubtype="0" fill="hold" nodeType="withEffect">
                                   <p:stCondLst>
                                     <p:cond delay="0"/>
                                   </p:stCondLst>
@@ -21320,7 +21063,34 @@
                                           </p:stCondLst>
                                         </p:cTn>
                                         <p:tgtEl>
-                                          <p:spTgt spid="56"/>
+                                          <p:spTgt spid="1011723"/>
+                                        </p:tgtEl>
+                                        <p:attrNameLst>
+                                          <p:attrName>style.visibility</p:attrName>
+                                        </p:attrNameLst>
+                                      </p:cBhvr>
+                                      <p:to>
+                                        <p:strVal val="visible"/>
+                                      </p:to>
+                                    </p:set>
+                                  </p:childTnLst>
+                                </p:cTn>
+                              </p:par>
+                              <p:par>
+                                <p:cTn id="25" presetID="1" presetClass="entr" presetSubtype="0" fill="hold" grpId="0" nodeType="withEffect">
+                                  <p:stCondLst>
+                                    <p:cond delay="0"/>
+                                  </p:stCondLst>
+                                  <p:childTnLst>
+                                    <p:set>
+                                      <p:cBhvr>
+                                        <p:cTn id="26" dur="1" fill="hold">
+                                          <p:stCondLst>
+                                            <p:cond delay="0"/>
+                                          </p:stCondLst>
+                                        </p:cTn>
+                                        <p:tgtEl>
+                                          <p:spTgt spid="1011721"/>
                                         </p:tgtEl>
                                         <p:attrNameLst>
                                           <p:attrName>style.visibility</p:attrName>
@@ -21340,46 +21110,19 @@
                     </p:cTn>
                   </p:par>
                   <p:par>
-                    <p:cTn id="25" fill="hold" nodeType="clickPar">
+                    <p:cTn id="27" fill="hold" nodeType="clickPar">
                       <p:stCondLst>
                         <p:cond delay="indefinite"/>
                       </p:stCondLst>
                       <p:childTnLst>
                         <p:par>
-                          <p:cTn id="26" fill="hold" nodeType="withGroup">
+                          <p:cTn id="28" fill="hold" nodeType="withGroup">
                             <p:stCondLst>
                               <p:cond delay="0"/>
                             </p:stCondLst>
                             <p:childTnLst>
                               <p:par>
-                                <p:cTn id="27" presetID="1" presetClass="entr" presetSubtype="0" fill="hold" grpId="0" nodeType="clickEffect">
-                                  <p:stCondLst>
-                                    <p:cond delay="0"/>
-                                  </p:stCondLst>
-                                  <p:childTnLst>
-                                    <p:set>
-                                      <p:cBhvr>
-                                        <p:cTn id="28" dur="1" fill="hold">
-                                          <p:stCondLst>
-                                            <p:cond delay="0"/>
-                                          </p:stCondLst>
-                                        </p:cTn>
-                                        <p:tgtEl>
-                                          <p:spTgt spid="1011725"/>
-                                        </p:tgtEl>
-                                        <p:attrNameLst>
-                                          <p:attrName>style.visibility</p:attrName>
-                                        </p:attrNameLst>
-                                      </p:cBhvr>
-                                      <p:to>
-                                        <p:strVal val="visible"/>
-                                      </p:to>
-                                    </p:set>
-                                  </p:childTnLst>
-                                </p:cTn>
-                              </p:par>
-                              <p:par>
-                                <p:cTn id="29" presetID="1" presetClass="entr" presetSubtype="0" fill="hold" nodeType="withEffect">
+                                <p:cTn id="29" presetID="1" presetClass="entr" presetSubtype="0" fill="hold" nodeType="clickEffect">
                                   <p:stCondLst>
                                     <p:cond delay="0"/>
                                   </p:stCondLst>
@@ -21387,132 +21130,6 @@
                                     <p:set>
                                       <p:cBhvr>
                                         <p:cTn id="30" dur="1" fill="hold">
-                                          <p:stCondLst>
-                                            <p:cond delay="0"/>
-                                          </p:stCondLst>
-                                        </p:cTn>
-                                        <p:tgtEl>
-                                          <p:spTgt spid="1011723"/>
-                                        </p:tgtEl>
-                                        <p:attrNameLst>
-                                          <p:attrName>style.visibility</p:attrName>
-                                        </p:attrNameLst>
-                                      </p:cBhvr>
-                                      <p:to>
-                                        <p:strVal val="visible"/>
-                                      </p:to>
-                                    </p:set>
-                                  </p:childTnLst>
-                                </p:cTn>
-                              </p:par>
-                              <p:par>
-                                <p:cTn id="31" presetID="1" presetClass="entr" presetSubtype="0" fill="hold" grpId="0" nodeType="withEffect">
-                                  <p:stCondLst>
-                                    <p:cond delay="0"/>
-                                  </p:stCondLst>
-                                  <p:childTnLst>
-                                    <p:set>
-                                      <p:cBhvr>
-                                        <p:cTn id="32" dur="1" fill="hold">
-                                          <p:stCondLst>
-                                            <p:cond delay="0"/>
-                                          </p:stCondLst>
-                                        </p:cTn>
-                                        <p:tgtEl>
-                                          <p:spTgt spid="1011721"/>
-                                        </p:tgtEl>
-                                        <p:attrNameLst>
-                                          <p:attrName>style.visibility</p:attrName>
-                                        </p:attrNameLst>
-                                      </p:cBhvr>
-                                      <p:to>
-                                        <p:strVal val="visible"/>
-                                      </p:to>
-                                    </p:set>
-                                  </p:childTnLst>
-                                </p:cTn>
-                              </p:par>
-                              <p:par>
-                                <p:cTn id="33" presetID="1" presetClass="exit" presetSubtype="0" fill="hold" grpId="1" nodeType="withEffect">
-                                  <p:stCondLst>
-                                    <p:cond delay="0"/>
-                                  </p:stCondLst>
-                                  <p:childTnLst>
-                                    <p:set>
-                                      <p:cBhvr>
-                                        <p:cTn id="34" dur="1" fill="hold">
-                                          <p:stCondLst>
-                                            <p:cond delay="0"/>
-                                          </p:stCondLst>
-                                        </p:cTn>
-                                        <p:tgtEl>
-                                          <p:spTgt spid="55"/>
-                                        </p:tgtEl>
-                                        <p:attrNameLst>
-                                          <p:attrName>style.visibility</p:attrName>
-                                        </p:attrNameLst>
-                                      </p:cBhvr>
-                                      <p:to>
-                                        <p:strVal val="hidden"/>
-                                      </p:to>
-                                    </p:set>
-                                  </p:childTnLst>
-                                </p:cTn>
-                              </p:par>
-                              <p:par>
-                                <p:cTn id="35" presetID="1" presetClass="exit" presetSubtype="0" fill="hold" grpId="1" nodeType="withEffect">
-                                  <p:stCondLst>
-                                    <p:cond delay="0"/>
-                                  </p:stCondLst>
-                                  <p:childTnLst>
-                                    <p:set>
-                                      <p:cBhvr>
-                                        <p:cTn id="36" dur="1" fill="hold">
-                                          <p:stCondLst>
-                                            <p:cond delay="0"/>
-                                          </p:stCondLst>
-                                        </p:cTn>
-                                        <p:tgtEl>
-                                          <p:spTgt spid="56"/>
-                                        </p:tgtEl>
-                                        <p:attrNameLst>
-                                          <p:attrName>style.visibility</p:attrName>
-                                        </p:attrNameLst>
-                                      </p:cBhvr>
-                                      <p:to>
-                                        <p:strVal val="hidden"/>
-                                      </p:to>
-                                    </p:set>
-                                  </p:childTnLst>
-                                </p:cTn>
-                              </p:par>
-                            </p:childTnLst>
-                          </p:cTn>
-                        </p:par>
-                      </p:childTnLst>
-                    </p:cTn>
-                  </p:par>
-                  <p:par>
-                    <p:cTn id="37" fill="hold" nodeType="clickPar">
-                      <p:stCondLst>
-                        <p:cond delay="indefinite"/>
-                      </p:stCondLst>
-                      <p:childTnLst>
-                        <p:par>
-                          <p:cTn id="38" fill="hold" nodeType="withGroup">
-                            <p:stCondLst>
-                              <p:cond delay="0"/>
-                            </p:stCondLst>
-                            <p:childTnLst>
-                              <p:par>
-                                <p:cTn id="39" presetID="1" presetClass="entr" presetSubtype="0" fill="hold" nodeType="clickEffect">
-                                  <p:stCondLst>
-                                    <p:cond delay="0"/>
-                                  </p:stCondLst>
-                                  <p:childTnLst>
-                                    <p:set>
-                                      <p:cBhvr>
-                                        <p:cTn id="40" dur="1" fill="hold">
                                           <p:stCondLst>
                                             <p:cond delay="0"/>
                                           </p:stCondLst>
@@ -21538,26 +21155,26 @@
                     </p:cTn>
                   </p:par>
                   <p:par>
-                    <p:cTn id="41" fill="hold" nodeType="clickPar">
+                    <p:cTn id="31" fill="hold" nodeType="clickPar">
                       <p:stCondLst>
                         <p:cond delay="indefinite"/>
                       </p:stCondLst>
                       <p:childTnLst>
                         <p:par>
-                          <p:cTn id="42" fill="hold" nodeType="withGroup">
+                          <p:cTn id="32" fill="hold" nodeType="withGroup">
                             <p:stCondLst>
                               <p:cond delay="0"/>
                             </p:stCondLst>
                             <p:childTnLst>
                               <p:par>
-                                <p:cTn id="43" presetID="1" presetClass="entr" presetSubtype="0" fill="hold" grpId="0" nodeType="clickEffect">
+                                <p:cTn id="33" presetID="1" presetClass="entr" presetSubtype="0" fill="hold" grpId="0" nodeType="clickEffect">
                                   <p:stCondLst>
                                     <p:cond delay="0"/>
                                   </p:stCondLst>
                                   <p:childTnLst>
                                     <p:set>
                                       <p:cBhvr>
-                                        <p:cTn id="44" dur="1" fill="hold">
+                                        <p:cTn id="34" dur="1" fill="hold">
                                           <p:stCondLst>
                                             <p:cond delay="0"/>
                                           </p:stCondLst>
@@ -21577,14 +21194,14 @@
                                 </p:cTn>
                               </p:par>
                               <p:par>
-                                <p:cTn id="45" presetID="1" presetClass="entr" presetSubtype="0" fill="hold" grpId="0" nodeType="withEffect">
+                                <p:cTn id="35" presetID="1" presetClass="entr" presetSubtype="0" fill="hold" grpId="0" nodeType="withEffect">
                                   <p:stCondLst>
                                     <p:cond delay="0"/>
                                   </p:stCondLst>
                                   <p:childTnLst>
                                     <p:set>
                                       <p:cBhvr>
-                                        <p:cTn id="46" dur="1" fill="hold">
+                                        <p:cTn id="36" dur="1" fill="hold">
                                           <p:stCondLst>
                                             <p:cond delay="0"/>
                                           </p:stCondLst>
@@ -21604,14 +21221,14 @@
                                 </p:cTn>
                               </p:par>
                               <p:par>
-                                <p:cTn id="47" presetID="1" presetClass="entr" presetSubtype="0" fill="hold" nodeType="withEffect">
+                                <p:cTn id="37" presetID="1" presetClass="entr" presetSubtype="0" fill="hold" nodeType="withEffect">
                                   <p:stCondLst>
                                     <p:cond delay="0"/>
                                   </p:stCondLst>
                                   <p:childTnLst>
                                     <p:set>
                                       <p:cBhvr>
-                                        <p:cTn id="48" dur="1" fill="hold">
+                                        <p:cTn id="38" dur="1" fill="hold">
                                           <p:stCondLst>
                                             <p:cond delay="0"/>
                                           </p:stCondLst>
@@ -21631,14 +21248,14 @@
                                 </p:cTn>
                               </p:par>
                               <p:par>
-                                <p:cTn id="49" presetID="1" presetClass="exit" presetSubtype="0" fill="hold" nodeType="withEffect">
+                                <p:cTn id="39" presetID="1" presetClass="exit" presetSubtype="0" fill="hold" nodeType="withEffect">
                                   <p:stCondLst>
                                     <p:cond delay="0"/>
                                   </p:stCondLst>
                                   <p:childTnLst>
                                     <p:set>
                                       <p:cBhvr>
-                                        <p:cTn id="50" dur="1" fill="hold">
+                                        <p:cTn id="40" dur="1" fill="hold">
                                           <p:stCondLst>
                                             <p:cond delay="0"/>
                                           </p:stCondLst>
@@ -21658,14 +21275,14 @@
                                 </p:cTn>
                               </p:par>
                               <p:par>
-                                <p:cTn id="51" presetID="1" presetClass="exit" presetSubtype="0" fill="hold" grpId="1" nodeType="withEffect">
+                                <p:cTn id="41" presetID="1" presetClass="exit" presetSubtype="0" fill="hold" grpId="1" nodeType="withEffect">
                                   <p:stCondLst>
                                     <p:cond delay="0"/>
                                   </p:stCondLst>
                                   <p:childTnLst>
                                     <p:set>
                                       <p:cBhvr>
-                                        <p:cTn id="52" dur="1" fill="hold">
+                                        <p:cTn id="42" dur="1" fill="hold">
                                           <p:stCondLst>
                                             <p:cond delay="0"/>
                                           </p:stCondLst>
@@ -21691,26 +21308,26 @@
                     </p:cTn>
                   </p:par>
                   <p:par>
-                    <p:cTn id="53" fill="hold" nodeType="clickPar">
+                    <p:cTn id="43" fill="hold" nodeType="clickPar">
                       <p:stCondLst>
                         <p:cond delay="indefinite"/>
                       </p:stCondLst>
                       <p:childTnLst>
                         <p:par>
-                          <p:cTn id="54" fill="hold" nodeType="withGroup">
+                          <p:cTn id="44" fill="hold" nodeType="withGroup">
                             <p:stCondLst>
                               <p:cond delay="0"/>
                             </p:stCondLst>
                             <p:childTnLst>
                               <p:par>
-                                <p:cTn id="55" presetID="1" presetClass="entr" presetSubtype="0" fill="hold" nodeType="clickEffect">
+                                <p:cTn id="45" presetID="1" presetClass="entr" presetSubtype="0" fill="hold" nodeType="clickEffect">
                                   <p:stCondLst>
                                     <p:cond delay="0"/>
                                   </p:stCondLst>
                                   <p:childTnLst>
                                     <p:set>
                                       <p:cBhvr>
-                                        <p:cTn id="56" dur="1" fill="hold">
+                                        <p:cTn id="46" dur="1" fill="hold">
                                           <p:stCondLst>
                                             <p:cond delay="0"/>
                                           </p:stCondLst>
@@ -21730,14 +21347,14 @@
                                 </p:cTn>
                               </p:par>
                               <p:par>
-                                <p:cTn id="57" presetID="1" presetClass="exit" presetSubtype="0" fill="hold" nodeType="withEffect">
+                                <p:cTn id="47" presetID="1" presetClass="exit" presetSubtype="0" fill="hold" nodeType="withEffect">
                                   <p:stCondLst>
                                     <p:cond delay="0"/>
                                   </p:stCondLst>
                                   <p:childTnLst>
                                     <p:set>
                                       <p:cBhvr>
-                                        <p:cTn id="58" dur="1" fill="hold">
+                                        <p:cTn id="48" dur="1" fill="hold">
                                           <p:stCondLst>
                                             <p:cond delay="0"/>
                                           </p:stCondLst>
@@ -21763,26 +21380,26 @@
                     </p:cTn>
                   </p:par>
                   <p:par>
-                    <p:cTn id="59" fill="hold" nodeType="clickPar">
+                    <p:cTn id="49" fill="hold" nodeType="clickPar">
                       <p:stCondLst>
                         <p:cond delay="indefinite"/>
                       </p:stCondLst>
                       <p:childTnLst>
                         <p:par>
-                          <p:cTn id="60" fill="hold" nodeType="withGroup">
+                          <p:cTn id="50" fill="hold" nodeType="withGroup">
                             <p:stCondLst>
                               <p:cond delay="0"/>
                             </p:stCondLst>
                             <p:childTnLst>
                               <p:par>
-                                <p:cTn id="61" presetID="1" presetClass="entr" presetSubtype="0" fill="hold" grpId="0" nodeType="clickEffect">
+                                <p:cTn id="51" presetID="1" presetClass="entr" presetSubtype="0" fill="hold" grpId="0" nodeType="clickEffect">
                                   <p:stCondLst>
                                     <p:cond delay="0"/>
                                   </p:stCondLst>
                                   <p:childTnLst>
                                     <p:set>
                                       <p:cBhvr>
-                                        <p:cTn id="62" dur="1" fill="hold">
+                                        <p:cTn id="52" dur="1" fill="hold">
                                           <p:stCondLst>
                                             <p:cond delay="0"/>
                                           </p:stCondLst>
@@ -21802,14 +21419,14 @@
                                 </p:cTn>
                               </p:par>
                               <p:par>
-                                <p:cTn id="63" presetID="1" presetClass="entr" presetSubtype="0" fill="hold" nodeType="withEffect">
+                                <p:cTn id="53" presetID="1" presetClass="entr" presetSubtype="0" fill="hold" nodeType="withEffect">
                                   <p:stCondLst>
                                     <p:cond delay="0"/>
                                   </p:stCondLst>
                                   <p:childTnLst>
                                     <p:set>
                                       <p:cBhvr>
-                                        <p:cTn id="64" dur="1" fill="hold">
+                                        <p:cTn id="54" dur="1" fill="hold">
                                           <p:stCondLst>
                                             <p:cond delay="0"/>
                                           </p:stCondLst>
@@ -21835,26 +21452,26 @@
                     </p:cTn>
                   </p:par>
                   <p:par>
-                    <p:cTn id="65" fill="hold" nodeType="clickPar">
+                    <p:cTn id="55" fill="hold" nodeType="clickPar">
                       <p:stCondLst>
                         <p:cond delay="indefinite"/>
                       </p:stCondLst>
                       <p:childTnLst>
                         <p:par>
-                          <p:cTn id="66" fill="hold" nodeType="withGroup">
+                          <p:cTn id="56" fill="hold" nodeType="withGroup">
                             <p:stCondLst>
                               <p:cond delay="0"/>
                             </p:stCondLst>
                             <p:childTnLst>
                               <p:par>
-                                <p:cTn id="67" presetID="1" presetClass="exit" presetSubtype="0" fill="hold" nodeType="clickEffect">
+                                <p:cTn id="57" presetID="1" presetClass="exit" presetSubtype="0" fill="hold" nodeType="clickEffect">
                                   <p:stCondLst>
                                     <p:cond delay="0"/>
                                   </p:stCondLst>
                                   <p:childTnLst>
                                     <p:set>
                                       <p:cBhvr>
-                                        <p:cTn id="68" dur="1" fill="hold">
+                                        <p:cTn id="58" dur="1" fill="hold">
                                           <p:stCondLst>
                                             <p:cond delay="0"/>
                                           </p:stCondLst>
@@ -21874,14 +21491,14 @@
                                 </p:cTn>
                               </p:par>
                               <p:par>
-                                <p:cTn id="69" presetID="1" presetClass="entr" presetSubtype="0" fill="hold" nodeType="withEffect">
+                                <p:cTn id="59" presetID="1" presetClass="entr" presetSubtype="0" fill="hold" nodeType="withEffect">
                                   <p:stCondLst>
                                     <p:cond delay="0"/>
                                   </p:stCondLst>
                                   <p:childTnLst>
                                     <p:set>
                                       <p:cBhvr>
-                                        <p:cTn id="70" dur="1" fill="hold">
+                                        <p:cTn id="60" dur="1" fill="hold">
                                           <p:stCondLst>
                                             <p:cond delay="0"/>
                                           </p:stCondLst>
@@ -21907,26 +21524,26 @@
                     </p:cTn>
                   </p:par>
                   <p:par>
-                    <p:cTn id="71" fill="hold" nodeType="clickPar">
+                    <p:cTn id="61" fill="hold" nodeType="clickPar">
                       <p:stCondLst>
                         <p:cond delay="indefinite"/>
                       </p:stCondLst>
                       <p:childTnLst>
                         <p:par>
-                          <p:cTn id="72" fill="hold" nodeType="withGroup">
+                          <p:cTn id="62" fill="hold" nodeType="withGroup">
                             <p:stCondLst>
                               <p:cond delay="0"/>
                             </p:stCondLst>
                             <p:childTnLst>
                               <p:par>
-                                <p:cTn id="73" presetID="1" presetClass="entr" presetSubtype="0" fill="hold" grpId="0" nodeType="clickEffect">
+                                <p:cTn id="63" presetID="1" presetClass="entr" presetSubtype="0" fill="hold" grpId="0" nodeType="clickEffect">
                                   <p:stCondLst>
                                     <p:cond delay="0"/>
                                   </p:stCondLst>
                                   <p:childTnLst>
                                     <p:set>
                                       <p:cBhvr>
-                                        <p:cTn id="74" dur="1" fill="hold">
+                                        <p:cTn id="64" dur="1" fill="hold">
                                           <p:stCondLst>
                                             <p:cond delay="0"/>
                                           </p:stCondLst>
@@ -21946,14 +21563,14 @@
                                 </p:cTn>
                               </p:par>
                               <p:par>
-                                <p:cTn id="75" presetID="1" presetClass="entr" presetSubtype="0" fill="hold" nodeType="withEffect">
+                                <p:cTn id="65" presetID="1" presetClass="entr" presetSubtype="0" fill="hold" nodeType="withEffect">
                                   <p:stCondLst>
                                     <p:cond delay="0"/>
                                   </p:stCondLst>
                                   <p:childTnLst>
                                     <p:set>
                                       <p:cBhvr>
-                                        <p:cTn id="76" dur="1" fill="hold">
+                                        <p:cTn id="66" dur="1" fill="hold">
                                           <p:stCondLst>
                                             <p:cond delay="0"/>
                                           </p:stCondLst>
@@ -21973,14 +21590,14 @@
                                 </p:cTn>
                               </p:par>
                               <p:par>
-                                <p:cTn id="77" presetID="1" presetClass="entr" presetSubtype="0" fill="hold" grpId="0" nodeType="withEffect">
+                                <p:cTn id="67" presetID="1" presetClass="entr" presetSubtype="0" fill="hold" grpId="0" nodeType="withEffect">
                                   <p:stCondLst>
                                     <p:cond delay="0"/>
                                   </p:stCondLst>
                                   <p:childTnLst>
                                     <p:set>
                                       <p:cBhvr>
-                                        <p:cTn id="78" dur="1" fill="hold">
+                                        <p:cTn id="68" dur="1" fill="hold">
                                           <p:stCondLst>
                                             <p:cond delay="0"/>
                                           </p:stCondLst>
@@ -22000,14 +21617,14 @@
                                 </p:cTn>
                               </p:par>
                               <p:par>
-                                <p:cTn id="79" presetID="1" presetClass="exit" presetSubtype="0" fill="hold" grpId="1" nodeType="withEffect">
+                                <p:cTn id="69" presetID="1" presetClass="exit" presetSubtype="0" fill="hold" grpId="1" nodeType="withEffect">
                                   <p:stCondLst>
                                     <p:cond delay="0"/>
                                   </p:stCondLst>
                                   <p:childTnLst>
                                     <p:set>
                                       <p:cBhvr>
-                                        <p:cTn id="80" dur="1" fill="hold">
+                                        <p:cTn id="70" dur="1" fill="hold">
                                           <p:stCondLst>
                                             <p:cond delay="0"/>
                                           </p:stCondLst>
@@ -22027,14 +21644,14 @@
                                 </p:cTn>
                               </p:par>
                               <p:par>
-                                <p:cTn id="81" presetID="1" presetClass="exit" presetSubtype="0" fill="hold" nodeType="withEffect">
+                                <p:cTn id="71" presetID="1" presetClass="exit" presetSubtype="0" fill="hold" nodeType="withEffect">
                                   <p:stCondLst>
                                     <p:cond delay="0"/>
                                   </p:stCondLst>
                                   <p:childTnLst>
                                     <p:set>
                                       <p:cBhvr>
-                                        <p:cTn id="82" dur="1" fill="hold">
+                                        <p:cTn id="72" dur="1" fill="hold">
                                           <p:stCondLst>
                                             <p:cond delay="0"/>
                                           </p:stCondLst>
@@ -22060,26 +21677,26 @@
                     </p:cTn>
                   </p:par>
                   <p:par>
-                    <p:cTn id="83" fill="hold" nodeType="clickPar">
+                    <p:cTn id="73" fill="hold" nodeType="clickPar">
                       <p:stCondLst>
                         <p:cond delay="indefinite"/>
                       </p:stCondLst>
                       <p:childTnLst>
                         <p:par>
-                          <p:cTn id="84" fill="hold" nodeType="withGroup">
+                          <p:cTn id="74" fill="hold" nodeType="withGroup">
                             <p:stCondLst>
                               <p:cond delay="0"/>
                             </p:stCondLst>
                             <p:childTnLst>
                               <p:par>
-                                <p:cTn id="85" presetID="1" presetClass="entr" presetSubtype="0" fill="hold" nodeType="clickEffect">
+                                <p:cTn id="75" presetID="1" presetClass="entr" presetSubtype="0" fill="hold" nodeType="clickEffect">
                                   <p:stCondLst>
                                     <p:cond delay="0"/>
                                   </p:stCondLst>
                                   <p:childTnLst>
                                     <p:set>
                                       <p:cBhvr>
-                                        <p:cTn id="86" dur="1" fill="hold">
+                                        <p:cTn id="76" dur="1" fill="hold">
                                           <p:stCondLst>
                                             <p:cond delay="0"/>
                                           </p:stCondLst>
@@ -22099,14 +21716,14 @@
                                 </p:cTn>
                               </p:par>
                               <p:par>
-                                <p:cTn id="87" presetID="1" presetClass="exit" presetSubtype="0" fill="hold" nodeType="withEffect">
+                                <p:cTn id="77" presetID="1" presetClass="exit" presetSubtype="0" fill="hold" nodeType="withEffect">
                                   <p:stCondLst>
                                     <p:cond delay="0"/>
                                   </p:stCondLst>
                                   <p:childTnLst>
                                     <p:set>
                                       <p:cBhvr>
-                                        <p:cTn id="88" dur="1" fill="hold">
+                                        <p:cTn id="78" dur="1" fill="hold">
                                           <p:stCondLst>
                                             <p:cond delay="0"/>
                                           </p:stCondLst>
@@ -22132,26 +21749,26 @@
                     </p:cTn>
                   </p:par>
                   <p:par>
-                    <p:cTn id="89" fill="hold" nodeType="clickPar">
+                    <p:cTn id="79" fill="hold" nodeType="clickPar">
                       <p:stCondLst>
                         <p:cond delay="indefinite"/>
                       </p:stCondLst>
                       <p:childTnLst>
                         <p:par>
-                          <p:cTn id="90" fill="hold" nodeType="withGroup">
+                          <p:cTn id="80" fill="hold" nodeType="withGroup">
                             <p:stCondLst>
                               <p:cond delay="0"/>
                             </p:stCondLst>
                             <p:childTnLst>
                               <p:par>
-                                <p:cTn id="91" presetID="1" presetClass="entr" presetSubtype="0" fill="hold" grpId="0" nodeType="clickEffect">
+                                <p:cTn id="81" presetID="1" presetClass="entr" presetSubtype="0" fill="hold" grpId="0" nodeType="clickEffect">
                                   <p:stCondLst>
                                     <p:cond delay="0"/>
                                   </p:stCondLst>
                                   <p:childTnLst>
                                     <p:set>
                                       <p:cBhvr>
-                                        <p:cTn id="92" dur="1" fill="hold">
+                                        <p:cTn id="82" dur="1" fill="hold">
                                           <p:stCondLst>
                                             <p:cond delay="0"/>
                                           </p:stCondLst>
@@ -22171,14 +21788,14 @@
                                 </p:cTn>
                               </p:par>
                               <p:par>
-                                <p:cTn id="93" presetID="1" presetClass="entr" presetSubtype="0" fill="hold" nodeType="withEffect">
+                                <p:cTn id="83" presetID="1" presetClass="entr" presetSubtype="0" fill="hold" nodeType="withEffect">
                                   <p:stCondLst>
                                     <p:cond delay="0"/>
                                   </p:stCondLst>
                                   <p:childTnLst>
                                     <p:set>
                                       <p:cBhvr>
-                                        <p:cTn id="94" dur="1" fill="hold">
+                                        <p:cTn id="84" dur="1" fill="hold">
                                           <p:stCondLst>
                                             <p:cond delay="0"/>
                                           </p:stCondLst>
@@ -22198,14 +21815,14 @@
                                 </p:cTn>
                               </p:par>
                               <p:par>
-                                <p:cTn id="95" presetID="1" presetClass="entr" presetSubtype="0" fill="hold" grpId="0" nodeType="withEffect">
+                                <p:cTn id="85" presetID="1" presetClass="entr" presetSubtype="0" fill="hold" grpId="0" nodeType="withEffect">
                                   <p:stCondLst>
                                     <p:cond delay="0"/>
                                   </p:stCondLst>
                                   <p:childTnLst>
                                     <p:set>
                                       <p:cBhvr>
-                                        <p:cTn id="96" dur="1" fill="hold">
+                                        <p:cTn id="86" dur="1" fill="hold">
                                           <p:stCondLst>
                                             <p:cond delay="0"/>
                                           </p:stCondLst>
@@ -22225,14 +21842,14 @@
                                 </p:cTn>
                               </p:par>
                               <p:par>
-                                <p:cTn id="97" presetID="1" presetClass="exit" presetSubtype="0" fill="hold" grpId="1" nodeType="withEffect">
+                                <p:cTn id="87" presetID="1" presetClass="exit" presetSubtype="0" fill="hold" grpId="1" nodeType="withEffect">
                                   <p:stCondLst>
                                     <p:cond delay="0"/>
                                   </p:stCondLst>
                                   <p:childTnLst>
                                     <p:set>
                                       <p:cBhvr>
-                                        <p:cTn id="98" dur="1" fill="hold">
+                                        <p:cTn id="88" dur="1" fill="hold">
                                           <p:stCondLst>
                                             <p:cond delay="0"/>
                                           </p:stCondLst>
@@ -22252,14 +21869,14 @@
                                 </p:cTn>
                               </p:par>
                               <p:par>
-                                <p:cTn id="99" presetID="1" presetClass="exit" presetSubtype="0" fill="hold" nodeType="withEffect">
+                                <p:cTn id="89" presetID="1" presetClass="exit" presetSubtype="0" fill="hold" nodeType="withEffect">
                                   <p:stCondLst>
                                     <p:cond delay="0"/>
                                   </p:stCondLst>
                                   <p:childTnLst>
                                     <p:set>
                                       <p:cBhvr>
-                                        <p:cTn id="100" dur="1" fill="hold">
+                                        <p:cTn id="90" dur="1" fill="hold">
                                           <p:stCondLst>
                                             <p:cond delay="0"/>
                                           </p:stCondLst>
@@ -22285,26 +21902,26 @@
                     </p:cTn>
                   </p:par>
                   <p:par>
-                    <p:cTn id="101" fill="hold" nodeType="clickPar">
+                    <p:cTn id="91" fill="hold" nodeType="clickPar">
                       <p:stCondLst>
                         <p:cond delay="indefinite"/>
                       </p:stCondLst>
                       <p:childTnLst>
                         <p:par>
-                          <p:cTn id="102" fill="hold" nodeType="withGroup">
+                          <p:cTn id="92" fill="hold" nodeType="withGroup">
                             <p:stCondLst>
                               <p:cond delay="0"/>
                             </p:stCondLst>
                             <p:childTnLst>
                               <p:par>
-                                <p:cTn id="103" presetID="1" presetClass="entr" presetSubtype="0" fill="hold" nodeType="clickEffect">
+                                <p:cTn id="93" presetID="1" presetClass="entr" presetSubtype="0" fill="hold" nodeType="clickEffect">
                                   <p:stCondLst>
                                     <p:cond delay="0"/>
                                   </p:stCondLst>
                                   <p:childTnLst>
                                     <p:set>
                                       <p:cBhvr>
-                                        <p:cTn id="104" dur="1" fill="hold">
+                                        <p:cTn id="94" dur="1" fill="hold">
                                           <p:stCondLst>
                                             <p:cond delay="0"/>
                                           </p:stCondLst>
@@ -22324,14 +21941,14 @@
                                 </p:cTn>
                               </p:par>
                               <p:par>
-                                <p:cTn id="105" presetID="1" presetClass="exit" presetSubtype="0" fill="hold" nodeType="withEffect">
+                                <p:cTn id="95" presetID="1" presetClass="exit" presetSubtype="0" fill="hold" nodeType="withEffect">
                                   <p:stCondLst>
                                     <p:cond delay="0"/>
                                   </p:stCondLst>
                                   <p:childTnLst>
                                     <p:set>
                                       <p:cBhvr>
-                                        <p:cTn id="106" dur="1" fill="hold">
+                                        <p:cTn id="96" dur="1" fill="hold">
                                           <p:stCondLst>
                                             <p:cond delay="0"/>
                                           </p:stCondLst>
@@ -22357,26 +21974,26 @@
                     </p:cTn>
                   </p:par>
                   <p:par>
-                    <p:cTn id="107" fill="hold" nodeType="clickPar">
+                    <p:cTn id="97" fill="hold" nodeType="clickPar">
                       <p:stCondLst>
                         <p:cond delay="indefinite"/>
                       </p:stCondLst>
                       <p:childTnLst>
                         <p:par>
-                          <p:cTn id="108" fill="hold" nodeType="withGroup">
+                          <p:cTn id="98" fill="hold" nodeType="withGroup">
                             <p:stCondLst>
                               <p:cond delay="0"/>
                             </p:stCondLst>
                             <p:childTnLst>
                               <p:par>
-                                <p:cTn id="109" presetID="1" presetClass="entr" presetSubtype="0" fill="hold" nodeType="clickEffect">
+                                <p:cTn id="99" presetID="1" presetClass="entr" presetSubtype="0" fill="hold" nodeType="clickEffect">
                                   <p:stCondLst>
                                     <p:cond delay="0"/>
                                   </p:stCondLst>
                                   <p:childTnLst>
                                     <p:set>
                                       <p:cBhvr>
-                                        <p:cTn id="110" dur="1" fill="hold">
+                                        <p:cTn id="100" dur="1" fill="hold">
                                           <p:stCondLst>
                                             <p:cond delay="0"/>
                                           </p:stCondLst>
@@ -22396,14 +22013,14 @@
                                 </p:cTn>
                               </p:par>
                               <p:par>
-                                <p:cTn id="111" presetID="1" presetClass="entr" presetSubtype="0" fill="hold" grpId="0" nodeType="withEffect">
+                                <p:cTn id="101" presetID="1" presetClass="entr" presetSubtype="0" fill="hold" grpId="0" nodeType="withEffect">
                                   <p:stCondLst>
                                     <p:cond delay="0"/>
                                   </p:stCondLst>
                                   <p:childTnLst>
                                     <p:set>
                                       <p:cBhvr>
-                                        <p:cTn id="112" dur="1" fill="hold">
+                                        <p:cTn id="102" dur="1" fill="hold">
                                           <p:stCondLst>
                                             <p:cond delay="0"/>
                                           </p:stCondLst>
@@ -22429,26 +22046,26 @@
                     </p:cTn>
                   </p:par>
                   <p:par>
-                    <p:cTn id="113" fill="hold" nodeType="clickPar">
+                    <p:cTn id="103" fill="hold" nodeType="clickPar">
                       <p:stCondLst>
                         <p:cond delay="indefinite"/>
                       </p:stCondLst>
                       <p:childTnLst>
                         <p:par>
-                          <p:cTn id="114" fill="hold" nodeType="withGroup">
+                          <p:cTn id="104" fill="hold" nodeType="withGroup">
                             <p:stCondLst>
                               <p:cond delay="0"/>
                             </p:stCondLst>
                             <p:childTnLst>
                               <p:par>
-                                <p:cTn id="115" presetID="1" presetClass="entr" presetSubtype="0" fill="hold" grpId="0" nodeType="clickEffect">
+                                <p:cTn id="105" presetID="1" presetClass="entr" presetSubtype="0" fill="hold" grpId="0" nodeType="clickEffect">
                                   <p:stCondLst>
                                     <p:cond delay="0"/>
                                   </p:stCondLst>
                                   <p:childTnLst>
                                     <p:set>
                                       <p:cBhvr>
-                                        <p:cTn id="116" dur="1" fill="hold">
+                                        <p:cTn id="106" dur="1" fill="hold">
                                           <p:stCondLst>
                                             <p:cond delay="0"/>
                                           </p:stCondLst>
@@ -22468,14 +22085,14 @@
                                 </p:cTn>
                               </p:par>
                               <p:par>
-                                <p:cTn id="117" presetID="1" presetClass="entr" presetSubtype="0" fill="hold" nodeType="withEffect">
+                                <p:cTn id="107" presetID="1" presetClass="entr" presetSubtype="0" fill="hold" nodeType="withEffect">
                                   <p:stCondLst>
                                     <p:cond delay="0"/>
                                   </p:stCondLst>
                                   <p:childTnLst>
                                     <p:set>
                                       <p:cBhvr>
-                                        <p:cTn id="118" dur="1" fill="hold">
+                                        <p:cTn id="108" dur="1" fill="hold">
                                           <p:stCondLst>
                                             <p:cond delay="0"/>
                                           </p:stCondLst>
@@ -22495,14 +22112,14 @@
                                 </p:cTn>
                               </p:par>
                               <p:par>
-                                <p:cTn id="119" presetID="1" presetClass="entr" presetSubtype="0" fill="hold" nodeType="withEffect">
+                                <p:cTn id="109" presetID="1" presetClass="entr" presetSubtype="0" fill="hold" nodeType="withEffect">
                                   <p:stCondLst>
                                     <p:cond delay="0"/>
                                   </p:stCondLst>
                                   <p:childTnLst>
                                     <p:set>
                                       <p:cBhvr>
-                                        <p:cTn id="120" dur="1" fill="hold">
+                                        <p:cTn id="110" dur="1" fill="hold">
                                           <p:stCondLst>
                                             <p:cond delay="0"/>
                                           </p:stCondLst>
@@ -22522,14 +22139,14 @@
                                 </p:cTn>
                               </p:par>
                               <p:par>
-                                <p:cTn id="121" presetID="1" presetClass="exit" presetSubtype="0" fill="hold" nodeType="withEffect">
+                                <p:cTn id="111" presetID="1" presetClass="exit" presetSubtype="0" fill="hold" nodeType="withEffect">
                                   <p:stCondLst>
                                     <p:cond delay="0"/>
                                   </p:stCondLst>
                                   <p:childTnLst>
                                     <p:set>
                                       <p:cBhvr>
-                                        <p:cTn id="122" dur="1" fill="hold">
+                                        <p:cTn id="112" dur="1" fill="hold">
                                           <p:stCondLst>
                                             <p:cond delay="0"/>
                                           </p:stCondLst>
@@ -22549,14 +22166,14 @@
                                 </p:cTn>
                               </p:par>
                               <p:par>
-                                <p:cTn id="123" presetID="1" presetClass="exit" presetSubtype="0" fill="hold" grpId="1" nodeType="withEffect">
+                                <p:cTn id="113" presetID="1" presetClass="exit" presetSubtype="0" fill="hold" grpId="1" nodeType="withEffect">
                                   <p:stCondLst>
                                     <p:cond delay="0"/>
                                   </p:stCondLst>
                                   <p:childTnLst>
                                     <p:set>
                                       <p:cBhvr>
-                                        <p:cTn id="124" dur="1" fill="hold">
+                                        <p:cTn id="114" dur="1" fill="hold">
                                           <p:stCondLst>
                                             <p:cond delay="0"/>
                                           </p:stCondLst>
@@ -22582,26 +22199,26 @@
                     </p:cTn>
                   </p:par>
                   <p:par>
-                    <p:cTn id="125" fill="hold" nodeType="clickPar">
+                    <p:cTn id="115" fill="hold" nodeType="clickPar">
                       <p:stCondLst>
                         <p:cond delay="indefinite"/>
                       </p:stCondLst>
                       <p:childTnLst>
                         <p:par>
-                          <p:cTn id="126" fill="hold" nodeType="withGroup">
+                          <p:cTn id="116" fill="hold" nodeType="withGroup">
                             <p:stCondLst>
                               <p:cond delay="0"/>
                             </p:stCondLst>
                             <p:childTnLst>
                               <p:par>
-                                <p:cTn id="127" presetID="0" presetClass="path" presetSubtype="0" accel="50000" decel="50000" fill="hold" nodeType="clickEffect">
+                                <p:cTn id="117" presetID="0" presetClass="path" presetSubtype="0" accel="50000" decel="50000" fill="hold" nodeType="clickEffect">
                                   <p:stCondLst>
                                     <p:cond delay="0"/>
                                   </p:stCondLst>
                                   <p:childTnLst>
                                     <p:animMotion origin="layout" path="M 0.00695 1.11111E-6 L 0.24306 -0.31505 " pathEditMode="relative" rAng="0" ptsTypes="AA">
                                       <p:cBhvr>
-                                        <p:cTn id="128" dur="2000" fill="hold"/>
+                                        <p:cTn id="118" dur="2000" fill="hold"/>
                                         <p:tgtEl>
                                           <p:spTgt spid="1011745"/>
                                         </p:tgtEl>
@@ -22622,26 +22239,26 @@
                     </p:cTn>
                   </p:par>
                   <p:par>
-                    <p:cTn id="129" fill="hold" nodeType="clickPar">
+                    <p:cTn id="119" fill="hold" nodeType="clickPar">
                       <p:stCondLst>
                         <p:cond delay="indefinite"/>
                       </p:stCondLst>
                       <p:childTnLst>
                         <p:par>
-                          <p:cTn id="130" fill="hold" nodeType="withGroup">
+                          <p:cTn id="120" fill="hold" nodeType="withGroup">
                             <p:stCondLst>
                               <p:cond delay="0"/>
                             </p:stCondLst>
                             <p:childTnLst>
                               <p:par>
-                                <p:cTn id="131" presetID="1" presetClass="entr" presetSubtype="0" fill="hold" grpId="0" nodeType="clickEffect">
+                                <p:cTn id="121" presetID="1" presetClass="entr" presetSubtype="0" fill="hold" grpId="0" nodeType="clickEffect">
                                   <p:stCondLst>
                                     <p:cond delay="0"/>
                                   </p:stCondLst>
                                   <p:childTnLst>
                                     <p:set>
                                       <p:cBhvr>
-                                        <p:cTn id="132" dur="1" fill="hold">
+                                        <p:cTn id="122" dur="1" fill="hold">
                                           <p:stCondLst>
                                             <p:cond delay="0"/>
                                           </p:stCondLst>
@@ -22661,14 +22278,14 @@
                                 </p:cTn>
                               </p:par>
                               <p:par>
-                                <p:cTn id="133" presetID="1" presetClass="entr" presetSubtype="0" fill="hold" nodeType="withEffect">
+                                <p:cTn id="123" presetID="1" presetClass="entr" presetSubtype="0" fill="hold" nodeType="withEffect">
                                   <p:stCondLst>
                                     <p:cond delay="0"/>
                                   </p:stCondLst>
                                   <p:childTnLst>
                                     <p:set>
                                       <p:cBhvr>
-                                        <p:cTn id="134" dur="1" fill="hold">
+                                        <p:cTn id="124" dur="1" fill="hold">
                                           <p:stCondLst>
                                             <p:cond delay="0"/>
                                           </p:stCondLst>
@@ -22688,14 +22305,14 @@
                                 </p:cTn>
                               </p:par>
                               <p:par>
-                                <p:cTn id="135" presetID="1" presetClass="entr" presetSubtype="0" fill="hold" grpId="0" nodeType="withEffect">
+                                <p:cTn id="125" presetID="1" presetClass="entr" presetSubtype="0" fill="hold" grpId="0" nodeType="withEffect">
                                   <p:stCondLst>
                                     <p:cond delay="0"/>
                                   </p:stCondLst>
                                   <p:childTnLst>
                                     <p:set>
                                       <p:cBhvr>
-                                        <p:cTn id="136" dur="1" fill="hold">
+                                        <p:cTn id="126" dur="1" fill="hold">
                                           <p:stCondLst>
                                             <p:cond delay="0"/>
                                           </p:stCondLst>
@@ -22715,14 +22332,14 @@
                                 </p:cTn>
                               </p:par>
                               <p:par>
-                                <p:cTn id="137" presetID="1" presetClass="exit" presetSubtype="0" fill="hold" nodeType="withEffect">
+                                <p:cTn id="127" presetID="1" presetClass="exit" presetSubtype="0" fill="hold" nodeType="withEffect">
                                   <p:stCondLst>
                                     <p:cond delay="0"/>
                                   </p:stCondLst>
                                   <p:childTnLst>
                                     <p:set>
                                       <p:cBhvr>
-                                        <p:cTn id="138" dur="1" fill="hold">
+                                        <p:cTn id="128" dur="1" fill="hold">
                                           <p:stCondLst>
                                             <p:cond delay="0"/>
                                           </p:stCondLst>
@@ -22742,14 +22359,14 @@
                                 </p:cTn>
                               </p:par>
                               <p:par>
-                                <p:cTn id="139" presetID="1" presetClass="exit" presetSubtype="0" fill="hold" grpId="1" nodeType="withEffect">
+                                <p:cTn id="129" presetID="1" presetClass="exit" presetSubtype="0" fill="hold" grpId="1" nodeType="withEffect">
                                   <p:stCondLst>
                                     <p:cond delay="0"/>
                                   </p:stCondLst>
                                   <p:childTnLst>
                                     <p:set>
                                       <p:cBhvr>
-                                        <p:cTn id="140" dur="1" fill="hold">
+                                        <p:cTn id="130" dur="1" fill="hold">
                                           <p:stCondLst>
                                             <p:cond delay="0"/>
                                           </p:stCondLst>
@@ -22775,26 +22392,26 @@
                     </p:cTn>
                   </p:par>
                   <p:par>
-                    <p:cTn id="141" fill="hold" nodeType="clickPar">
+                    <p:cTn id="131" fill="hold" nodeType="clickPar">
                       <p:stCondLst>
                         <p:cond delay="indefinite"/>
                       </p:stCondLst>
                       <p:childTnLst>
                         <p:par>
-                          <p:cTn id="142" fill="hold" nodeType="withGroup">
+                          <p:cTn id="132" fill="hold" nodeType="withGroup">
                             <p:stCondLst>
                               <p:cond delay="0"/>
                             </p:stCondLst>
                             <p:childTnLst>
                               <p:par>
-                                <p:cTn id="143" presetID="1" presetClass="entr" presetSubtype="0" fill="hold" nodeType="clickEffect">
+                                <p:cTn id="133" presetID="1" presetClass="entr" presetSubtype="0" fill="hold" nodeType="clickEffect">
                                   <p:stCondLst>
                                     <p:cond delay="0"/>
                                   </p:stCondLst>
                                   <p:childTnLst>
                                     <p:set>
                                       <p:cBhvr>
-                                        <p:cTn id="144" dur="1" fill="hold">
+                                        <p:cTn id="134" dur="1" fill="hold">
                                           <p:stCondLst>
                                             <p:cond delay="0"/>
                                           </p:stCondLst>
@@ -22820,26 +22437,26 @@
                     </p:cTn>
                   </p:par>
                   <p:par>
-                    <p:cTn id="145" fill="hold" nodeType="clickPar">
+                    <p:cTn id="135" fill="hold" nodeType="clickPar">
                       <p:stCondLst>
                         <p:cond delay="indefinite"/>
                       </p:stCondLst>
                       <p:childTnLst>
                         <p:par>
-                          <p:cTn id="146" fill="hold" nodeType="withGroup">
+                          <p:cTn id="136" fill="hold" nodeType="withGroup">
                             <p:stCondLst>
                               <p:cond delay="0"/>
                             </p:stCondLst>
                             <p:childTnLst>
                               <p:par>
-                                <p:cTn id="147" presetID="1" presetClass="exit" presetSubtype="0" fill="hold" nodeType="clickEffect">
+                                <p:cTn id="137" presetID="1" presetClass="exit" presetSubtype="0" fill="hold" nodeType="clickEffect">
                                   <p:stCondLst>
                                     <p:cond delay="0"/>
                                   </p:stCondLst>
                                   <p:childTnLst>
                                     <p:set>
                                       <p:cBhvr>
-                                        <p:cTn id="148" dur="1" fill="hold">
+                                        <p:cTn id="138" dur="1" fill="hold">
                                           <p:stCondLst>
                                             <p:cond delay="0"/>
                                           </p:stCondLst>
@@ -22865,26 +22482,26 @@
                     </p:cTn>
                   </p:par>
                   <p:par>
-                    <p:cTn id="149" fill="hold" nodeType="clickPar">
+                    <p:cTn id="139" fill="hold" nodeType="clickPar">
                       <p:stCondLst>
                         <p:cond delay="indefinite"/>
                       </p:stCondLst>
                       <p:childTnLst>
                         <p:par>
-                          <p:cTn id="150" fill="hold" nodeType="withGroup">
+                          <p:cTn id="140" fill="hold" nodeType="withGroup">
                             <p:stCondLst>
                               <p:cond delay="0"/>
                             </p:stCondLst>
                             <p:childTnLst>
                               <p:par>
-                                <p:cTn id="151" presetID="1" presetClass="entr" presetSubtype="0" fill="hold" nodeType="clickEffect">
+                                <p:cTn id="141" presetID="1" presetClass="entr" presetSubtype="0" fill="hold" nodeType="clickEffect">
                                   <p:stCondLst>
                                     <p:cond delay="0"/>
                                   </p:stCondLst>
                                   <p:childTnLst>
                                     <p:set>
                                       <p:cBhvr>
-                                        <p:cTn id="152" dur="1" fill="hold">
+                                        <p:cTn id="142" dur="1" fill="hold">
                                           <p:stCondLst>
                                             <p:cond delay="0"/>
                                           </p:stCondLst>
@@ -22904,6 +22521,132 @@
                                 </p:cTn>
                               </p:par>
                               <p:par>
+                                <p:cTn id="143" presetID="1" presetClass="exit" presetSubtype="0" fill="hold" nodeType="withEffect">
+                                  <p:stCondLst>
+                                    <p:cond delay="0"/>
+                                  </p:stCondLst>
+                                  <p:childTnLst>
+                                    <p:set>
+                                      <p:cBhvr>
+                                        <p:cTn id="144" dur="1" fill="hold">
+                                          <p:stCondLst>
+                                            <p:cond delay="0"/>
+                                          </p:stCondLst>
+                                        </p:cTn>
+                                        <p:tgtEl>
+                                          <p:spTgt spid="1011745"/>
+                                        </p:tgtEl>
+                                        <p:attrNameLst>
+                                          <p:attrName>style.visibility</p:attrName>
+                                        </p:attrNameLst>
+                                      </p:cBhvr>
+                                      <p:to>
+                                        <p:strVal val="hidden"/>
+                                      </p:to>
+                                    </p:set>
+                                  </p:childTnLst>
+                                </p:cTn>
+                              </p:par>
+                            </p:childTnLst>
+                          </p:cTn>
+                        </p:par>
+                      </p:childTnLst>
+                    </p:cTn>
+                  </p:par>
+                  <p:par>
+                    <p:cTn id="145" fill="hold" nodeType="clickPar">
+                      <p:stCondLst>
+                        <p:cond delay="indefinite"/>
+                      </p:stCondLst>
+                      <p:childTnLst>
+                        <p:par>
+                          <p:cTn id="146" fill="hold" nodeType="withGroup">
+                            <p:stCondLst>
+                              <p:cond delay="0"/>
+                            </p:stCondLst>
+                            <p:childTnLst>
+                              <p:par>
+                                <p:cTn id="147" presetID="1" presetClass="entr" presetSubtype="0" fill="hold" grpId="0" nodeType="clickEffect">
+                                  <p:stCondLst>
+                                    <p:cond delay="0"/>
+                                  </p:stCondLst>
+                                  <p:childTnLst>
+                                    <p:set>
+                                      <p:cBhvr>
+                                        <p:cTn id="148" dur="1" fill="hold">
+                                          <p:stCondLst>
+                                            <p:cond delay="0"/>
+                                          </p:stCondLst>
+                                        </p:cTn>
+                                        <p:tgtEl>
+                                          <p:spTgt spid="1011751"/>
+                                        </p:tgtEl>
+                                        <p:attrNameLst>
+                                          <p:attrName>style.visibility</p:attrName>
+                                        </p:attrNameLst>
+                                      </p:cBhvr>
+                                      <p:to>
+                                        <p:strVal val="visible"/>
+                                      </p:to>
+                                    </p:set>
+                                  </p:childTnLst>
+                                </p:cTn>
+                              </p:par>
+                              <p:par>
+                                <p:cTn id="149" presetID="1" presetClass="entr" presetSubtype="0" fill="hold" nodeType="withEffect">
+                                  <p:stCondLst>
+                                    <p:cond delay="0"/>
+                                  </p:stCondLst>
+                                  <p:childTnLst>
+                                    <p:set>
+                                      <p:cBhvr>
+                                        <p:cTn id="150" dur="1" fill="hold">
+                                          <p:stCondLst>
+                                            <p:cond delay="0"/>
+                                          </p:stCondLst>
+                                        </p:cTn>
+                                        <p:tgtEl>
+                                          <p:spTgt spid="63"/>
+                                        </p:tgtEl>
+                                        <p:attrNameLst>
+                                          <p:attrName>style.visibility</p:attrName>
+                                        </p:attrNameLst>
+                                      </p:cBhvr>
+                                      <p:to>
+                                        <p:strVal val="visible"/>
+                                      </p:to>
+                                    </p:set>
+                                  </p:childTnLst>
+                                </p:cTn>
+                              </p:par>
+                              <p:par>
+                                <p:cTn id="151" presetID="1" presetClass="exit" presetSubtype="0" fill="hold" grpId="2" nodeType="withEffect">
+                                  <p:stCondLst>
+                                    <p:cond delay="0"/>
+                                  </p:stCondLst>
+                                  <p:childTnLst>
+                                    <p:set>
+                                      <p:cBhvr>
+                                        <p:cTn id="152" dur="1" fill="hold">
+                                          <p:stCondLst>
+                                            <p:cond delay="0"/>
+                                          </p:stCondLst>
+                                        </p:cTn>
+                                        <p:tgtEl>
+                                          <p:spTgt spid="1011739"/>
+                                        </p:tgtEl>
+                                        <p:attrNameLst>
+                                          <p:attrName>style.visibility</p:attrName>
+                                        </p:attrNameLst>
+                                      </p:cBhvr>
+                                      <p:to>
+                                        <p:strVal val="hidden"/>
+                                      </p:to>
+                                    </p:set>
+                                  </p:childTnLst>
+                                </p:cTn>
+                              </p:par>
+                              <p:par>
                                 <p:cTn id="153" presetID="1" presetClass="exit" presetSubtype="0" fill="hold" nodeType="withEffect">
                                   <p:stCondLst>
                                     <p:cond delay="0"/>
@@ -22917,7 +22660,7 @@
                                           </p:stCondLst>
                                         </p:cTn>
                                         <p:tgtEl>
-                                          <p:spTgt spid="1011745"/>
+                                          <p:spTgt spid="62"/>
                                         </p:tgtEl>
                                         <p:attrNameLst>
                                           <p:attrName>style.visibility</p:attrName>
@@ -22949,7 +22692,7 @@
                             </p:stCondLst>
                             <p:childTnLst>
                               <p:par>
-                                <p:cTn id="157" presetID="1" presetClass="entr" presetSubtype="0" fill="hold" grpId="0" nodeType="clickEffect">
+                                <p:cTn id="157" presetID="1" presetClass="entr" presetSubtype="0" fill="hold" nodeType="clickEffect">
                                   <p:stCondLst>
                                     <p:cond delay="0"/>
                                   </p:stCondLst>
@@ -22957,132 +22700,6 @@
                                     <p:set>
                                       <p:cBhvr>
                                         <p:cTn id="158" dur="1" fill="hold">
-                                          <p:stCondLst>
-                                            <p:cond delay="0"/>
-                                          </p:stCondLst>
-                                        </p:cTn>
-                                        <p:tgtEl>
-                                          <p:spTgt spid="1011751"/>
-                                        </p:tgtEl>
-                                        <p:attrNameLst>
-                                          <p:attrName>style.visibility</p:attrName>
-                                        </p:attrNameLst>
-                                      </p:cBhvr>
-                                      <p:to>
-                                        <p:strVal val="visible"/>
-                                      </p:to>
-                                    </p:set>
-                                  </p:childTnLst>
-                                </p:cTn>
-                              </p:par>
-                              <p:par>
-                                <p:cTn id="159" presetID="1" presetClass="entr" presetSubtype="0" fill="hold" nodeType="withEffect">
-                                  <p:stCondLst>
-                                    <p:cond delay="0"/>
-                                  </p:stCondLst>
-                                  <p:childTnLst>
-                                    <p:set>
-                                      <p:cBhvr>
-                                        <p:cTn id="160" dur="1" fill="hold">
-                                          <p:stCondLst>
-                                            <p:cond delay="0"/>
-                                          </p:stCondLst>
-                                        </p:cTn>
-                                        <p:tgtEl>
-                                          <p:spTgt spid="63"/>
-                                        </p:tgtEl>
-                                        <p:attrNameLst>
-                                          <p:attrName>style.visibility</p:attrName>
-                                        </p:attrNameLst>
-                                      </p:cBhvr>
-                                      <p:to>
-                                        <p:strVal val="visible"/>
-                                      </p:to>
-                                    </p:set>
-                                  </p:childTnLst>
-                                </p:cTn>
-                              </p:par>
-                              <p:par>
-                                <p:cTn id="161" presetID="1" presetClass="exit" presetSubtype="0" fill="hold" grpId="2" nodeType="withEffect">
-                                  <p:stCondLst>
-                                    <p:cond delay="0"/>
-                                  </p:stCondLst>
-                                  <p:childTnLst>
-                                    <p:set>
-                                      <p:cBhvr>
-                                        <p:cTn id="162" dur="1" fill="hold">
-                                          <p:stCondLst>
-                                            <p:cond delay="0"/>
-                                          </p:stCondLst>
-                                        </p:cTn>
-                                        <p:tgtEl>
-                                          <p:spTgt spid="1011739"/>
-                                        </p:tgtEl>
-                                        <p:attrNameLst>
-                                          <p:attrName>style.visibility</p:attrName>
-                                        </p:attrNameLst>
-                                      </p:cBhvr>
-                                      <p:to>
-                                        <p:strVal val="hidden"/>
-                                      </p:to>
-                                    </p:set>
-                                  </p:childTnLst>
-                                </p:cTn>
-                              </p:par>
-                              <p:par>
-                                <p:cTn id="163" presetID="1" presetClass="exit" presetSubtype="0" fill="hold" nodeType="withEffect">
-                                  <p:stCondLst>
-                                    <p:cond delay="0"/>
-                                  </p:stCondLst>
-                                  <p:childTnLst>
-                                    <p:set>
-                                      <p:cBhvr>
-                                        <p:cTn id="164" dur="1" fill="hold">
-                                          <p:stCondLst>
-                                            <p:cond delay="0"/>
-                                          </p:stCondLst>
-                                        </p:cTn>
-                                        <p:tgtEl>
-                                          <p:spTgt spid="62"/>
-                                        </p:tgtEl>
-                                        <p:attrNameLst>
-                                          <p:attrName>style.visibility</p:attrName>
-                                        </p:attrNameLst>
-                                      </p:cBhvr>
-                                      <p:to>
-                                        <p:strVal val="hidden"/>
-                                      </p:to>
-                                    </p:set>
-                                  </p:childTnLst>
-                                </p:cTn>
-                              </p:par>
-                            </p:childTnLst>
-                          </p:cTn>
-                        </p:par>
-                      </p:childTnLst>
-                    </p:cTn>
-                  </p:par>
-                  <p:par>
-                    <p:cTn id="165" fill="hold" nodeType="clickPar">
-                      <p:stCondLst>
-                        <p:cond delay="indefinite"/>
-                      </p:stCondLst>
-                      <p:childTnLst>
-                        <p:par>
-                          <p:cTn id="166" fill="hold" nodeType="withGroup">
-                            <p:stCondLst>
-                              <p:cond delay="0"/>
-                            </p:stCondLst>
-                            <p:childTnLst>
-                              <p:par>
-                                <p:cTn id="167" presetID="1" presetClass="entr" presetSubtype="0" fill="hold" nodeType="clickEffect">
-                                  <p:stCondLst>
-                                    <p:cond delay="0"/>
-                                  </p:stCondLst>
-                                  <p:childTnLst>
-                                    <p:set>
-                                      <p:cBhvr>
-                                        <p:cTn id="168" dur="1" fill="hold">
                                           <p:stCondLst>
                                             <p:cond delay="0"/>
                                           </p:stCondLst>
@@ -23102,14 +22719,14 @@
                                 </p:cTn>
                               </p:par>
                               <p:par>
-                                <p:cTn id="169" presetID="1" presetClass="exit" presetSubtype="0" fill="hold" nodeType="withEffect">
+                                <p:cTn id="159" presetID="1" presetClass="exit" presetSubtype="0" fill="hold" nodeType="withEffect">
                                   <p:stCondLst>
                                     <p:cond delay="0"/>
                                   </p:stCondLst>
                                   <p:childTnLst>
                                     <p:set>
                                       <p:cBhvr>
-                                        <p:cTn id="170" dur="1" fill="hold">
+                                        <p:cTn id="160" dur="1" fill="hold">
                                           <p:stCondLst>
                                             <p:cond delay="0"/>
                                           </p:stCondLst>
@@ -23135,26 +22752,26 @@
                     </p:cTn>
                   </p:par>
                   <p:par>
-                    <p:cTn id="171" fill="hold" nodeType="clickPar">
+                    <p:cTn id="161" fill="hold" nodeType="clickPar">
                       <p:stCondLst>
                         <p:cond delay="indefinite"/>
                       </p:stCondLst>
                       <p:childTnLst>
                         <p:par>
-                          <p:cTn id="172" fill="hold" nodeType="withGroup">
+                          <p:cTn id="162" fill="hold" nodeType="withGroup">
                             <p:stCondLst>
                               <p:cond delay="0"/>
                             </p:stCondLst>
                             <p:childTnLst>
                               <p:par>
-                                <p:cTn id="173" presetID="1" presetClass="entr" presetSubtype="0" fill="hold" grpId="0" nodeType="clickEffect">
+                                <p:cTn id="163" presetID="1" presetClass="entr" presetSubtype="0" fill="hold" grpId="0" nodeType="clickEffect">
                                   <p:stCondLst>
                                     <p:cond delay="0"/>
                                   </p:stCondLst>
                                   <p:childTnLst>
                                     <p:set>
                                       <p:cBhvr>
-                                        <p:cTn id="174" dur="1" fill="hold">
+                                        <p:cTn id="164" dur="1" fill="hold">
                                           <p:stCondLst>
                                             <p:cond delay="0"/>
                                           </p:stCondLst>
@@ -23174,14 +22791,14 @@
                                 </p:cTn>
                               </p:par>
                               <p:par>
-                                <p:cTn id="175" presetID="1" presetClass="entr" presetSubtype="0" fill="hold" nodeType="withEffect">
+                                <p:cTn id="165" presetID="1" presetClass="entr" presetSubtype="0" fill="hold" nodeType="withEffect">
                                   <p:stCondLst>
                                     <p:cond delay="0"/>
                                   </p:stCondLst>
                                   <p:childTnLst>
                                     <p:set>
                                       <p:cBhvr>
-                                        <p:cTn id="176" dur="1" fill="hold">
+                                        <p:cTn id="166" dur="1" fill="hold">
                                           <p:stCondLst>
                                             <p:cond delay="0"/>
                                           </p:stCondLst>
@@ -23201,14 +22818,14 @@
                                 </p:cTn>
                               </p:par>
                               <p:par>
-                                <p:cTn id="177" presetID="1" presetClass="entr" presetSubtype="0" fill="hold" grpId="0" nodeType="withEffect">
+                                <p:cTn id="167" presetID="1" presetClass="entr" presetSubtype="0" fill="hold" grpId="0" nodeType="withEffect">
                                   <p:stCondLst>
                                     <p:cond delay="0"/>
                                   </p:stCondLst>
                                   <p:childTnLst>
                                     <p:set>
                                       <p:cBhvr>
-                                        <p:cTn id="178" dur="1" fill="hold">
+                                        <p:cTn id="168" dur="1" fill="hold">
                                           <p:stCondLst>
                                             <p:cond delay="0"/>
                                           </p:stCondLst>
@@ -23228,14 +22845,14 @@
                                 </p:cTn>
                               </p:par>
                               <p:par>
-                                <p:cTn id="179" presetID="1" presetClass="exit" presetSubtype="0" fill="hold" grpId="1" nodeType="withEffect">
+                                <p:cTn id="169" presetID="1" presetClass="exit" presetSubtype="0" fill="hold" grpId="1" nodeType="withEffect">
                                   <p:stCondLst>
                                     <p:cond delay="0"/>
                                   </p:stCondLst>
                                   <p:childTnLst>
                                     <p:set>
                                       <p:cBhvr>
-                                        <p:cTn id="180" dur="1" fill="hold">
+                                        <p:cTn id="170" dur="1" fill="hold">
                                           <p:stCondLst>
                                             <p:cond delay="0"/>
                                           </p:stCondLst>
@@ -23255,14 +22872,14 @@
                                 </p:cTn>
                               </p:par>
                               <p:par>
-                                <p:cTn id="181" presetID="1" presetClass="exit" presetSubtype="0" fill="hold" nodeType="withEffect">
+                                <p:cTn id="171" presetID="1" presetClass="exit" presetSubtype="0" fill="hold" nodeType="withEffect">
                                   <p:stCondLst>
                                     <p:cond delay="0"/>
                                   </p:stCondLst>
                                   <p:childTnLst>
                                     <p:set>
                                       <p:cBhvr>
-                                        <p:cTn id="182" dur="1" fill="hold">
+                                        <p:cTn id="172" dur="1" fill="hold">
                                           <p:stCondLst>
                                             <p:cond delay="0"/>
                                           </p:stCondLst>
@@ -23288,19 +22905,145 @@
                     </p:cTn>
                   </p:par>
                   <p:par>
-                    <p:cTn id="183" fill="hold" nodeType="clickPar">
+                    <p:cTn id="173" fill="hold" nodeType="clickPar">
                       <p:stCondLst>
                         <p:cond delay="indefinite"/>
                       </p:stCondLst>
                       <p:childTnLst>
                         <p:par>
-                          <p:cTn id="184" fill="hold" nodeType="withGroup">
+                          <p:cTn id="174" fill="hold" nodeType="withGroup">
                             <p:stCondLst>
                               <p:cond delay="0"/>
                             </p:stCondLst>
                             <p:childTnLst>
                               <p:par>
-                                <p:cTn id="185" presetID="1" presetClass="entr" presetSubtype="0" fill="hold" nodeType="clickEffect">
+                                <p:cTn id="175" presetID="1" presetClass="entr" presetSubtype="0" fill="hold" nodeType="clickEffect">
+                                  <p:stCondLst>
+                                    <p:cond delay="0"/>
+                                  </p:stCondLst>
+                                  <p:childTnLst>
+                                    <p:set>
+                                      <p:cBhvr>
+                                        <p:cTn id="176" dur="1" fill="hold">
+                                          <p:stCondLst>
+                                            <p:cond delay="0"/>
+                                          </p:stCondLst>
+                                        </p:cTn>
+                                        <p:tgtEl>
+                                          <p:spTgt spid="1011756"/>
+                                        </p:tgtEl>
+                                        <p:attrNameLst>
+                                          <p:attrName>style.visibility</p:attrName>
+                                        </p:attrNameLst>
+                                      </p:cBhvr>
+                                      <p:to>
+                                        <p:strVal val="visible"/>
+                                      </p:to>
+                                    </p:set>
+                                  </p:childTnLst>
+                                </p:cTn>
+                              </p:par>
+                              <p:par>
+                                <p:cTn id="177" presetID="1" presetClass="exit" presetSubtype="0" fill="hold" nodeType="withEffect">
+                                  <p:stCondLst>
+                                    <p:cond delay="0"/>
+                                  </p:stCondLst>
+                                  <p:childTnLst>
+                                    <p:set>
+                                      <p:cBhvr>
+                                        <p:cTn id="178" dur="1" fill="hold">
+                                          <p:stCondLst>
+                                            <p:cond delay="0"/>
+                                          </p:stCondLst>
+                                        </p:cTn>
+                                        <p:tgtEl>
+                                          <p:spTgt spid="1011752"/>
+                                        </p:tgtEl>
+                                        <p:attrNameLst>
+                                          <p:attrName>style.visibility</p:attrName>
+                                        </p:attrNameLst>
+                                      </p:cBhvr>
+                                      <p:to>
+                                        <p:strVal val="hidden"/>
+                                      </p:to>
+                                    </p:set>
+                                  </p:childTnLst>
+                                </p:cTn>
+                              </p:par>
+                            </p:childTnLst>
+                          </p:cTn>
+                        </p:par>
+                      </p:childTnLst>
+                    </p:cTn>
+                  </p:par>
+                  <p:par>
+                    <p:cTn id="179" fill="hold" nodeType="clickPar">
+                      <p:stCondLst>
+                        <p:cond delay="indefinite"/>
+                      </p:stCondLst>
+                      <p:childTnLst>
+                        <p:par>
+                          <p:cTn id="180" fill="hold" nodeType="withGroup">
+                            <p:stCondLst>
+                              <p:cond delay="0"/>
+                            </p:stCondLst>
+                            <p:childTnLst>
+                              <p:par>
+                                <p:cTn id="181" presetID="1" presetClass="entr" presetSubtype="0" fill="hold" grpId="0" nodeType="clickEffect">
+                                  <p:stCondLst>
+                                    <p:cond delay="0"/>
+                                  </p:stCondLst>
+                                  <p:childTnLst>
+                                    <p:set>
+                                      <p:cBhvr>
+                                        <p:cTn id="182" dur="1" fill="hold">
+                                          <p:stCondLst>
+                                            <p:cond delay="0"/>
+                                          </p:stCondLst>
+                                        </p:cTn>
+                                        <p:tgtEl>
+                                          <p:spTgt spid="1011757"/>
+                                        </p:tgtEl>
+                                        <p:attrNameLst>
+                                          <p:attrName>style.visibility</p:attrName>
+                                        </p:attrNameLst>
+                                      </p:cBhvr>
+                                      <p:to>
+                                        <p:strVal val="visible"/>
+                                      </p:to>
+                                    </p:set>
+                                  </p:childTnLst>
+                                </p:cTn>
+                              </p:par>
+                              <p:par>
+                                <p:cTn id="183" presetID="1" presetClass="entr" presetSubtype="0" fill="hold" nodeType="withEffect">
+                                  <p:stCondLst>
+                                    <p:cond delay="0"/>
+                                  </p:stCondLst>
+                                  <p:childTnLst>
+                                    <p:set>
+                                      <p:cBhvr>
+                                        <p:cTn id="184" dur="1" fill="hold">
+                                          <p:stCondLst>
+                                            <p:cond delay="0"/>
+                                          </p:stCondLst>
+                                        </p:cTn>
+                                        <p:tgtEl>
+                                          <p:spTgt spid="1011758"/>
+                                        </p:tgtEl>
+                                        <p:attrNameLst>
+                                          <p:attrName>style.visibility</p:attrName>
+                                        </p:attrNameLst>
+                                      </p:cBhvr>
+                                      <p:to>
+                                        <p:strVal val="visible"/>
+                                      </p:to>
+                                    </p:set>
+                                  </p:childTnLst>
+                                </p:cTn>
+                              </p:par>
+                              <p:par>
+                                <p:cTn id="185" presetID="1" presetClass="entr" presetSubtype="0" fill="hold" grpId="0" nodeType="withEffect">
                                   <p:stCondLst>
                                     <p:cond delay="0"/>
                                   </p:stCondLst>
@@ -23313,7 +23056,7 @@
                                           </p:stCondLst>
                                         </p:cTn>
                                         <p:tgtEl>
-                                          <p:spTgt spid="1011756"/>
+                                          <p:spTgt spid="1011732"/>
                                         </p:tgtEl>
                                         <p:attrNameLst>
                                           <p:attrName>style.visibility</p:attrName>
@@ -23340,132 +23083,6 @@
                                           </p:stCondLst>
                                         </p:cTn>
                                         <p:tgtEl>
-                                          <p:spTgt spid="1011752"/>
-                                        </p:tgtEl>
-                                        <p:attrNameLst>
-                                          <p:attrName>style.visibility</p:attrName>
-                                        </p:attrNameLst>
-                                      </p:cBhvr>
-                                      <p:to>
-                                        <p:strVal val="hidden"/>
-                                      </p:to>
-                                    </p:set>
-                                  </p:childTnLst>
-                                </p:cTn>
-                              </p:par>
-                            </p:childTnLst>
-                          </p:cTn>
-                        </p:par>
-                      </p:childTnLst>
-                    </p:cTn>
-                  </p:par>
-                  <p:par>
-                    <p:cTn id="189" fill="hold" nodeType="clickPar">
-                      <p:stCondLst>
-                        <p:cond delay="indefinite"/>
-                      </p:stCondLst>
-                      <p:childTnLst>
-                        <p:par>
-                          <p:cTn id="190" fill="hold" nodeType="withGroup">
-                            <p:stCondLst>
-                              <p:cond delay="0"/>
-                            </p:stCondLst>
-                            <p:childTnLst>
-                              <p:par>
-                                <p:cTn id="191" presetID="1" presetClass="entr" presetSubtype="0" fill="hold" grpId="0" nodeType="clickEffect">
-                                  <p:stCondLst>
-                                    <p:cond delay="0"/>
-                                  </p:stCondLst>
-                                  <p:childTnLst>
-                                    <p:set>
-                                      <p:cBhvr>
-                                        <p:cTn id="192" dur="1" fill="hold">
-                                          <p:stCondLst>
-                                            <p:cond delay="0"/>
-                                          </p:stCondLst>
-                                        </p:cTn>
-                                        <p:tgtEl>
-                                          <p:spTgt spid="1011757"/>
-                                        </p:tgtEl>
-                                        <p:attrNameLst>
-                                          <p:attrName>style.visibility</p:attrName>
-                                        </p:attrNameLst>
-                                      </p:cBhvr>
-                                      <p:to>
-                                        <p:strVal val="visible"/>
-                                      </p:to>
-                                    </p:set>
-                                  </p:childTnLst>
-                                </p:cTn>
-                              </p:par>
-                              <p:par>
-                                <p:cTn id="193" presetID="1" presetClass="entr" presetSubtype="0" fill="hold" nodeType="withEffect">
-                                  <p:stCondLst>
-                                    <p:cond delay="0"/>
-                                  </p:stCondLst>
-                                  <p:childTnLst>
-                                    <p:set>
-                                      <p:cBhvr>
-                                        <p:cTn id="194" dur="1" fill="hold">
-                                          <p:stCondLst>
-                                            <p:cond delay="0"/>
-                                          </p:stCondLst>
-                                        </p:cTn>
-                                        <p:tgtEl>
-                                          <p:spTgt spid="1011758"/>
-                                        </p:tgtEl>
-                                        <p:attrNameLst>
-                                          <p:attrName>style.visibility</p:attrName>
-                                        </p:attrNameLst>
-                                      </p:cBhvr>
-                                      <p:to>
-                                        <p:strVal val="visible"/>
-                                      </p:to>
-                                    </p:set>
-                                  </p:childTnLst>
-                                </p:cTn>
-                              </p:par>
-                              <p:par>
-                                <p:cTn id="195" presetID="1" presetClass="entr" presetSubtype="0" fill="hold" grpId="0" nodeType="withEffect">
-                                  <p:stCondLst>
-                                    <p:cond delay="0"/>
-                                  </p:stCondLst>
-                                  <p:childTnLst>
-                                    <p:set>
-                                      <p:cBhvr>
-                                        <p:cTn id="196" dur="1" fill="hold">
-                                          <p:stCondLst>
-                                            <p:cond delay="0"/>
-                                          </p:stCondLst>
-                                        </p:cTn>
-                                        <p:tgtEl>
-                                          <p:spTgt spid="1011732"/>
-                                        </p:tgtEl>
-                                        <p:attrNameLst>
-                                          <p:attrName>style.visibility</p:attrName>
-                                        </p:attrNameLst>
-                                      </p:cBhvr>
-                                      <p:to>
-                                        <p:strVal val="visible"/>
-                                      </p:to>
-                                    </p:set>
-                                  </p:childTnLst>
-                                </p:cTn>
-                              </p:par>
-                              <p:par>
-                                <p:cTn id="197" presetID="1" presetClass="exit" presetSubtype="0" fill="hold" nodeType="withEffect">
-                                  <p:stCondLst>
-                                    <p:cond delay="0"/>
-                                  </p:stCondLst>
-                                  <p:childTnLst>
-                                    <p:set>
-                                      <p:cBhvr>
-                                        <p:cTn id="198" dur="1" fill="hold">
-                                          <p:stCondLst>
-                                            <p:cond delay="0"/>
-                                          </p:stCondLst>
-                                        </p:cTn>
-                                        <p:tgtEl>
                                           <p:spTgt spid="1011754"/>
                                         </p:tgtEl>
                                         <p:attrNameLst>
@@ -23480,14 +23097,14 @@
                                 </p:cTn>
                               </p:par>
                               <p:par>
-                                <p:cTn id="199" presetID="1" presetClass="exit" presetSubtype="0" fill="hold" grpId="1" nodeType="withEffect">
+                                <p:cTn id="189" presetID="1" presetClass="exit" presetSubtype="0" fill="hold" grpId="1" nodeType="withEffect">
                                   <p:stCondLst>
                                     <p:cond delay="0"/>
                                   </p:stCondLst>
                                   <p:childTnLst>
                                     <p:set>
                                       <p:cBhvr>
-                                        <p:cTn id="200" dur="1" fill="hold">
+                                        <p:cTn id="190" dur="1" fill="hold">
                                           <p:stCondLst>
                                             <p:cond delay="0"/>
                                           </p:stCondLst>
@@ -23513,26 +23130,26 @@
                     </p:cTn>
                   </p:par>
                   <p:par>
-                    <p:cTn id="201" fill="hold" nodeType="clickPar">
+                    <p:cTn id="191" fill="hold" nodeType="clickPar">
                       <p:stCondLst>
                         <p:cond delay="indefinite"/>
                       </p:stCondLst>
                       <p:childTnLst>
                         <p:par>
-                          <p:cTn id="202" fill="hold" nodeType="withGroup">
+                          <p:cTn id="192" fill="hold" nodeType="withGroup">
                             <p:stCondLst>
                               <p:cond delay="0"/>
                             </p:stCondLst>
                             <p:childTnLst>
                               <p:par>
-                                <p:cTn id="203" presetID="1" presetClass="entr" presetSubtype="0" fill="hold" nodeType="clickEffect">
+                                <p:cTn id="193" presetID="1" presetClass="entr" presetSubtype="0" fill="hold" nodeType="clickEffect">
                                   <p:stCondLst>
                                     <p:cond delay="0"/>
                                   </p:stCondLst>
                                   <p:childTnLst>
                                     <p:set>
                                       <p:cBhvr>
-                                        <p:cTn id="204" dur="1" fill="hold">
+                                        <p:cTn id="194" dur="1" fill="hold">
                                           <p:stCondLst>
                                             <p:cond delay="0"/>
                                           </p:stCondLst>
@@ -23552,14 +23169,14 @@
                                 </p:cTn>
                               </p:par>
                               <p:par>
-                                <p:cTn id="205" presetID="1" presetClass="exit" presetSubtype="0" fill="hold" nodeType="withEffect">
+                                <p:cTn id="195" presetID="1" presetClass="exit" presetSubtype="0" fill="hold" nodeType="withEffect">
                                   <p:stCondLst>
                                     <p:cond delay="0"/>
                                   </p:stCondLst>
                                   <p:childTnLst>
                                     <p:set>
                                       <p:cBhvr>
-                                        <p:cTn id="206" dur="1" fill="hold">
+                                        <p:cTn id="196" dur="1" fill="hold">
                                           <p:stCondLst>
                                             <p:cond delay="0"/>
                                           </p:stCondLst>
@@ -23585,26 +23202,26 @@
                     </p:cTn>
                   </p:par>
                   <p:par>
-                    <p:cTn id="207" fill="hold" nodeType="clickPar">
+                    <p:cTn id="197" fill="hold" nodeType="clickPar">
                       <p:stCondLst>
                         <p:cond delay="indefinite"/>
                       </p:stCondLst>
                       <p:childTnLst>
                         <p:par>
-                          <p:cTn id="208" fill="hold" nodeType="withGroup">
+                          <p:cTn id="198" fill="hold" nodeType="withGroup">
                             <p:stCondLst>
                               <p:cond delay="0"/>
                             </p:stCondLst>
                             <p:childTnLst>
                               <p:par>
-                                <p:cTn id="209" presetID="1" presetClass="entr" presetSubtype="0" fill="hold" nodeType="clickEffect">
+                                <p:cTn id="199" presetID="1" presetClass="entr" presetSubtype="0" fill="hold" nodeType="clickEffect">
                                   <p:stCondLst>
                                     <p:cond delay="0"/>
                                   </p:stCondLst>
                                   <p:childTnLst>
                                     <p:set>
                                       <p:cBhvr>
-                                        <p:cTn id="210" dur="1" fill="hold">
+                                        <p:cTn id="200" dur="1" fill="hold">
                                           <p:stCondLst>
                                             <p:cond delay="0"/>
                                           </p:stCondLst>
@@ -23624,14 +23241,14 @@
                                 </p:cTn>
                               </p:par>
                               <p:par>
-                                <p:cTn id="211" presetID="1" presetClass="exit" presetSubtype="0" fill="hold" nodeType="withEffect">
+                                <p:cTn id="201" presetID="1" presetClass="exit" presetSubtype="0" fill="hold" nodeType="withEffect">
                                   <p:stCondLst>
                                     <p:cond delay="0"/>
                                   </p:stCondLst>
                                   <p:childTnLst>
                                     <p:set>
                                       <p:cBhvr>
-                                        <p:cTn id="212" dur="1" fill="hold">
+                                        <p:cTn id="202" dur="1" fill="hold">
                                           <p:stCondLst>
                                             <p:cond delay="0"/>
                                           </p:stCondLst>
@@ -23657,26 +23274,26 @@
                     </p:cTn>
                   </p:par>
                   <p:par>
-                    <p:cTn id="213" fill="hold" nodeType="clickPar">
+                    <p:cTn id="203" fill="hold" nodeType="clickPar">
                       <p:stCondLst>
                         <p:cond delay="indefinite"/>
                       </p:stCondLst>
                       <p:childTnLst>
                         <p:par>
-                          <p:cTn id="214" fill="hold" nodeType="withGroup">
+                          <p:cTn id="204" fill="hold" nodeType="withGroup">
                             <p:stCondLst>
                               <p:cond delay="0"/>
                             </p:stCondLst>
                             <p:childTnLst>
                               <p:par>
-                                <p:cTn id="215" presetID="1" presetClass="exit" presetSubtype="0" fill="hold" grpId="1" nodeType="clickEffect">
+                                <p:cTn id="205" presetID="1" presetClass="exit" presetSubtype="0" fill="hold" grpId="1" nodeType="clickEffect">
                                   <p:stCondLst>
                                     <p:cond delay="0"/>
                                   </p:stCondLst>
                                   <p:childTnLst>
                                     <p:set>
                                       <p:cBhvr>
-                                        <p:cTn id="216" dur="1" fill="hold">
+                                        <p:cTn id="206" dur="1" fill="hold">
                                           <p:stCondLst>
                                             <p:cond delay="0"/>
                                           </p:stCondLst>
@@ -23696,14 +23313,14 @@
                                 </p:cTn>
                               </p:par>
                               <p:par>
-                                <p:cTn id="217" presetID="1" presetClass="exit" presetSubtype="0" fill="hold" nodeType="withEffect">
+                                <p:cTn id="207" presetID="1" presetClass="exit" presetSubtype="0" fill="hold" nodeType="withEffect">
                                   <p:stCondLst>
                                     <p:cond delay="0"/>
                                   </p:stCondLst>
                                   <p:childTnLst>
                                     <p:set>
                                       <p:cBhvr>
-                                        <p:cTn id="218" dur="1" fill="hold">
+                                        <p:cTn id="208" dur="1" fill="hold">
                                           <p:stCondLst>
                                             <p:cond delay="0"/>
                                           </p:stCondLst>
@@ -23723,14 +23340,14 @@
                                 </p:cTn>
                               </p:par>
                               <p:par>
-                                <p:cTn id="219" presetID="1" presetClass="exit" presetSubtype="0" fill="hold" grpId="1" nodeType="withEffect">
+                                <p:cTn id="209" presetID="1" presetClass="exit" presetSubtype="0" fill="hold" grpId="1" nodeType="withEffect">
                                   <p:stCondLst>
                                     <p:cond delay="0"/>
                                   </p:stCondLst>
                                   <p:childTnLst>
                                     <p:set>
                                       <p:cBhvr>
-                                        <p:cTn id="220" dur="1" fill="hold">
+                                        <p:cTn id="210" dur="1" fill="hold">
                                           <p:stCondLst>
                                             <p:cond delay="0"/>
                                           </p:stCondLst>
@@ -23750,14 +23367,14 @@
                                 </p:cTn>
                               </p:par>
                               <p:par>
-                                <p:cTn id="221" presetID="1" presetClass="entr" presetSubtype="0" fill="hold" nodeType="withEffect">
+                                <p:cTn id="211" presetID="1" presetClass="entr" presetSubtype="0" fill="hold" nodeType="withEffect">
                                   <p:stCondLst>
                                     <p:cond delay="0"/>
                                   </p:stCondLst>
                                   <p:childTnLst>
                                     <p:set>
                                       <p:cBhvr>
-                                        <p:cTn id="222" dur="1" fill="hold">
+                                        <p:cTn id="212" dur="1" fill="hold">
                                           <p:stCondLst>
                                             <p:cond delay="0"/>
                                           </p:stCondLst>
@@ -23777,14 +23394,14 @@
                                 </p:cTn>
                               </p:par>
                               <p:par>
-                                <p:cTn id="223" presetID="1" presetClass="entr" presetSubtype="0" fill="hold" grpId="2" nodeType="withEffect">
+                                <p:cTn id="213" presetID="1" presetClass="entr" presetSubtype="0" fill="hold" grpId="2" nodeType="withEffect">
                                   <p:stCondLst>
                                     <p:cond delay="0"/>
                                   </p:stCondLst>
                                   <p:childTnLst>
                                     <p:set>
                                       <p:cBhvr>
-                                        <p:cTn id="224" dur="1" fill="hold">
+                                        <p:cTn id="214" dur="1" fill="hold">
                                           <p:stCondLst>
                                             <p:cond delay="0"/>
                                           </p:stCondLst>
@@ -23810,26 +23427,26 @@
                     </p:cTn>
                   </p:par>
                   <p:par>
-                    <p:cTn id="225" fill="hold" nodeType="clickPar">
+                    <p:cTn id="215" fill="hold" nodeType="clickPar">
                       <p:stCondLst>
                         <p:cond delay="indefinite"/>
                       </p:stCondLst>
                       <p:childTnLst>
                         <p:par>
-                          <p:cTn id="226" fill="hold" nodeType="withGroup">
+                          <p:cTn id="216" fill="hold" nodeType="withGroup">
                             <p:stCondLst>
                               <p:cond delay="0"/>
                             </p:stCondLst>
                             <p:childTnLst>
                               <p:par>
-                                <p:cTn id="227" presetID="1" presetClass="entr" presetSubtype="0" fill="hold" nodeType="clickEffect">
+                                <p:cTn id="217" presetID="1" presetClass="entr" presetSubtype="0" fill="hold" nodeType="clickEffect">
                                   <p:stCondLst>
                                     <p:cond delay="0"/>
                                   </p:stCondLst>
                                   <p:childTnLst>
                                     <p:set>
                                       <p:cBhvr>
-                                        <p:cTn id="228" dur="1" fill="hold">
+                                        <p:cTn id="218" dur="1" fill="hold">
                                           <p:stCondLst>
                                             <p:cond delay="0"/>
                                           </p:stCondLst>
@@ -23849,14 +23466,14 @@
                                 </p:cTn>
                               </p:par>
                               <p:par>
-                                <p:cTn id="229" presetID="1" presetClass="exit" presetSubtype="0" fill="hold" nodeType="withEffect">
+                                <p:cTn id="219" presetID="1" presetClass="exit" presetSubtype="0" fill="hold" nodeType="withEffect">
                                   <p:stCondLst>
                                     <p:cond delay="0"/>
                                   </p:stCondLst>
                                   <p:childTnLst>
                                     <p:set>
                                       <p:cBhvr>
-                                        <p:cTn id="230" dur="1" fill="hold">
+                                        <p:cTn id="220" dur="1" fill="hold">
                                           <p:stCondLst>
                                             <p:cond delay="0"/>
                                           </p:stCondLst>
@@ -23882,26 +23499,26 @@
                     </p:cTn>
                   </p:par>
                   <p:par>
-                    <p:cTn id="231" fill="hold" nodeType="clickPar">
+                    <p:cTn id="221" fill="hold" nodeType="clickPar">
                       <p:stCondLst>
                         <p:cond delay="indefinite"/>
                       </p:stCondLst>
                       <p:childTnLst>
                         <p:par>
-                          <p:cTn id="232" fill="hold" nodeType="withGroup">
+                          <p:cTn id="222" fill="hold" nodeType="withGroup">
                             <p:stCondLst>
                               <p:cond delay="0"/>
                             </p:stCondLst>
                             <p:childTnLst>
                               <p:par>
-                                <p:cTn id="233" presetID="1" presetClass="exit" presetSubtype="0" fill="hold" grpId="1" nodeType="clickEffect">
+                                <p:cTn id="223" presetID="1" presetClass="exit" presetSubtype="0" fill="hold" grpId="1" nodeType="clickEffect">
                                   <p:stCondLst>
                                     <p:cond delay="0"/>
                                   </p:stCondLst>
                                   <p:childTnLst>
                                     <p:set>
                                       <p:cBhvr>
-                                        <p:cTn id="234" dur="1" fill="hold">
+                                        <p:cTn id="224" dur="1" fill="hold">
                                           <p:stCondLst>
                                             <p:cond delay="0"/>
                                           </p:stCondLst>
@@ -23921,14 +23538,14 @@
                                 </p:cTn>
                               </p:par>
                               <p:par>
-                                <p:cTn id="235" presetID="1" presetClass="exit" presetSubtype="0" fill="hold" nodeType="withEffect">
+                                <p:cTn id="225" presetID="1" presetClass="exit" presetSubtype="0" fill="hold" nodeType="withEffect">
                                   <p:stCondLst>
                                     <p:cond delay="0"/>
                                   </p:stCondLst>
                                   <p:childTnLst>
                                     <p:set>
                                       <p:cBhvr>
-                                        <p:cTn id="236" dur="1" fill="hold">
+                                        <p:cTn id="226" dur="1" fill="hold">
                                           <p:stCondLst>
                                             <p:cond delay="0"/>
                                           </p:stCondLst>
@@ -23948,14 +23565,14 @@
                                 </p:cTn>
                               </p:par>
                               <p:par>
-                                <p:cTn id="237" presetID="1" presetClass="exit" presetSubtype="0" fill="hold" grpId="3" nodeType="withEffect">
+                                <p:cTn id="227" presetID="1" presetClass="exit" presetSubtype="0" fill="hold" grpId="3" nodeType="withEffect">
                                   <p:stCondLst>
                                     <p:cond delay="0"/>
                                   </p:stCondLst>
                                   <p:childTnLst>
                                     <p:set>
                                       <p:cBhvr>
-                                        <p:cTn id="238" dur="1" fill="hold">
+                                        <p:cTn id="228" dur="1" fill="hold">
                                           <p:stCondLst>
                                             <p:cond delay="0"/>
                                           </p:stCondLst>
@@ -23975,14 +23592,14 @@
                                 </p:cTn>
                               </p:par>
                               <p:par>
-                                <p:cTn id="239" presetID="1" presetClass="entr" presetSubtype="0" fill="hold" grpId="2" nodeType="withEffect">
+                                <p:cTn id="229" presetID="1" presetClass="entr" presetSubtype="0" fill="hold" grpId="2" nodeType="withEffect">
                                   <p:stCondLst>
                                     <p:cond delay="0"/>
                                   </p:stCondLst>
                                   <p:childTnLst>
                                     <p:set>
                                       <p:cBhvr>
-                                        <p:cTn id="240" dur="1" fill="hold">
+                                        <p:cTn id="230" dur="1" fill="hold">
                                           <p:stCondLst>
                                             <p:cond delay="0"/>
                                           </p:stCondLst>
@@ -24002,14 +23619,14 @@
                                 </p:cTn>
                               </p:par>
                               <p:par>
-                                <p:cTn id="241" presetID="1" presetClass="entr" presetSubtype="0" fill="hold" grpId="1" nodeType="withEffect">
+                                <p:cTn id="231" presetID="1" presetClass="entr" presetSubtype="0" fill="hold" grpId="1" nodeType="withEffect">
                                   <p:stCondLst>
                                     <p:cond delay="0"/>
                                   </p:stCondLst>
                                   <p:childTnLst>
                                     <p:set>
                                       <p:cBhvr>
-                                        <p:cTn id="242" dur="1" fill="hold">
+                                        <p:cTn id="232" dur="1" fill="hold">
                                           <p:stCondLst>
                                             <p:cond delay="0"/>
                                           </p:stCondLst>
@@ -24029,14 +23646,14 @@
                                 </p:cTn>
                               </p:par>
                               <p:par>
-                                <p:cTn id="243" presetID="1" presetClass="entr" presetSubtype="0" fill="hold" nodeType="withEffect">
+                                <p:cTn id="233" presetID="1" presetClass="entr" presetSubtype="0" fill="hold" nodeType="withEffect">
                                   <p:stCondLst>
                                     <p:cond delay="0"/>
                                   </p:stCondLst>
                                   <p:childTnLst>
                                     <p:set>
                                       <p:cBhvr>
-                                        <p:cTn id="244" dur="1" fill="hold">
+                                        <p:cTn id="234" dur="1" fill="hold">
                                           <p:stCondLst>
                                             <p:cond delay="0"/>
                                           </p:stCondLst>
@@ -24062,26 +23679,26 @@
                     </p:cTn>
                   </p:par>
                   <p:par>
-                    <p:cTn id="245" fill="hold" nodeType="clickPar">
+                    <p:cTn id="235" fill="hold" nodeType="clickPar">
                       <p:stCondLst>
                         <p:cond delay="indefinite"/>
                       </p:stCondLst>
                       <p:childTnLst>
                         <p:par>
-                          <p:cTn id="246" fill="hold" nodeType="withGroup">
+                          <p:cTn id="236" fill="hold" nodeType="withGroup">
                             <p:stCondLst>
                               <p:cond delay="0"/>
                             </p:stCondLst>
                             <p:childTnLst>
                               <p:par>
-                                <p:cTn id="247" presetID="1" presetClass="exit" presetSubtype="0" fill="hold" nodeType="clickEffect">
+                                <p:cTn id="237" presetID="1" presetClass="exit" presetSubtype="0" fill="hold" nodeType="clickEffect">
                                   <p:stCondLst>
                                     <p:cond delay="0"/>
                                   </p:stCondLst>
                                   <p:childTnLst>
                                     <p:set>
                                       <p:cBhvr>
-                                        <p:cTn id="248" dur="1" fill="hold">
+                                        <p:cTn id="238" dur="1" fill="hold">
                                           <p:stCondLst>
                                             <p:cond delay="0"/>
                                           </p:stCondLst>
@@ -24101,14 +23718,14 @@
                                 </p:cTn>
                               </p:par>
                               <p:par>
-                                <p:cTn id="249" presetID="1" presetClass="entr" presetSubtype="0" fill="hold" nodeType="withEffect">
+                                <p:cTn id="239" presetID="1" presetClass="entr" presetSubtype="0" fill="hold" nodeType="withEffect">
                                   <p:stCondLst>
                                     <p:cond delay="0"/>
                                   </p:stCondLst>
                                   <p:childTnLst>
                                     <p:set>
                                       <p:cBhvr>
-                                        <p:cTn id="250" dur="1" fill="hold">
+                                        <p:cTn id="240" dur="1" fill="hold">
                                           <p:stCondLst>
                                             <p:cond delay="0"/>
                                           </p:stCondLst>
@@ -24134,26 +23751,26 @@
                     </p:cTn>
                   </p:par>
                   <p:par>
-                    <p:cTn id="251" fill="hold" nodeType="clickPar">
+                    <p:cTn id="241" fill="hold" nodeType="clickPar">
                       <p:stCondLst>
                         <p:cond delay="indefinite"/>
                       </p:stCondLst>
                       <p:childTnLst>
                         <p:par>
-                          <p:cTn id="252" fill="hold" nodeType="withGroup">
+                          <p:cTn id="242" fill="hold" nodeType="withGroup">
                             <p:stCondLst>
                               <p:cond delay="0"/>
                             </p:stCondLst>
                             <p:childTnLst>
                               <p:par>
-                                <p:cTn id="253" presetID="1" presetClass="exit" presetSubtype="0" fill="hold" grpId="3" nodeType="clickEffect">
+                                <p:cTn id="243" presetID="1" presetClass="exit" presetSubtype="0" fill="hold" grpId="3" nodeType="clickEffect">
                                   <p:stCondLst>
                                     <p:cond delay="0"/>
                                   </p:stCondLst>
                                   <p:childTnLst>
                                     <p:set>
                                       <p:cBhvr>
-                                        <p:cTn id="254" dur="1" fill="hold">
+                                        <p:cTn id="244" dur="1" fill="hold">
                                           <p:stCondLst>
                                             <p:cond delay="0"/>
                                           </p:stCondLst>
@@ -24173,14 +23790,14 @@
                                 </p:cTn>
                               </p:par>
                               <p:par>
-                                <p:cTn id="255" presetID="1" presetClass="exit" presetSubtype="0" fill="hold" nodeType="withEffect">
+                                <p:cTn id="245" presetID="1" presetClass="exit" presetSubtype="0" fill="hold" nodeType="withEffect">
                                   <p:stCondLst>
                                     <p:cond delay="0"/>
                                   </p:stCondLst>
                                   <p:childTnLst>
                                     <p:set>
                                       <p:cBhvr>
-                                        <p:cTn id="256" dur="1" fill="hold">
+                                        <p:cTn id="246" dur="1" fill="hold">
                                           <p:stCondLst>
                                             <p:cond delay="0"/>
                                           </p:stCondLst>
@@ -24200,14 +23817,14 @@
                                 </p:cTn>
                               </p:par>
                               <p:par>
-                                <p:cTn id="257" presetID="1" presetClass="exit" presetSubtype="0" fill="hold" grpId="1" nodeType="withEffect">
+                                <p:cTn id="247" presetID="1" presetClass="exit" presetSubtype="0" fill="hold" grpId="1" nodeType="withEffect">
                                   <p:stCondLst>
                                     <p:cond delay="0"/>
                                   </p:stCondLst>
                                   <p:childTnLst>
                                     <p:set>
                                       <p:cBhvr>
-                                        <p:cTn id="258" dur="1" fill="hold">
+                                        <p:cTn id="248" dur="1" fill="hold">
                                           <p:stCondLst>
                                             <p:cond delay="0"/>
                                           </p:stCondLst>
@@ -24227,14 +23844,14 @@
                                 </p:cTn>
                               </p:par>
                               <p:par>
-                                <p:cTn id="259" presetID="1" presetClass="exit" presetSubtype="0" fill="hold" grpId="2" nodeType="withEffect">
+                                <p:cTn id="249" presetID="1" presetClass="exit" presetSubtype="0" fill="hold" grpId="2" nodeType="withEffect">
                                   <p:stCondLst>
                                     <p:cond delay="0"/>
                                   </p:stCondLst>
                                   <p:childTnLst>
                                     <p:set>
                                       <p:cBhvr>
-                                        <p:cTn id="260" dur="1" fill="hold">
+                                        <p:cTn id="250" dur="1" fill="hold">
                                           <p:stCondLst>
                                             <p:cond delay="0"/>
                                           </p:stCondLst>
@@ -24254,14 +23871,14 @@
                                 </p:cTn>
                               </p:par>
                               <p:par>
-                                <p:cTn id="261" presetID="1" presetClass="exit" presetSubtype="0" fill="hold" nodeType="withEffect">
+                                <p:cTn id="251" presetID="1" presetClass="exit" presetSubtype="0" fill="hold" nodeType="withEffect">
                                   <p:stCondLst>
                                     <p:cond delay="0"/>
                                   </p:stCondLst>
                                   <p:childTnLst>
                                     <p:set>
                                       <p:cBhvr>
-                                        <p:cTn id="262" dur="1" fill="hold">
+                                        <p:cTn id="252" dur="1" fill="hold">
                                           <p:stCondLst>
                                             <p:cond delay="0"/>
                                           </p:stCondLst>
@@ -24281,14 +23898,14 @@
                                 </p:cTn>
                               </p:par>
                               <p:par>
-                                <p:cTn id="263" presetID="1" presetClass="entr" presetSubtype="0" fill="hold" nodeType="withEffect">
+                                <p:cTn id="253" presetID="1" presetClass="entr" presetSubtype="0" fill="hold" nodeType="withEffect">
                                   <p:stCondLst>
                                     <p:cond delay="0"/>
                                   </p:stCondLst>
                                   <p:childTnLst>
                                     <p:set>
                                       <p:cBhvr>
-                                        <p:cTn id="264" dur="1" fill="hold">
+                                        <p:cTn id="254" dur="1" fill="hold">
                                           <p:stCondLst>
                                             <p:cond delay="0"/>
                                           </p:stCondLst>
@@ -24308,14 +23925,14 @@
                                 </p:cTn>
                               </p:par>
                               <p:par>
-                                <p:cTn id="265" presetID="1" presetClass="entr" presetSubtype="0" fill="hold" grpId="2" nodeType="withEffect">
+                                <p:cTn id="255" presetID="1" presetClass="entr" presetSubtype="0" fill="hold" grpId="2" nodeType="withEffect">
                                   <p:stCondLst>
                                     <p:cond delay="0"/>
                                   </p:stCondLst>
                                   <p:childTnLst>
                                     <p:set>
                                       <p:cBhvr>
-                                        <p:cTn id="266" dur="1" fill="hold">
+                                        <p:cTn id="256" dur="1" fill="hold">
                                           <p:stCondLst>
                                             <p:cond delay="0"/>
                                           </p:stCondLst>
@@ -24335,14 +23952,14 @@
                                 </p:cTn>
                               </p:par>
                               <p:par>
-                                <p:cTn id="267" presetID="1" presetClass="entr" presetSubtype="0" fill="hold" grpId="3" nodeType="withEffect">
+                                <p:cTn id="257" presetID="1" presetClass="entr" presetSubtype="0" fill="hold" grpId="3" nodeType="withEffect">
                                   <p:stCondLst>
                                     <p:cond delay="0"/>
                                   </p:stCondLst>
                                   <p:childTnLst>
                                     <p:set>
                                       <p:cBhvr>
-                                        <p:cTn id="268" dur="1" fill="hold">
+                                        <p:cTn id="258" dur="1" fill="hold">
                                           <p:stCondLst>
                                             <p:cond delay="0"/>
                                           </p:stCondLst>
@@ -24362,14 +23979,14 @@
                                 </p:cTn>
                               </p:par>
                               <p:par>
-                                <p:cTn id="269" presetID="1" presetClass="entr" presetSubtype="0" fill="hold" nodeType="withEffect">
+                                <p:cTn id="259" presetID="1" presetClass="entr" presetSubtype="0" fill="hold" nodeType="withEffect">
                                   <p:stCondLst>
                                     <p:cond delay="0"/>
                                   </p:stCondLst>
                                   <p:childTnLst>
                                     <p:set>
                                       <p:cBhvr>
-                                        <p:cTn id="270" dur="1" fill="hold">
+                                        <p:cTn id="260" dur="1" fill="hold">
                                           <p:stCondLst>
                                             <p:cond delay="0"/>
                                           </p:stCondLst>
@@ -24395,26 +24012,26 @@
                     </p:cTn>
                   </p:par>
                   <p:par>
-                    <p:cTn id="271" fill="hold" nodeType="clickPar">
+                    <p:cTn id="261" fill="hold" nodeType="clickPar">
                       <p:stCondLst>
                         <p:cond delay="indefinite"/>
                       </p:stCondLst>
                       <p:childTnLst>
                         <p:par>
-                          <p:cTn id="272" fill="hold" nodeType="withGroup">
+                          <p:cTn id="262" fill="hold" nodeType="withGroup">
                             <p:stCondLst>
                               <p:cond delay="0"/>
                             </p:stCondLst>
                             <p:childTnLst>
                               <p:par>
-                                <p:cTn id="273" presetID="1" presetClass="entr" presetSubtype="0" fill="hold" nodeType="clickEffect">
+                                <p:cTn id="263" presetID="1" presetClass="entr" presetSubtype="0" fill="hold" nodeType="clickEffect">
                                   <p:stCondLst>
                                     <p:cond delay="0"/>
                                   </p:stCondLst>
                                   <p:childTnLst>
                                     <p:set>
                                       <p:cBhvr>
-                                        <p:cTn id="274" dur="1" fill="hold">
+                                        <p:cTn id="264" dur="1" fill="hold">
                                           <p:stCondLst>
                                             <p:cond delay="0"/>
                                           </p:stCondLst>
@@ -24434,14 +24051,14 @@
                                 </p:cTn>
                               </p:par>
                               <p:par>
-                                <p:cTn id="275" presetID="1" presetClass="exit" presetSubtype="0" fill="hold" nodeType="withEffect">
+                                <p:cTn id="265" presetID="1" presetClass="exit" presetSubtype="0" fill="hold" nodeType="withEffect">
                                   <p:stCondLst>
                                     <p:cond delay="0"/>
                                   </p:stCondLst>
                                   <p:childTnLst>
                                     <p:set>
                                       <p:cBhvr>
-                                        <p:cTn id="276" dur="1" fill="hold">
+                                        <p:cTn id="266" dur="1" fill="hold">
                                           <p:stCondLst>
                                             <p:cond delay="0"/>
                                           </p:stCondLst>
@@ -24467,26 +24084,26 @@
                     </p:cTn>
                   </p:par>
                   <p:par>
-                    <p:cTn id="277" fill="hold" nodeType="clickPar">
+                    <p:cTn id="267" fill="hold" nodeType="clickPar">
                       <p:stCondLst>
                         <p:cond delay="indefinite"/>
                       </p:stCondLst>
                       <p:childTnLst>
                         <p:par>
-                          <p:cTn id="278" fill="hold" nodeType="withGroup">
+                          <p:cTn id="268" fill="hold" nodeType="withGroup">
                             <p:stCondLst>
                               <p:cond delay="0"/>
                             </p:stCondLst>
                             <p:childTnLst>
                               <p:par>
-                                <p:cTn id="279" presetID="1" presetClass="exit" presetSubtype="0" fill="hold" grpId="0" nodeType="clickEffect">
+                                <p:cTn id="269" presetID="1" presetClass="exit" presetSubtype="0" fill="hold" grpId="0" nodeType="clickEffect">
                                   <p:stCondLst>
                                     <p:cond delay="0"/>
                                   </p:stCondLst>
                                   <p:childTnLst>
                                     <p:set>
                                       <p:cBhvr>
-                                        <p:cTn id="280" dur="1" fill="hold">
+                                        <p:cTn id="270" dur="1" fill="hold">
                                           <p:stCondLst>
                                             <p:cond delay="0"/>
                                           </p:stCondLst>
@@ -24506,14 +24123,14 @@
                                 </p:cTn>
                               </p:par>
                               <p:par>
-                                <p:cTn id="281" presetID="1" presetClass="exit" presetSubtype="0" fill="hold" nodeType="withEffect">
+                                <p:cTn id="271" presetID="1" presetClass="exit" presetSubtype="0" fill="hold" nodeType="withEffect">
                                   <p:stCondLst>
                                     <p:cond delay="0"/>
                                   </p:stCondLst>
                                   <p:childTnLst>
                                     <p:set>
                                       <p:cBhvr>
-                                        <p:cTn id="282" dur="1" fill="hold">
+                                        <p:cTn id="272" dur="1" fill="hold">
                                           <p:stCondLst>
                                             <p:cond delay="0"/>
                                           </p:stCondLst>
@@ -24533,14 +24150,14 @@
                                 </p:cTn>
                               </p:par>
                               <p:par>
-                                <p:cTn id="283" presetID="1" presetClass="exit" presetSubtype="0" fill="hold" grpId="3" nodeType="withEffect">
+                                <p:cTn id="273" presetID="1" presetClass="exit" presetSubtype="0" fill="hold" grpId="3" nodeType="withEffect">
                                   <p:stCondLst>
                                     <p:cond delay="0"/>
                                   </p:stCondLst>
                                   <p:childTnLst>
                                     <p:set>
                                       <p:cBhvr>
-                                        <p:cTn id="284" dur="1" fill="hold">
+                                        <p:cTn id="274" dur="1" fill="hold">
                                           <p:stCondLst>
                                             <p:cond delay="0"/>
                                           </p:stCondLst>
@@ -24560,14 +24177,14 @@
                                 </p:cTn>
                               </p:par>
                               <p:par>
-                                <p:cTn id="285" presetID="1" presetClass="entr" presetSubtype="0" fill="hold" grpId="2" nodeType="withEffect">
+                                <p:cTn id="275" presetID="1" presetClass="entr" presetSubtype="0" fill="hold" grpId="2" nodeType="withEffect">
                                   <p:stCondLst>
                                     <p:cond delay="0"/>
                                   </p:stCondLst>
                                   <p:childTnLst>
                                     <p:set>
                                       <p:cBhvr>
-                                        <p:cTn id="286" dur="1" fill="hold">
+                                        <p:cTn id="276" dur="1" fill="hold">
                                           <p:stCondLst>
                                             <p:cond delay="0"/>
                                           </p:stCondLst>
@@ -24587,14 +24204,14 @@
                                 </p:cTn>
                               </p:par>
                               <p:par>
-                                <p:cTn id="287" presetID="1" presetClass="entr" presetSubtype="0" fill="hold" nodeType="withEffect">
+                                <p:cTn id="277" presetID="1" presetClass="entr" presetSubtype="0" fill="hold" nodeType="withEffect">
                                   <p:stCondLst>
                                     <p:cond delay="0"/>
                                   </p:stCondLst>
                                   <p:childTnLst>
                                     <p:set>
                                       <p:cBhvr>
-                                        <p:cTn id="288" dur="1" fill="hold">
+                                        <p:cTn id="278" dur="1" fill="hold">
                                           <p:stCondLst>
                                             <p:cond delay="0"/>
                                           </p:stCondLst>
@@ -24620,26 +24237,26 @@
                     </p:cTn>
                   </p:par>
                   <p:par>
-                    <p:cTn id="289" fill="hold" nodeType="clickPar">
+                    <p:cTn id="279" fill="hold" nodeType="clickPar">
                       <p:stCondLst>
                         <p:cond delay="indefinite"/>
                       </p:stCondLst>
                       <p:childTnLst>
                         <p:par>
-                          <p:cTn id="290" fill="hold" nodeType="withGroup">
+                          <p:cTn id="280" fill="hold" nodeType="withGroup">
                             <p:stCondLst>
                               <p:cond delay="0"/>
                             </p:stCondLst>
                             <p:childTnLst>
                               <p:par>
-                                <p:cTn id="291" presetID="0" presetClass="path" presetSubtype="0" accel="50000" decel="50000" fill="hold" nodeType="clickEffect">
+                                <p:cTn id="281" presetID="0" presetClass="path" presetSubtype="0" accel="50000" decel="50000" fill="hold" nodeType="clickEffect">
                                   <p:stCondLst>
                                     <p:cond delay="0"/>
                                   </p:stCondLst>
                                   <p:childTnLst>
                                     <p:animMotion origin="layout" path="M 0 0 L -0.23611 -0.18912 " pathEditMode="relative" ptsTypes="AA">
                                       <p:cBhvr>
-                                        <p:cTn id="292" dur="2000" fill="hold"/>
+                                        <p:cTn id="282" dur="2000" fill="hold"/>
                                         <p:tgtEl>
                                           <p:spTgt spid="1011765"/>
                                         </p:tgtEl>
@@ -24659,26 +24276,26 @@
                     </p:cTn>
                   </p:par>
                   <p:par>
-                    <p:cTn id="293" fill="hold" nodeType="clickPar">
+                    <p:cTn id="283" fill="hold" nodeType="clickPar">
                       <p:stCondLst>
                         <p:cond delay="indefinite"/>
                       </p:stCondLst>
                       <p:childTnLst>
                         <p:par>
-                          <p:cTn id="294" fill="hold" nodeType="withGroup">
+                          <p:cTn id="284" fill="hold" nodeType="withGroup">
                             <p:stCondLst>
                               <p:cond delay="0"/>
                             </p:stCondLst>
                             <p:childTnLst>
                               <p:par>
-                                <p:cTn id="295" presetID="1" presetClass="exit" presetSubtype="0" fill="hold" grpId="3" nodeType="clickEffect">
+                                <p:cTn id="285" presetID="1" presetClass="exit" presetSubtype="0" fill="hold" grpId="3" nodeType="clickEffect">
                                   <p:stCondLst>
                                     <p:cond delay="0"/>
                                   </p:stCondLst>
                                   <p:childTnLst>
                                     <p:set>
                                       <p:cBhvr>
-                                        <p:cTn id="296" dur="1" fill="hold">
+                                        <p:cTn id="286" dur="1" fill="hold">
                                           <p:stCondLst>
                                             <p:cond delay="0"/>
                                           </p:stCondLst>
@@ -24698,14 +24315,14 @@
                                 </p:cTn>
                               </p:par>
                               <p:par>
-                                <p:cTn id="297" presetID="1" presetClass="exit" presetSubtype="0" fill="hold" nodeType="withEffect">
+                                <p:cTn id="287" presetID="1" presetClass="exit" presetSubtype="0" fill="hold" nodeType="withEffect">
                                   <p:stCondLst>
                                     <p:cond delay="0"/>
                                   </p:stCondLst>
                                   <p:childTnLst>
                                     <p:set>
                                       <p:cBhvr>
-                                        <p:cTn id="298" dur="1" fill="hold">
+                                        <p:cTn id="288" dur="1" fill="hold">
                                           <p:stCondLst>
                                             <p:cond delay="0"/>
                                           </p:stCondLst>
@@ -24725,14 +24342,14 @@
                                 </p:cTn>
                               </p:par>
                               <p:par>
-                                <p:cTn id="299" presetID="1" presetClass="exit" presetSubtype="0" fill="hold" grpId="1" nodeType="withEffect">
+                                <p:cTn id="289" presetID="1" presetClass="exit" presetSubtype="0" fill="hold" grpId="1" nodeType="withEffect">
                                   <p:stCondLst>
                                     <p:cond delay="0"/>
                                   </p:stCondLst>
                                   <p:childTnLst>
                                     <p:set>
                                       <p:cBhvr>
-                                        <p:cTn id="300" dur="1" fill="hold">
+                                        <p:cTn id="290" dur="1" fill="hold">
                                           <p:stCondLst>
                                             <p:cond delay="0"/>
                                           </p:stCondLst>
@@ -24752,14 +24369,14 @@
                                 </p:cTn>
                               </p:par>
                               <p:par>
-                                <p:cTn id="301" presetID="1" presetClass="entr" presetSubtype="0" fill="hold" nodeType="withEffect">
+                                <p:cTn id="291" presetID="1" presetClass="entr" presetSubtype="0" fill="hold" nodeType="withEffect">
                                   <p:stCondLst>
                                     <p:cond delay="0"/>
                                   </p:stCondLst>
                                   <p:childTnLst>
                                     <p:set>
                                       <p:cBhvr>
-                                        <p:cTn id="302" dur="1" fill="hold">
+                                        <p:cTn id="292" dur="1" fill="hold">
                                           <p:stCondLst>
                                             <p:cond delay="0"/>
                                           </p:stCondLst>
@@ -24779,14 +24396,14 @@
                                 </p:cTn>
                               </p:par>
                               <p:par>
-                                <p:cTn id="303" presetID="1" presetClass="entr" presetSubtype="0" fill="hold" grpId="2" nodeType="withEffect">
+                                <p:cTn id="293" presetID="1" presetClass="entr" presetSubtype="0" fill="hold" grpId="2" nodeType="withEffect">
                                   <p:stCondLst>
                                     <p:cond delay="0"/>
                                   </p:stCondLst>
                                   <p:childTnLst>
                                     <p:set>
                                       <p:cBhvr>
-                                        <p:cTn id="304" dur="1" fill="hold">
+                                        <p:cTn id="294" dur="1" fill="hold">
                                           <p:stCondLst>
                                             <p:cond delay="0"/>
                                           </p:stCondLst>
@@ -24812,26 +24429,26 @@
                     </p:cTn>
                   </p:par>
                   <p:par>
-                    <p:cTn id="305" fill="hold" nodeType="clickPar">
+                    <p:cTn id="295" fill="hold" nodeType="clickPar">
                       <p:stCondLst>
                         <p:cond delay="indefinite"/>
                       </p:stCondLst>
                       <p:childTnLst>
                         <p:par>
-                          <p:cTn id="306" fill="hold" nodeType="withGroup">
+                          <p:cTn id="296" fill="hold" nodeType="withGroup">
                             <p:stCondLst>
                               <p:cond delay="0"/>
                             </p:stCondLst>
                             <p:childTnLst>
                               <p:par>
-                                <p:cTn id="307" presetID="1" presetClass="entr" presetSubtype="0" fill="hold" nodeType="clickEffect">
+                                <p:cTn id="297" presetID="1" presetClass="entr" presetSubtype="0" fill="hold" nodeType="clickEffect">
                                   <p:stCondLst>
                                     <p:cond delay="0"/>
                                   </p:stCondLst>
                                   <p:childTnLst>
                                     <p:set>
                                       <p:cBhvr>
-                                        <p:cTn id="308" dur="1" fill="hold">
+                                        <p:cTn id="298" dur="1" fill="hold">
                                           <p:stCondLst>
                                             <p:cond delay="0"/>
                                           </p:stCondLst>
@@ -24851,14 +24468,14 @@
                                 </p:cTn>
                               </p:par>
                               <p:par>
-                                <p:cTn id="309" presetID="1" presetClass="exit" presetSubtype="0" fill="hold" nodeType="withEffect">
+                                <p:cTn id="299" presetID="1" presetClass="exit" presetSubtype="0" fill="hold" nodeType="withEffect">
                                   <p:stCondLst>
                                     <p:cond delay="0"/>
                                   </p:stCondLst>
                                   <p:childTnLst>
                                     <p:set>
                                       <p:cBhvr>
-                                        <p:cTn id="310" dur="1" fill="hold">
+                                        <p:cTn id="300" dur="1" fill="hold">
                                           <p:stCondLst>
                                             <p:cond delay="0"/>
                                           </p:stCondLst>
@@ -24884,26 +24501,26 @@
                     </p:cTn>
                   </p:par>
                   <p:par>
-                    <p:cTn id="311" fill="hold" nodeType="clickPar">
+                    <p:cTn id="301" fill="hold" nodeType="clickPar">
                       <p:stCondLst>
                         <p:cond delay="indefinite"/>
                       </p:stCondLst>
                       <p:childTnLst>
                         <p:par>
-                          <p:cTn id="312" fill="hold" nodeType="withGroup">
+                          <p:cTn id="302" fill="hold" nodeType="withGroup">
                             <p:stCondLst>
                               <p:cond delay="0"/>
                             </p:stCondLst>
                             <p:childTnLst>
                               <p:par>
-                                <p:cTn id="313" presetID="1" presetClass="exit" presetSubtype="0" fill="hold" grpId="3" nodeType="clickEffect">
+                                <p:cTn id="303" presetID="1" presetClass="exit" presetSubtype="0" fill="hold" grpId="3" nodeType="clickEffect">
                                   <p:stCondLst>
                                     <p:cond delay="0"/>
                                   </p:stCondLst>
                                   <p:childTnLst>
                                     <p:set>
                                       <p:cBhvr>
-                                        <p:cTn id="314" dur="1" fill="hold">
+                                        <p:cTn id="304" dur="1" fill="hold">
                                           <p:stCondLst>
                                             <p:cond delay="0"/>
                                           </p:stCondLst>
@@ -24923,14 +24540,14 @@
                                 </p:cTn>
                               </p:par>
                               <p:par>
-                                <p:cTn id="315" presetID="1" presetClass="exit" presetSubtype="0" fill="hold" nodeType="withEffect">
+                                <p:cTn id="305" presetID="1" presetClass="exit" presetSubtype="0" fill="hold" nodeType="withEffect">
                                   <p:stCondLst>
                                     <p:cond delay="0"/>
                                   </p:stCondLst>
                                   <p:childTnLst>
                                     <p:set>
                                       <p:cBhvr>
-                                        <p:cTn id="316" dur="1" fill="hold">
+                                        <p:cTn id="306" dur="1" fill="hold">
                                           <p:stCondLst>
                                             <p:cond delay="0"/>
                                           </p:stCondLst>
@@ -24950,14 +24567,14 @@
                                 </p:cTn>
                               </p:par>
                               <p:par>
-                                <p:cTn id="317" presetID="1" presetClass="exit" presetSubtype="0" fill="hold" grpId="1" nodeType="withEffect">
+                                <p:cTn id="307" presetID="1" presetClass="exit" presetSubtype="0" fill="hold" grpId="1" nodeType="withEffect">
                                   <p:stCondLst>
                                     <p:cond delay="0"/>
                                   </p:stCondLst>
                                   <p:childTnLst>
                                     <p:set>
                                       <p:cBhvr>
-                                        <p:cTn id="318" dur="1" fill="hold">
+                                        <p:cTn id="308" dur="1" fill="hold">
                                           <p:stCondLst>
                                             <p:cond delay="0"/>
                                           </p:stCondLst>
@@ -24977,14 +24594,14 @@
                                 </p:cTn>
                               </p:par>
                               <p:par>
-                                <p:cTn id="319" presetID="1" presetClass="entr" presetSubtype="0" fill="hold" grpId="2" nodeType="withEffect">
+                                <p:cTn id="309" presetID="1" presetClass="entr" presetSubtype="0" fill="hold" grpId="2" nodeType="withEffect">
                                   <p:stCondLst>
                                     <p:cond delay="0"/>
                                   </p:stCondLst>
                                   <p:childTnLst>
                                     <p:set>
                                       <p:cBhvr>
-                                        <p:cTn id="320" dur="1" fill="hold">
+                                        <p:cTn id="310" dur="1" fill="hold">
                                           <p:stCondLst>
                                             <p:cond delay="0"/>
                                           </p:stCondLst>
@@ -25004,14 +24621,14 @@
                                 </p:cTn>
                               </p:par>
                               <p:par>
-                                <p:cTn id="321" presetID="1" presetClass="entr" presetSubtype="0" fill="hold" nodeType="withEffect">
+                                <p:cTn id="311" presetID="1" presetClass="entr" presetSubtype="0" fill="hold" nodeType="withEffect">
                                   <p:stCondLst>
                                     <p:cond delay="0"/>
                                   </p:stCondLst>
                                   <p:childTnLst>
                                     <p:set>
                                       <p:cBhvr>
-                                        <p:cTn id="322" dur="1" fill="hold">
+                                        <p:cTn id="312" dur="1" fill="hold">
                                           <p:stCondLst>
                                             <p:cond delay="0"/>
                                           </p:stCondLst>
@@ -25037,26 +24654,26 @@
                     </p:cTn>
                   </p:par>
                   <p:par>
-                    <p:cTn id="323" fill="hold" nodeType="clickPar">
+                    <p:cTn id="313" fill="hold" nodeType="clickPar">
                       <p:stCondLst>
                         <p:cond delay="indefinite"/>
                       </p:stCondLst>
                       <p:childTnLst>
                         <p:par>
-                          <p:cTn id="324" fill="hold" nodeType="withGroup">
+                          <p:cTn id="314" fill="hold" nodeType="withGroup">
                             <p:stCondLst>
                               <p:cond delay="0"/>
                             </p:stCondLst>
                             <p:childTnLst>
                               <p:par>
-                                <p:cTn id="325" presetID="1" presetClass="entr" presetSubtype="0" fill="hold" nodeType="clickEffect">
+                                <p:cTn id="315" presetID="1" presetClass="entr" presetSubtype="0" fill="hold" nodeType="clickEffect">
                                   <p:stCondLst>
                                     <p:cond delay="0"/>
                                   </p:stCondLst>
                                   <p:childTnLst>
                                     <p:set>
                                       <p:cBhvr>
-                                        <p:cTn id="326" dur="1" fill="hold">
+                                        <p:cTn id="316" dur="1" fill="hold">
                                           <p:stCondLst>
                                             <p:cond delay="0"/>
                                           </p:stCondLst>
@@ -25076,14 +24693,14 @@
                                 </p:cTn>
                               </p:par>
                               <p:par>
-                                <p:cTn id="327" presetID="1" presetClass="exit" presetSubtype="0" fill="hold" nodeType="withEffect">
+                                <p:cTn id="317" presetID="1" presetClass="exit" presetSubtype="0" fill="hold" nodeType="withEffect">
                                   <p:stCondLst>
                                     <p:cond delay="0"/>
                                   </p:stCondLst>
                                   <p:childTnLst>
                                     <p:set>
                                       <p:cBhvr>
-                                        <p:cTn id="328" dur="1" fill="hold">
+                                        <p:cTn id="318" dur="1" fill="hold">
                                           <p:stCondLst>
                                             <p:cond delay="0"/>
                                           </p:stCondLst>
@@ -25109,26 +24726,26 @@
                     </p:cTn>
                   </p:par>
                   <p:par>
-                    <p:cTn id="329" fill="hold" nodeType="clickPar">
+                    <p:cTn id="319" fill="hold" nodeType="clickPar">
                       <p:stCondLst>
                         <p:cond delay="indefinite"/>
                       </p:stCondLst>
                       <p:childTnLst>
                         <p:par>
-                          <p:cTn id="330" fill="hold" nodeType="withGroup">
+                          <p:cTn id="320" fill="hold" nodeType="withGroup">
                             <p:stCondLst>
                               <p:cond delay="0"/>
                             </p:stCondLst>
                             <p:childTnLst>
                               <p:par>
-                                <p:cTn id="331" presetID="1" presetClass="exit" presetSubtype="0" fill="hold" grpId="1" nodeType="clickEffect">
+                                <p:cTn id="321" presetID="1" presetClass="exit" presetSubtype="0" fill="hold" grpId="1" nodeType="clickEffect">
                                   <p:stCondLst>
                                     <p:cond delay="0"/>
                                   </p:stCondLst>
                                   <p:childTnLst>
                                     <p:set>
                                       <p:cBhvr>
-                                        <p:cTn id="332" dur="1" fill="hold">
+                                        <p:cTn id="322" dur="1" fill="hold">
                                           <p:stCondLst>
                                             <p:cond delay="0"/>
                                           </p:stCondLst>
@@ -25148,14 +24765,14 @@
                                 </p:cTn>
                               </p:par>
                               <p:par>
-                                <p:cTn id="333" presetID="1" presetClass="exit" presetSubtype="0" fill="hold" nodeType="withEffect">
+                                <p:cTn id="323" presetID="1" presetClass="exit" presetSubtype="0" fill="hold" nodeType="withEffect">
                                   <p:stCondLst>
                                     <p:cond delay="0"/>
                                   </p:stCondLst>
                                   <p:childTnLst>
                                     <p:set>
                                       <p:cBhvr>
-                                        <p:cTn id="334" dur="1" fill="hold">
+                                        <p:cTn id="324" dur="1" fill="hold">
                                           <p:stCondLst>
                                             <p:cond delay="0"/>
                                           </p:stCondLst>
@@ -25175,14 +24792,14 @@
                                 </p:cTn>
                               </p:par>
                               <p:par>
-                                <p:cTn id="335" presetID="1" presetClass="exit" presetSubtype="0" fill="hold" grpId="3" nodeType="withEffect">
+                                <p:cTn id="325" presetID="1" presetClass="exit" presetSubtype="0" fill="hold" grpId="3" nodeType="withEffect">
                                   <p:stCondLst>
                                     <p:cond delay="0"/>
                                   </p:stCondLst>
                                   <p:childTnLst>
                                     <p:set>
                                       <p:cBhvr>
-                                        <p:cTn id="336" dur="1" fill="hold">
+                                        <p:cTn id="326" dur="1" fill="hold">
                                           <p:stCondLst>
                                             <p:cond delay="0"/>
                                           </p:stCondLst>
@@ -25202,14 +24819,14 @@
                                 </p:cTn>
                               </p:par>
                               <p:par>
-                                <p:cTn id="337" presetID="1" presetClass="exit" presetSubtype="0" fill="hold" nodeType="withEffect">
+                                <p:cTn id="327" presetID="1" presetClass="exit" presetSubtype="0" fill="hold" nodeType="withEffect">
                                   <p:stCondLst>
                                     <p:cond delay="0"/>
                                   </p:stCondLst>
                                   <p:childTnLst>
                                     <p:set>
                                       <p:cBhvr>
-                                        <p:cTn id="338" dur="1" fill="hold">
+                                        <p:cTn id="328" dur="1" fill="hold">
                                           <p:stCondLst>
                                             <p:cond delay="0"/>
                                           </p:stCondLst>
@@ -25229,14 +24846,14 @@
                                 </p:cTn>
                               </p:par>
                               <p:par>
-                                <p:cTn id="339" presetID="1" presetClass="exit" presetSubtype="0" fill="hold" grpId="1" nodeType="withEffect">
+                                <p:cTn id="329" presetID="1" presetClass="exit" presetSubtype="0" fill="hold" grpId="1" nodeType="withEffect">
                                   <p:stCondLst>
                                     <p:cond delay="0"/>
                                   </p:stCondLst>
                                   <p:childTnLst>
                                     <p:set>
                                       <p:cBhvr>
-                                        <p:cTn id="340" dur="1" fill="hold">
+                                        <p:cTn id="330" dur="1" fill="hold">
                                           <p:stCondLst>
                                             <p:cond delay="0"/>
                                           </p:stCondLst>
@@ -25256,14 +24873,14 @@
                                 </p:cTn>
                               </p:par>
                               <p:par>
-                                <p:cTn id="341" presetID="1" presetClass="entr" presetSubtype="0" fill="hold" nodeType="withEffect">
+                                <p:cTn id="331" presetID="1" presetClass="entr" presetSubtype="0" fill="hold" nodeType="withEffect">
                                   <p:stCondLst>
                                     <p:cond delay="0"/>
                                   </p:stCondLst>
                                   <p:childTnLst>
                                     <p:set>
                                       <p:cBhvr>
-                                        <p:cTn id="342" dur="1" fill="hold">
+                                        <p:cTn id="332" dur="1" fill="hold">
                                           <p:stCondLst>
                                             <p:cond delay="0"/>
                                           </p:stCondLst>
@@ -25283,14 +24900,14 @@
                                 </p:cTn>
                               </p:par>
                               <p:par>
-                                <p:cTn id="343" presetID="1" presetClass="entr" presetSubtype="0" fill="hold" grpId="2" nodeType="withEffect">
+                                <p:cTn id="333" presetID="1" presetClass="entr" presetSubtype="0" fill="hold" grpId="2" nodeType="withEffect">
                                   <p:stCondLst>
                                     <p:cond delay="0"/>
                                   </p:stCondLst>
                                   <p:childTnLst>
                                     <p:set>
                                       <p:cBhvr>
-                                        <p:cTn id="344" dur="1" fill="hold">
+                                        <p:cTn id="334" dur="1" fill="hold">
                                           <p:stCondLst>
                                             <p:cond delay="0"/>
                                           </p:stCondLst>
@@ -25316,26 +24933,26 @@
                     </p:cTn>
                   </p:par>
                   <p:par>
-                    <p:cTn id="345" fill="hold" nodeType="clickPar">
+                    <p:cTn id="335" fill="hold" nodeType="clickPar">
                       <p:stCondLst>
                         <p:cond delay="indefinite"/>
                       </p:stCondLst>
                       <p:childTnLst>
                         <p:par>
-                          <p:cTn id="346" fill="hold" nodeType="withGroup">
+                          <p:cTn id="336" fill="hold" nodeType="withGroup">
                             <p:stCondLst>
                               <p:cond delay="0"/>
                             </p:stCondLst>
                             <p:childTnLst>
                               <p:par>
-                                <p:cTn id="347" presetID="1" presetClass="entr" presetSubtype="0" fill="hold" nodeType="clickEffect">
+                                <p:cTn id="337" presetID="1" presetClass="entr" presetSubtype="0" fill="hold" nodeType="clickEffect">
                                   <p:stCondLst>
                                     <p:cond delay="0"/>
                                   </p:stCondLst>
                                   <p:childTnLst>
                                     <p:set>
                                       <p:cBhvr>
-                                        <p:cTn id="348" dur="1" fill="hold">
+                                        <p:cTn id="338" dur="1" fill="hold">
                                           <p:stCondLst>
                                             <p:cond delay="0"/>
                                           </p:stCondLst>
@@ -25355,14 +24972,14 @@
                                 </p:cTn>
                               </p:par>
                               <p:par>
-                                <p:cTn id="349" presetID="1" presetClass="exit" presetSubtype="0" fill="hold" nodeType="withEffect">
+                                <p:cTn id="339" presetID="1" presetClass="exit" presetSubtype="0" fill="hold" nodeType="withEffect">
                                   <p:stCondLst>
                                     <p:cond delay="0"/>
                                   </p:stCondLst>
                                   <p:childTnLst>
                                     <p:set>
                                       <p:cBhvr>
-                                        <p:cTn id="350" dur="1" fill="hold">
+                                        <p:cTn id="340" dur="1" fill="hold">
                                           <p:stCondLst>
                                             <p:cond delay="0"/>
                                           </p:stCondLst>
@@ -25388,26 +25005,26 @@
                     </p:cTn>
                   </p:par>
                   <p:par>
-                    <p:cTn id="351" fill="hold" nodeType="clickPar">
+                    <p:cTn id="341" fill="hold" nodeType="clickPar">
                       <p:stCondLst>
                         <p:cond delay="indefinite"/>
                       </p:stCondLst>
                       <p:childTnLst>
                         <p:par>
-                          <p:cTn id="352" fill="hold" nodeType="withGroup">
+                          <p:cTn id="342" fill="hold" nodeType="withGroup">
                             <p:stCondLst>
                               <p:cond delay="0"/>
                             </p:stCondLst>
                             <p:childTnLst>
                               <p:par>
-                                <p:cTn id="353" presetID="1" presetClass="exit" presetSubtype="0" fill="hold" grpId="1" nodeType="clickEffect">
+                                <p:cTn id="343" presetID="1" presetClass="exit" presetSubtype="0" fill="hold" grpId="1" nodeType="clickEffect">
                                   <p:stCondLst>
                                     <p:cond delay="0"/>
                                   </p:stCondLst>
                                   <p:childTnLst>
                                     <p:set>
                                       <p:cBhvr>
-                                        <p:cTn id="354" dur="1" fill="hold">
+                                        <p:cTn id="344" dur="1" fill="hold">
                                           <p:stCondLst>
                                             <p:cond delay="0"/>
                                           </p:stCondLst>
@@ -25427,14 +25044,14 @@
                                 </p:cTn>
                               </p:par>
                               <p:par>
-                                <p:cTn id="355" presetID="1" presetClass="exit" presetSubtype="0" fill="hold" nodeType="withEffect">
+                                <p:cTn id="345" presetID="1" presetClass="exit" presetSubtype="0" fill="hold" nodeType="withEffect">
                                   <p:stCondLst>
                                     <p:cond delay="0"/>
                                   </p:stCondLst>
                                   <p:childTnLst>
                                     <p:set>
                                       <p:cBhvr>
-                                        <p:cTn id="356" dur="1" fill="hold">
+                                        <p:cTn id="346" dur="1" fill="hold">
                                           <p:stCondLst>
                                             <p:cond delay="0"/>
                                           </p:stCondLst>
@@ -25454,14 +25071,14 @@
                                 </p:cTn>
                               </p:par>
                               <p:par>
-                                <p:cTn id="357" presetID="1" presetClass="exit" presetSubtype="0" fill="hold" grpId="3" nodeType="withEffect">
+                                <p:cTn id="347" presetID="1" presetClass="exit" presetSubtype="0" fill="hold" grpId="3" nodeType="withEffect">
                                   <p:stCondLst>
                                     <p:cond delay="0"/>
                                   </p:stCondLst>
                                   <p:childTnLst>
                                     <p:set>
                                       <p:cBhvr>
-                                        <p:cTn id="358" dur="1" fill="hold">
+                                        <p:cTn id="348" dur="1" fill="hold">
                                           <p:stCondLst>
                                             <p:cond delay="0"/>
                                           </p:stCondLst>
@@ -25480,57 +25097,42 @@
                                   </p:childTnLst>
                                 </p:cTn>
                               </p:par>
+                            </p:childTnLst>
+                          </p:cTn>
+                        </p:par>
+                      </p:childTnLst>
+                    </p:cTn>
+                  </p:par>
+                  <p:par>
+                    <p:cTn id="349" fill="hold" nodeType="clickPar">
+                      <p:stCondLst>
+                        <p:cond delay="indefinite"/>
+                      </p:stCondLst>
+                      <p:childTnLst>
+                        <p:par>
+                          <p:cTn id="350" fill="hold" nodeType="withGroup">
+                            <p:stCondLst>
+                              <p:cond delay="0"/>
+                            </p:stCondLst>
+                            <p:childTnLst>
                               <p:par>
-                                <p:cTn id="359" presetID="1" presetClass="entr" presetSubtype="0" fill="hold" grpId="2" nodeType="withEffect">
+                                <p:cTn id="351" presetID="0" presetClass="path" presetSubtype="0" accel="50000" decel="50000" fill="hold" nodeType="clickEffect">
                                   <p:stCondLst>
                                     <p:cond delay="0"/>
                                   </p:stCondLst>
                                   <p:childTnLst>
-                                    <p:set>
+                                    <p:animMotion origin="layout" path="M 0 0 L -0.05122 -0.34652 " pathEditMode="relative" ptsTypes="AA">
                                       <p:cBhvr>
-                                        <p:cTn id="360" dur="1" fill="hold">
-                                          <p:stCondLst>
-                                            <p:cond delay="0"/>
-                                          </p:stCondLst>
-                                        </p:cTn>
+                                        <p:cTn id="352" dur="2000" fill="hold"/>
                                         <p:tgtEl>
-                                          <p:spTgt spid="55"/>
+                                          <p:spTgt spid="1011735"/>
                                         </p:tgtEl>
                                         <p:attrNameLst>
-                                          <p:attrName>style.visibility</p:attrName>
+                                          <p:attrName>ppt_x</p:attrName>
+                                          <p:attrName>ppt_y</p:attrName>
                                         </p:attrNameLst>
                                       </p:cBhvr>
-                                      <p:to>
-                                        <p:strVal val="visible"/>
-                                      </p:to>
-                                    </p:set>
-                                  </p:childTnLst>
-                                </p:cTn>
-                              </p:par>
-                              <p:par>
-                                <p:cTn id="361" presetID="1" presetClass="entr" presetSubtype="0" fill="hold" grpId="2" nodeType="withEffect">
-                                  <p:stCondLst>
-                                    <p:cond delay="0"/>
-                                  </p:stCondLst>
-                                  <p:childTnLst>
-                                    <p:set>
-                                      <p:cBhvr>
-                                        <p:cTn id="362" dur="1" fill="hold">
-                                          <p:stCondLst>
-                                            <p:cond delay="0"/>
-                                          </p:stCondLst>
-                                        </p:cTn>
-                                        <p:tgtEl>
-                                          <p:spTgt spid="56"/>
-                                        </p:tgtEl>
-                                        <p:attrNameLst>
-                                          <p:attrName>style.visibility</p:attrName>
-                                        </p:attrNameLst>
-                                      </p:cBhvr>
-                                      <p:to>
-                                        <p:strVal val="visible"/>
-                                      </p:to>
-                                    </p:set>
+                                    </p:animMotion>
                                   </p:childTnLst>
                                 </p:cTn>
                               </p:par>
@@ -25620,12 +25222,6 @@
       <p:bldP spid="1011753" grpId="3"/>
       <p:bldP spid="1011757" grpId="0"/>
       <p:bldP spid="1011757" grpId="1"/>
-      <p:bldP spid="55" grpId="0"/>
-      <p:bldP spid="55" grpId="1"/>
-      <p:bldP spid="55" grpId="2"/>
-      <p:bldP spid="56" grpId="0" animBg="1"/>
-      <p:bldP spid="56" grpId="1" animBg="1"/>
-      <p:bldP spid="56" grpId="2" animBg="1"/>
     </p:bldLst>
   </p:timing>
 </p:sld>
